--- a/doc/XXL-CONF架构图.pptx
+++ b/doc/XXL-CONF架构图.pptx
@@ -1,19 +1,19 @@
 
 <file path=ppt/presentation.xml><?xml version="1.0" encoding="utf-8"?>
-<p:presentation xmlns:a="http://schemas.openxmlformats.org/drawingml/2006/main" xmlns:r="http://schemas.openxmlformats.org/officeDocument/2006/relationships" xmlns:p="http://schemas.openxmlformats.org/presentationml/2006/main" saveSubsetFonts="1">
+<p:presentation xmlns:a="http://schemas.openxmlformats.org/drawingml/2006/main" xmlns:r="http://schemas.openxmlformats.org/officeDocument/2006/relationships" xmlns:p="http://schemas.openxmlformats.org/presentationml/2006/main">
   <p:sldMasterIdLst>
     <p:sldMasterId id="2147483648" r:id="rId1"/>
   </p:sldMasterIdLst>
   <p:notesMasterIdLst>
-    <p:notesMasterId r:id="rId8"/>
+    <p:notesMasterId r:id="rId6"/>
   </p:notesMasterIdLst>
   <p:sldIdLst>
-    <p:sldId id="256" r:id="rId2"/>
-    <p:sldId id="257" r:id="rId3"/>
-    <p:sldId id="258" r:id="rId4"/>
-    <p:sldId id="259" r:id="rId5"/>
-    <p:sldId id="260" r:id="rId6"/>
-    <p:sldId id="261" r:id="rId7"/>
+    <p:sldId id="256" r:id="rId3"/>
+    <p:sldId id="257" r:id="rId4"/>
+    <p:sldId id="258" r:id="rId5"/>
+    <p:sldId id="259" r:id="rId7"/>
+    <p:sldId id="260" r:id="rId8"/>
+    <p:sldId id="261" r:id="rId9"/>
   </p:sldIdLst>
   <p:sldSz cx="12192000" cy="6858000"/>
   <p:notesSz cx="6858000" cy="9144000"/>
@@ -112,11 +112,6 @@
       </a:defRPr>
     </a:lvl9pPr>
   </p:defaultTextStyle>
-  <p:extLst>
-    <p:ext uri="{EFAFB233-063F-42B5-8137-9DF3F51BA10A}">
-      <p15:sldGuideLst xmlns:p15="http://schemas.microsoft.com/office/powerpoint/2012/main"/>
-    </p:ext>
-  </p:extLst>
 </p:presentation>
 </file>
 
@@ -202,7 +197,6 @@
           <a:p>
             <a:fld id="{D2A48B96-639E-45A3-A0BA-2464DFDB1FAA}" type="datetimeFigureOut">
               <a:rPr lang="zh-CN" altLang="en-US" smtClean="0"/>
-              <a:t>2018/11/29</a:t>
             </a:fld>
             <a:endParaRPr lang="zh-CN" altLang="en-US"/>
           </a:p>
@@ -269,6 +263,7 @@
               <a:rPr lang="zh-CN" altLang="en-US" smtClean="0"/>
               <a:t>单击此处编辑母版文本样式</a:t>
             </a:r>
+            <a:endParaRPr lang="zh-CN" altLang="en-US" smtClean="0"/>
           </a:p>
           <a:p>
             <a:pPr lvl="1"/>
@@ -276,6 +271,7 @@
               <a:rPr lang="zh-CN" altLang="en-US" smtClean="0"/>
               <a:t>第二级</a:t>
             </a:r>
+            <a:endParaRPr lang="zh-CN" altLang="en-US" smtClean="0"/>
           </a:p>
           <a:p>
             <a:pPr lvl="2"/>
@@ -283,6 +279,7 @@
               <a:rPr lang="zh-CN" altLang="en-US" smtClean="0"/>
               <a:t>第三级</a:t>
             </a:r>
+            <a:endParaRPr lang="zh-CN" altLang="en-US" smtClean="0"/>
           </a:p>
           <a:p>
             <a:pPr lvl="3"/>
@@ -290,6 +287,7 @@
               <a:rPr lang="zh-CN" altLang="en-US" smtClean="0"/>
               <a:t>第四级</a:t>
             </a:r>
+            <a:endParaRPr lang="zh-CN" altLang="en-US" smtClean="0"/>
           </a:p>
           <a:p>
             <a:pPr lvl="4"/>
@@ -361,18 +359,12 @@
           <a:p>
             <a:fld id="{A6837353-30EB-4A48-80EB-173D804AEFBD}" type="slidenum">
               <a:rPr lang="zh-CN" altLang="en-US" smtClean="0"/>
-              <a:t>‹#›</a:t>
             </a:fld>
             <a:endParaRPr lang="zh-CN" altLang="en-US"/>
           </a:p>
         </p:txBody>
       </p:sp>
     </p:spTree>
-    <p:extLst>
-      <p:ext uri="{BB962C8B-B14F-4D97-AF65-F5344CB8AC3E}">
-        <p14:creationId xmlns:p14="http://schemas.microsoft.com/office/powerpoint/2010/main" val="286566454"/>
-      </p:ext>
-    </p:extLst>
   </p:cSld>
   <p:clrMap bg1="lt1" tx1="dk1" bg2="lt2" tx2="dk2" accent1="accent1" accent2="accent2" accent3="accent3" accent4="accent4" accent5="accent5" accent6="accent6" hlink="hlink" folHlink="folHlink"/>
   <p:notesStyle>
@@ -535,18 +527,12 @@
           <a:p>
             <a:fld id="{A6837353-30EB-4A48-80EB-173D804AEFBD}" type="slidenum">
               <a:rPr lang="zh-CN" altLang="en-US" smtClean="0"/>
-              <a:t>3</a:t>
             </a:fld>
             <a:endParaRPr lang="zh-CN" altLang="en-US"/>
           </a:p>
         </p:txBody>
       </p:sp>
     </p:spTree>
-    <p:extLst>
-      <p:ext uri="{BB962C8B-B14F-4D97-AF65-F5344CB8AC3E}">
-        <p14:creationId xmlns:p14="http://schemas.microsoft.com/office/powerpoint/2010/main" val="989369856"/>
-      </p:ext>
-    </p:extLst>
   </p:cSld>
   <p:clrMapOvr>
     <a:masterClrMapping/>
@@ -619,18 +605,12 @@
           <a:p>
             <a:fld id="{A6837353-30EB-4A48-80EB-173D804AEFBD}" type="slidenum">
               <a:rPr lang="zh-CN" altLang="en-US" smtClean="0"/>
-              <a:t>5</a:t>
             </a:fld>
             <a:endParaRPr lang="zh-CN" altLang="en-US"/>
           </a:p>
         </p:txBody>
       </p:sp>
     </p:spTree>
-    <p:extLst>
-      <p:ext uri="{BB962C8B-B14F-4D97-AF65-F5344CB8AC3E}">
-        <p14:creationId xmlns:p14="http://schemas.microsoft.com/office/powerpoint/2010/main" val="1251134648"/>
-      </p:ext>
-    </p:extLst>
   </p:cSld>
   <p:clrMapOvr>
     <a:masterClrMapping/>
@@ -769,7 +749,6 @@
           <a:p>
             <a:fld id="{D997B5FA-0921-464F-AAE1-844C04324D75}" type="datetimeFigureOut">
               <a:rPr lang="zh-CN" altLang="en-US" smtClean="0"/>
-              <a:t>2018/11/29</a:t>
             </a:fld>
             <a:endParaRPr lang="zh-CN" altLang="en-US"/>
           </a:p>
@@ -811,7 +790,6 @@
           <a:p>
             <a:fld id="{565CE74E-AB26-4998-AD42-012C4C1AD076}" type="slidenum">
               <a:rPr lang="zh-CN" altLang="en-US" smtClean="0"/>
-              <a:t>‹#›</a:t>
             </a:fld>
             <a:endParaRPr lang="zh-CN" altLang="en-US"/>
           </a:p>
@@ -885,6 +863,7 @@
               <a:rPr lang="zh-CN" altLang="en-US" smtClean="0"/>
               <a:t>单击此处编辑母版文本样式</a:t>
             </a:r>
+            <a:endParaRPr lang="zh-CN" altLang="en-US" smtClean="0"/>
           </a:p>
           <a:p>
             <a:pPr lvl="1"/>
@@ -892,6 +871,7 @@
               <a:rPr lang="zh-CN" altLang="en-US" smtClean="0"/>
               <a:t>第二级</a:t>
             </a:r>
+            <a:endParaRPr lang="zh-CN" altLang="en-US" smtClean="0"/>
           </a:p>
           <a:p>
             <a:pPr lvl="2"/>
@@ -899,6 +879,7 @@
               <a:rPr lang="zh-CN" altLang="en-US" smtClean="0"/>
               <a:t>第三级</a:t>
             </a:r>
+            <a:endParaRPr lang="zh-CN" altLang="en-US" smtClean="0"/>
           </a:p>
           <a:p>
             <a:pPr lvl="3"/>
@@ -906,6 +887,7 @@
               <a:rPr lang="zh-CN" altLang="en-US" smtClean="0"/>
               <a:t>第四级</a:t>
             </a:r>
+            <a:endParaRPr lang="zh-CN" altLang="en-US" smtClean="0"/>
           </a:p>
           <a:p>
             <a:pPr lvl="4"/>
@@ -934,7 +916,6 @@
           <a:p>
             <a:fld id="{D997B5FA-0921-464F-AAE1-844C04324D75}" type="datetimeFigureOut">
               <a:rPr lang="zh-CN" altLang="en-US" smtClean="0"/>
-              <a:t>2018/11/29</a:t>
             </a:fld>
             <a:endParaRPr lang="zh-CN" altLang="en-US"/>
           </a:p>
@@ -976,7 +957,6 @@
           <a:p>
             <a:fld id="{565CE74E-AB26-4998-AD42-012C4C1AD076}" type="slidenum">
               <a:rPr lang="zh-CN" altLang="en-US" smtClean="0"/>
-              <a:t>‹#›</a:t>
             </a:fld>
             <a:endParaRPr lang="zh-CN" altLang="en-US"/>
           </a:p>
@@ -1060,6 +1040,7 @@
               <a:rPr lang="zh-CN" altLang="en-US" smtClean="0"/>
               <a:t>单击此处编辑母版文本样式</a:t>
             </a:r>
+            <a:endParaRPr lang="zh-CN" altLang="en-US" smtClean="0"/>
           </a:p>
           <a:p>
             <a:pPr lvl="1"/>
@@ -1067,6 +1048,7 @@
               <a:rPr lang="zh-CN" altLang="en-US" smtClean="0"/>
               <a:t>第二级</a:t>
             </a:r>
+            <a:endParaRPr lang="zh-CN" altLang="en-US" smtClean="0"/>
           </a:p>
           <a:p>
             <a:pPr lvl="2"/>
@@ -1074,6 +1056,7 @@
               <a:rPr lang="zh-CN" altLang="en-US" smtClean="0"/>
               <a:t>第三级</a:t>
             </a:r>
+            <a:endParaRPr lang="zh-CN" altLang="en-US" smtClean="0"/>
           </a:p>
           <a:p>
             <a:pPr lvl="3"/>
@@ -1081,6 +1064,7 @@
               <a:rPr lang="zh-CN" altLang="en-US" smtClean="0"/>
               <a:t>第四级</a:t>
             </a:r>
+            <a:endParaRPr lang="zh-CN" altLang="en-US" smtClean="0"/>
           </a:p>
           <a:p>
             <a:pPr lvl="4"/>
@@ -1109,7 +1093,6 @@
           <a:p>
             <a:fld id="{D997B5FA-0921-464F-AAE1-844C04324D75}" type="datetimeFigureOut">
               <a:rPr lang="zh-CN" altLang="en-US" smtClean="0"/>
-              <a:t>2018/11/29</a:t>
             </a:fld>
             <a:endParaRPr lang="zh-CN" altLang="en-US"/>
           </a:p>
@@ -1151,7 +1134,6 @@
           <a:p>
             <a:fld id="{565CE74E-AB26-4998-AD42-012C4C1AD076}" type="slidenum">
               <a:rPr lang="zh-CN" altLang="en-US" smtClean="0"/>
-              <a:t>‹#›</a:t>
             </a:fld>
             <a:endParaRPr lang="zh-CN" altLang="en-US"/>
           </a:p>
@@ -1225,6 +1207,7 @@
               <a:rPr lang="zh-CN" altLang="en-US" smtClean="0"/>
               <a:t>单击此处编辑母版文本样式</a:t>
             </a:r>
+            <a:endParaRPr lang="zh-CN" altLang="en-US" smtClean="0"/>
           </a:p>
           <a:p>
             <a:pPr lvl="1"/>
@@ -1232,6 +1215,7 @@
               <a:rPr lang="zh-CN" altLang="en-US" smtClean="0"/>
               <a:t>第二级</a:t>
             </a:r>
+            <a:endParaRPr lang="zh-CN" altLang="en-US" smtClean="0"/>
           </a:p>
           <a:p>
             <a:pPr lvl="2"/>
@@ -1239,6 +1223,7 @@
               <a:rPr lang="zh-CN" altLang="en-US" smtClean="0"/>
               <a:t>第三级</a:t>
             </a:r>
+            <a:endParaRPr lang="zh-CN" altLang="en-US" smtClean="0"/>
           </a:p>
           <a:p>
             <a:pPr lvl="3"/>
@@ -1246,6 +1231,7 @@
               <a:rPr lang="zh-CN" altLang="en-US" smtClean="0"/>
               <a:t>第四级</a:t>
             </a:r>
+            <a:endParaRPr lang="zh-CN" altLang="en-US" smtClean="0"/>
           </a:p>
           <a:p>
             <a:pPr lvl="4"/>
@@ -1274,7 +1260,6 @@
           <a:p>
             <a:fld id="{D997B5FA-0921-464F-AAE1-844C04324D75}" type="datetimeFigureOut">
               <a:rPr lang="zh-CN" altLang="en-US" smtClean="0"/>
-              <a:t>2018/11/29</a:t>
             </a:fld>
             <a:endParaRPr lang="zh-CN" altLang="en-US"/>
           </a:p>
@@ -1316,7 +1301,6 @@
           <a:p>
             <a:fld id="{565CE74E-AB26-4998-AD42-012C4C1AD076}" type="slidenum">
               <a:rPr lang="zh-CN" altLang="en-US" smtClean="0"/>
-              <a:t>‹#›</a:t>
             </a:fld>
             <a:endParaRPr lang="zh-CN" altLang="en-US"/>
           </a:p>
@@ -1495,6 +1479,7 @@
               <a:rPr lang="zh-CN" altLang="en-US" smtClean="0"/>
               <a:t>单击此处编辑母版文本样式</a:t>
             </a:r>
+            <a:endParaRPr lang="zh-CN" altLang="en-US" smtClean="0"/>
           </a:p>
         </p:txBody>
       </p:sp>
@@ -1515,7 +1500,6 @@
           <a:p>
             <a:fld id="{D997B5FA-0921-464F-AAE1-844C04324D75}" type="datetimeFigureOut">
               <a:rPr lang="zh-CN" altLang="en-US" smtClean="0"/>
-              <a:t>2018/11/29</a:t>
             </a:fld>
             <a:endParaRPr lang="zh-CN" altLang="en-US"/>
           </a:p>
@@ -1557,7 +1541,6 @@
           <a:p>
             <a:fld id="{565CE74E-AB26-4998-AD42-012C4C1AD076}" type="slidenum">
               <a:rPr lang="zh-CN" altLang="en-US" smtClean="0"/>
-              <a:t>‹#›</a:t>
             </a:fld>
             <a:endParaRPr lang="zh-CN" altLang="en-US"/>
           </a:p>
@@ -1636,6 +1619,7 @@
               <a:rPr lang="zh-CN" altLang="en-US" smtClean="0"/>
               <a:t>单击此处编辑母版文本样式</a:t>
             </a:r>
+            <a:endParaRPr lang="zh-CN" altLang="en-US" smtClean="0"/>
           </a:p>
           <a:p>
             <a:pPr lvl="1"/>
@@ -1643,6 +1627,7 @@
               <a:rPr lang="zh-CN" altLang="en-US" smtClean="0"/>
               <a:t>第二级</a:t>
             </a:r>
+            <a:endParaRPr lang="zh-CN" altLang="en-US" smtClean="0"/>
           </a:p>
           <a:p>
             <a:pPr lvl="2"/>
@@ -1650,6 +1635,7 @@
               <a:rPr lang="zh-CN" altLang="en-US" smtClean="0"/>
               <a:t>第三级</a:t>
             </a:r>
+            <a:endParaRPr lang="zh-CN" altLang="en-US" smtClean="0"/>
           </a:p>
           <a:p>
             <a:pPr lvl="3"/>
@@ -1657,6 +1643,7 @@
               <a:rPr lang="zh-CN" altLang="en-US" smtClean="0"/>
               <a:t>第四级</a:t>
             </a:r>
+            <a:endParaRPr lang="zh-CN" altLang="en-US" smtClean="0"/>
           </a:p>
           <a:p>
             <a:pPr lvl="4"/>
@@ -1693,6 +1680,7 @@
               <a:rPr lang="zh-CN" altLang="en-US" smtClean="0"/>
               <a:t>单击此处编辑母版文本样式</a:t>
             </a:r>
+            <a:endParaRPr lang="zh-CN" altLang="en-US" smtClean="0"/>
           </a:p>
           <a:p>
             <a:pPr lvl="1"/>
@@ -1700,6 +1688,7 @@
               <a:rPr lang="zh-CN" altLang="en-US" smtClean="0"/>
               <a:t>第二级</a:t>
             </a:r>
+            <a:endParaRPr lang="zh-CN" altLang="en-US" smtClean="0"/>
           </a:p>
           <a:p>
             <a:pPr lvl="2"/>
@@ -1707,6 +1696,7 @@
               <a:rPr lang="zh-CN" altLang="en-US" smtClean="0"/>
               <a:t>第三级</a:t>
             </a:r>
+            <a:endParaRPr lang="zh-CN" altLang="en-US" smtClean="0"/>
           </a:p>
           <a:p>
             <a:pPr lvl="3"/>
@@ -1714,6 +1704,7 @@
               <a:rPr lang="zh-CN" altLang="en-US" smtClean="0"/>
               <a:t>第四级</a:t>
             </a:r>
+            <a:endParaRPr lang="zh-CN" altLang="en-US" smtClean="0"/>
           </a:p>
           <a:p>
             <a:pPr lvl="4"/>
@@ -1742,7 +1733,6 @@
           <a:p>
             <a:fld id="{D997B5FA-0921-464F-AAE1-844C04324D75}" type="datetimeFigureOut">
               <a:rPr lang="zh-CN" altLang="en-US" smtClean="0"/>
-              <a:t>2018/11/29</a:t>
             </a:fld>
             <a:endParaRPr lang="zh-CN" altLang="en-US"/>
           </a:p>
@@ -1784,7 +1774,6 @@
           <a:p>
             <a:fld id="{565CE74E-AB26-4998-AD42-012C4C1AD076}" type="slidenum">
               <a:rPr lang="zh-CN" altLang="en-US" smtClean="0"/>
-              <a:t>‹#›</a:t>
             </a:fld>
             <a:endParaRPr lang="zh-CN" altLang="en-US"/>
           </a:p>
@@ -1905,6 +1894,7 @@
               <a:rPr lang="zh-CN" altLang="en-US" smtClean="0"/>
               <a:t>单击此处编辑母版文本样式</a:t>
             </a:r>
+            <a:endParaRPr lang="zh-CN" altLang="en-US" smtClean="0"/>
           </a:p>
         </p:txBody>
       </p:sp>
@@ -1933,6 +1923,7 @@
               <a:rPr lang="zh-CN" altLang="en-US" smtClean="0"/>
               <a:t>单击此处编辑母版文本样式</a:t>
             </a:r>
+            <a:endParaRPr lang="zh-CN" altLang="en-US" smtClean="0"/>
           </a:p>
           <a:p>
             <a:pPr lvl="1"/>
@@ -1940,6 +1931,7 @@
               <a:rPr lang="zh-CN" altLang="en-US" smtClean="0"/>
               <a:t>第二级</a:t>
             </a:r>
+            <a:endParaRPr lang="zh-CN" altLang="en-US" smtClean="0"/>
           </a:p>
           <a:p>
             <a:pPr lvl="2"/>
@@ -1947,6 +1939,7 @@
               <a:rPr lang="zh-CN" altLang="en-US" smtClean="0"/>
               <a:t>第三级</a:t>
             </a:r>
+            <a:endParaRPr lang="zh-CN" altLang="en-US" smtClean="0"/>
           </a:p>
           <a:p>
             <a:pPr lvl="3"/>
@@ -1954,6 +1947,7 @@
               <a:rPr lang="zh-CN" altLang="en-US" smtClean="0"/>
               <a:t>第四级</a:t>
             </a:r>
+            <a:endParaRPr lang="zh-CN" altLang="en-US" smtClean="0"/>
           </a:p>
           <a:p>
             <a:pPr lvl="4"/>
@@ -2027,6 +2021,7 @@
               <a:rPr lang="zh-CN" altLang="en-US" smtClean="0"/>
               <a:t>单击此处编辑母版文本样式</a:t>
             </a:r>
+            <a:endParaRPr lang="zh-CN" altLang="en-US" smtClean="0"/>
           </a:p>
         </p:txBody>
       </p:sp>
@@ -2055,6 +2050,7 @@
               <a:rPr lang="zh-CN" altLang="en-US" smtClean="0"/>
               <a:t>单击此处编辑母版文本样式</a:t>
             </a:r>
+            <a:endParaRPr lang="zh-CN" altLang="en-US" smtClean="0"/>
           </a:p>
           <a:p>
             <a:pPr lvl="1"/>
@@ -2062,6 +2058,7 @@
               <a:rPr lang="zh-CN" altLang="en-US" smtClean="0"/>
               <a:t>第二级</a:t>
             </a:r>
+            <a:endParaRPr lang="zh-CN" altLang="en-US" smtClean="0"/>
           </a:p>
           <a:p>
             <a:pPr lvl="2"/>
@@ -2069,6 +2066,7 @@
               <a:rPr lang="zh-CN" altLang="en-US" smtClean="0"/>
               <a:t>第三级</a:t>
             </a:r>
+            <a:endParaRPr lang="zh-CN" altLang="en-US" smtClean="0"/>
           </a:p>
           <a:p>
             <a:pPr lvl="3"/>
@@ -2076,6 +2074,7 @@
               <a:rPr lang="zh-CN" altLang="en-US" smtClean="0"/>
               <a:t>第四级</a:t>
             </a:r>
+            <a:endParaRPr lang="zh-CN" altLang="en-US" smtClean="0"/>
           </a:p>
           <a:p>
             <a:pPr lvl="4"/>
@@ -2104,7 +2103,6 @@
           <a:p>
             <a:fld id="{D997B5FA-0921-464F-AAE1-844C04324D75}" type="datetimeFigureOut">
               <a:rPr lang="zh-CN" altLang="en-US" smtClean="0"/>
-              <a:t>2018/11/29</a:t>
             </a:fld>
             <a:endParaRPr lang="zh-CN" altLang="en-US"/>
           </a:p>
@@ -2146,7 +2144,6 @@
           <a:p>
             <a:fld id="{565CE74E-AB26-4998-AD42-012C4C1AD076}" type="slidenum">
               <a:rPr lang="zh-CN" altLang="en-US" smtClean="0"/>
-              <a:t>‹#›</a:t>
             </a:fld>
             <a:endParaRPr lang="zh-CN" altLang="en-US"/>
           </a:p>
@@ -2217,7 +2214,6 @@
           <a:p>
             <a:fld id="{D997B5FA-0921-464F-AAE1-844C04324D75}" type="datetimeFigureOut">
               <a:rPr lang="zh-CN" altLang="en-US" smtClean="0"/>
-              <a:t>2018/11/29</a:t>
             </a:fld>
             <a:endParaRPr lang="zh-CN" altLang="en-US"/>
           </a:p>
@@ -2259,7 +2255,6 @@
           <a:p>
             <a:fld id="{565CE74E-AB26-4998-AD42-012C4C1AD076}" type="slidenum">
               <a:rPr lang="zh-CN" altLang="en-US" smtClean="0"/>
-              <a:t>‹#›</a:t>
             </a:fld>
             <a:endParaRPr lang="zh-CN" altLang="en-US"/>
           </a:p>
@@ -2307,7 +2302,6 @@
           <a:p>
             <a:fld id="{D997B5FA-0921-464F-AAE1-844C04324D75}" type="datetimeFigureOut">
               <a:rPr lang="zh-CN" altLang="en-US" smtClean="0"/>
-              <a:t>2018/11/29</a:t>
             </a:fld>
             <a:endParaRPr lang="zh-CN" altLang="en-US"/>
           </a:p>
@@ -2349,7 +2343,6 @@
           <a:p>
             <a:fld id="{565CE74E-AB26-4998-AD42-012C4C1AD076}" type="slidenum">
               <a:rPr lang="zh-CN" altLang="en-US" smtClean="0"/>
-              <a:t>‹#›</a:t>
             </a:fld>
             <a:endParaRPr lang="zh-CN" altLang="en-US"/>
           </a:p>
@@ -2465,6 +2458,7 @@
               <a:rPr lang="zh-CN" altLang="en-US" smtClean="0"/>
               <a:t>单击此处编辑母版文本样式</a:t>
             </a:r>
+            <a:endParaRPr lang="zh-CN" altLang="en-US" smtClean="0"/>
           </a:p>
           <a:p>
             <a:pPr lvl="1"/>
@@ -2472,6 +2466,7 @@
               <a:rPr lang="zh-CN" altLang="en-US" smtClean="0"/>
               <a:t>第二级</a:t>
             </a:r>
+            <a:endParaRPr lang="zh-CN" altLang="en-US" smtClean="0"/>
           </a:p>
           <a:p>
             <a:pPr lvl="2"/>
@@ -2479,6 +2474,7 @@
               <a:rPr lang="zh-CN" altLang="en-US" smtClean="0"/>
               <a:t>第三级</a:t>
             </a:r>
+            <a:endParaRPr lang="zh-CN" altLang="en-US" smtClean="0"/>
           </a:p>
           <a:p>
             <a:pPr lvl="3"/>
@@ -2486,6 +2482,7 @@
               <a:rPr lang="zh-CN" altLang="en-US" smtClean="0"/>
               <a:t>第四级</a:t>
             </a:r>
+            <a:endParaRPr lang="zh-CN" altLang="en-US" smtClean="0"/>
           </a:p>
           <a:p>
             <a:pPr lvl="4"/>
@@ -2559,6 +2556,7 @@
               <a:rPr lang="zh-CN" altLang="en-US" smtClean="0"/>
               <a:t>单击此处编辑母版文本样式</a:t>
             </a:r>
+            <a:endParaRPr lang="zh-CN" altLang="en-US" smtClean="0"/>
           </a:p>
         </p:txBody>
       </p:sp>
@@ -2579,7 +2577,6 @@
           <a:p>
             <a:fld id="{D997B5FA-0921-464F-AAE1-844C04324D75}" type="datetimeFigureOut">
               <a:rPr lang="zh-CN" altLang="en-US" smtClean="0"/>
-              <a:t>2018/11/29</a:t>
             </a:fld>
             <a:endParaRPr lang="zh-CN" altLang="en-US"/>
           </a:p>
@@ -2621,7 +2618,6 @@
           <a:p>
             <a:fld id="{565CE74E-AB26-4998-AD42-012C4C1AD076}" type="slidenum">
               <a:rPr lang="zh-CN" altLang="en-US" smtClean="0"/>
-              <a:t>‹#›</a:t>
             </a:fld>
             <a:endParaRPr lang="zh-CN" altLang="en-US"/>
           </a:p>
@@ -2807,6 +2803,7 @@
               <a:rPr lang="zh-CN" altLang="en-US" smtClean="0"/>
               <a:t>单击此处编辑母版文本样式</a:t>
             </a:r>
+            <a:endParaRPr lang="zh-CN" altLang="en-US" smtClean="0"/>
           </a:p>
         </p:txBody>
       </p:sp>
@@ -2827,7 +2824,6 @@
           <a:p>
             <a:fld id="{D997B5FA-0921-464F-AAE1-844C04324D75}" type="datetimeFigureOut">
               <a:rPr lang="zh-CN" altLang="en-US" smtClean="0"/>
-              <a:t>2018/11/29</a:t>
             </a:fld>
             <a:endParaRPr lang="zh-CN" altLang="en-US"/>
           </a:p>
@@ -2869,7 +2865,6 @@
           <a:p>
             <a:fld id="{565CE74E-AB26-4998-AD42-012C4C1AD076}" type="slidenum">
               <a:rPr lang="zh-CN" altLang="en-US" smtClean="0"/>
-              <a:t>‹#›</a:t>
             </a:fld>
             <a:endParaRPr lang="zh-CN" altLang="en-US"/>
           </a:p>
@@ -2968,6 +2963,7 @@
               <a:rPr lang="zh-CN" altLang="en-US" smtClean="0"/>
               <a:t>单击此处编辑母版文本样式</a:t>
             </a:r>
+            <a:endParaRPr lang="zh-CN" altLang="en-US" smtClean="0"/>
           </a:p>
           <a:p>
             <a:pPr lvl="1"/>
@@ -2975,6 +2971,7 @@
               <a:rPr lang="zh-CN" altLang="en-US" smtClean="0"/>
               <a:t>第二级</a:t>
             </a:r>
+            <a:endParaRPr lang="zh-CN" altLang="en-US" smtClean="0"/>
           </a:p>
           <a:p>
             <a:pPr lvl="2"/>
@@ -2982,6 +2979,7 @@
               <a:rPr lang="zh-CN" altLang="en-US" smtClean="0"/>
               <a:t>第三级</a:t>
             </a:r>
+            <a:endParaRPr lang="zh-CN" altLang="en-US" smtClean="0"/>
           </a:p>
           <a:p>
             <a:pPr lvl="3"/>
@@ -2989,6 +2987,7 @@
               <a:rPr lang="zh-CN" altLang="en-US" smtClean="0"/>
               <a:t>第四级</a:t>
             </a:r>
+            <a:endParaRPr lang="zh-CN" altLang="en-US" smtClean="0"/>
           </a:p>
           <a:p>
             <a:pPr lvl="4"/>
@@ -3035,7 +3034,6 @@
           <a:p>
             <a:fld id="{D997B5FA-0921-464F-AAE1-844C04324D75}" type="datetimeFigureOut">
               <a:rPr lang="zh-CN" altLang="en-US" smtClean="0"/>
-              <a:t>2018/11/29</a:t>
             </a:fld>
             <a:endParaRPr lang="zh-CN" altLang="en-US"/>
           </a:p>
@@ -3113,7 +3111,6 @@
           <a:p>
             <a:fld id="{565CE74E-AB26-4998-AD42-012C4C1AD076}" type="slidenum">
               <a:rPr lang="zh-CN" altLang="en-US" smtClean="0"/>
-              <a:t>‹#›</a:t>
             </a:fld>
             <a:endParaRPr lang="zh-CN" altLang="en-US"/>
           </a:p>
@@ -3163,7 +3160,7 @@
         <a:spcBef>
           <a:spcPts val="1000"/>
         </a:spcBef>
-        <a:buFont typeface="Arial" pitchFamily="34" charset="0"/>
+        <a:buFont typeface="Arial" panose="020B0604020202090204" pitchFamily="34" charset="0"/>
         <a:buChar char="•"/>
         <a:defRPr sz="2800" kern="1200">
           <a:solidFill>
@@ -3181,7 +3178,7 @@
         <a:spcBef>
           <a:spcPts val="500"/>
         </a:spcBef>
-        <a:buFont typeface="Arial" pitchFamily="34" charset="0"/>
+        <a:buFont typeface="Arial" panose="020B0604020202090204" pitchFamily="34" charset="0"/>
         <a:buChar char="•"/>
         <a:defRPr sz="2400" kern="1200">
           <a:solidFill>
@@ -3199,7 +3196,7 @@
         <a:spcBef>
           <a:spcPts val="500"/>
         </a:spcBef>
-        <a:buFont typeface="Arial" pitchFamily="34" charset="0"/>
+        <a:buFont typeface="Arial" panose="020B0604020202090204" pitchFamily="34" charset="0"/>
         <a:buChar char="•"/>
         <a:defRPr sz="2000" kern="1200">
           <a:solidFill>
@@ -3217,7 +3214,7 @@
         <a:spcBef>
           <a:spcPts val="500"/>
         </a:spcBef>
-        <a:buFont typeface="Arial" pitchFamily="34" charset="0"/>
+        <a:buFont typeface="Arial" panose="020B0604020202090204" pitchFamily="34" charset="0"/>
         <a:buChar char="•"/>
         <a:defRPr sz="1800" kern="1200">
           <a:solidFill>
@@ -3235,7 +3232,7 @@
         <a:spcBef>
           <a:spcPts val="500"/>
         </a:spcBef>
-        <a:buFont typeface="Arial" pitchFamily="34" charset="0"/>
+        <a:buFont typeface="Arial" panose="020B0604020202090204" pitchFamily="34" charset="0"/>
         <a:buChar char="•"/>
         <a:defRPr sz="1800" kern="1200">
           <a:solidFill>
@@ -3253,7 +3250,7 @@
         <a:spcBef>
           <a:spcPts val="500"/>
         </a:spcBef>
-        <a:buFont typeface="Arial" pitchFamily="34" charset="0"/>
+        <a:buFont typeface="Arial" panose="020B0604020202090204" pitchFamily="34" charset="0"/>
         <a:buChar char="•"/>
         <a:defRPr sz="1800" kern="1200">
           <a:solidFill>
@@ -3271,7 +3268,7 @@
         <a:spcBef>
           <a:spcPts val="500"/>
         </a:spcBef>
-        <a:buFont typeface="Arial" pitchFamily="34" charset="0"/>
+        <a:buFont typeface="Arial" panose="020B0604020202090204" pitchFamily="34" charset="0"/>
         <a:buChar char="•"/>
         <a:defRPr sz="1800" kern="1200">
           <a:solidFill>
@@ -3289,7 +3286,7 @@
         <a:spcBef>
           <a:spcPts val="500"/>
         </a:spcBef>
-        <a:buFont typeface="Arial" pitchFamily="34" charset="0"/>
+        <a:buFont typeface="Arial" panose="020B0604020202090204" pitchFamily="34" charset="0"/>
         <a:buChar char="•"/>
         <a:defRPr sz="1800" kern="1200">
           <a:solidFill>
@@ -3307,7 +3304,7 @@
         <a:spcBef>
           <a:spcPts val="500"/>
         </a:spcBef>
-        <a:buFont typeface="Arial" pitchFamily="34" charset="0"/>
+        <a:buFont typeface="Arial" panose="020B0604020202090204" pitchFamily="34" charset="0"/>
         <a:buChar char="•"/>
         <a:defRPr sz="1800" kern="1200">
           <a:solidFill>
@@ -3570,7 +3567,6 @@
               <a:buSzTx/>
               <a:buFontTx/>
               <a:buNone/>
-              <a:tabLst/>
               <a:defRPr/>
             </a:pPr>
             <a:r>
@@ -3586,7 +3582,6 @@
                 <a:uFillTx/>
                 <a:latin typeface="Calibri" panose="020F0502020204030204"/>
                 <a:ea typeface="宋体" charset="0"/>
-                <a:cs typeface=""/>
               </a:rPr>
               <a:t>1</a:t>
             </a:r>
@@ -3603,7 +3598,6 @@
                 <a:uFillTx/>
                 <a:latin typeface="Calibri" panose="020F0502020204030204"/>
                 <a:ea typeface="宋体" charset="0"/>
-                <a:cs typeface=""/>
               </a:rPr>
               <a:t>、主动</a:t>
             </a:r>
@@ -3620,7 +3614,6 @@
                 <a:uFillTx/>
                 <a:latin typeface="Calibri" panose="020F0502020204030204"/>
                 <a:ea typeface="宋体" charset="0"/>
-                <a:cs typeface=""/>
               </a:rPr>
               <a:t>Pull</a:t>
             </a:r>
@@ -3637,10 +3630,22 @@
                 <a:uFillTx/>
                 <a:latin typeface="Calibri" panose="020F0502020204030204"/>
                 <a:ea typeface="宋体" charset="0"/>
-                <a:cs typeface=""/>
               </a:rPr>
               <a:t>配置信息；</a:t>
             </a:r>
+            <a:endParaRPr kumimoji="0" lang="zh-CN" altLang="en-US" sz="1100" b="0" i="0" u="none" strike="noStrike" kern="0" cap="none" spc="0" normalizeH="0" baseline="0" noProof="0" dirty="0">
+              <a:ln>
+                <a:noFill/>
+              </a:ln>
+              <a:solidFill>
+                <a:sysClr val="windowText" lastClr="000000"/>
+              </a:solidFill>
+              <a:effectLst/>
+              <a:uLnTx/>
+              <a:uFillTx/>
+              <a:latin typeface="Calibri" panose="020F0502020204030204"/>
+              <a:ea typeface="宋体" charset="0"/>
+            </a:endParaRPr>
           </a:p>
           <a:p>
             <a:pPr marL="0" marR="0" lvl="0" indent="0" defTabSz="914400" eaLnBrk="1" fontAlgn="auto" latinLnBrk="0" hangingPunct="1">
@@ -3657,7 +3662,6 @@
               <a:buSzTx/>
               <a:buFontTx/>
               <a:buNone/>
-              <a:tabLst/>
               <a:defRPr/>
             </a:pPr>
             <a:r>
@@ -3673,7 +3677,6 @@
                 <a:uFillTx/>
                 <a:latin typeface="Calibri" panose="020F0502020204030204"/>
                 <a:ea typeface="宋体" charset="0"/>
-                <a:cs typeface=""/>
               </a:rPr>
               <a:t>2</a:t>
             </a:r>
@@ -3690,10 +3693,22 @@
                 <a:uFillTx/>
                 <a:latin typeface="Calibri" panose="020F0502020204030204"/>
                 <a:ea typeface="宋体" charset="0"/>
-                <a:cs typeface=""/>
               </a:rPr>
               <a:t>、接收配置更新推送；</a:t>
             </a:r>
+            <a:endParaRPr kumimoji="0" lang="zh-CN" altLang="en-US" sz="1100" b="0" i="0" u="none" strike="noStrike" kern="0" cap="none" spc="0" normalizeH="0" baseline="0" noProof="0" dirty="0">
+              <a:ln>
+                <a:noFill/>
+              </a:ln>
+              <a:solidFill>
+                <a:sysClr val="windowText" lastClr="000000"/>
+              </a:solidFill>
+              <a:effectLst/>
+              <a:uLnTx/>
+              <a:uFillTx/>
+              <a:latin typeface="Calibri" panose="020F0502020204030204"/>
+              <a:ea typeface="宋体" charset="0"/>
+            </a:endParaRPr>
           </a:p>
         </p:txBody>
       </p:sp>
@@ -3857,7 +3872,6 @@
               <a:buSzTx/>
               <a:buFontTx/>
               <a:buNone/>
-              <a:tabLst/>
               <a:defRPr/>
             </a:pPr>
             <a:r>
@@ -3871,12 +3885,26 @@
                 <a:effectLst/>
                 <a:uLnTx/>
                 <a:uFillTx/>
-                <a:latin typeface="STSong" charset="-122"/>
-                <a:ea typeface="STSong" charset="-122"/>
-                <a:cs typeface="STSong" charset="-122"/>
+                <a:latin typeface="华文宋体" panose="02010600040101010101" charset="-122"/>
+                <a:ea typeface="华文宋体" panose="02010600040101010101" charset="-122"/>
+                <a:cs typeface="华文宋体" panose="02010600040101010101" charset="-122"/>
               </a:rPr>
               <a:t>配置管理中心</a:t>
             </a:r>
+            <a:endParaRPr kumimoji="0" lang="zh-CN" altLang="en-US" sz="1600" b="1" i="0" u="none" strike="noStrike" kern="0" cap="none" spc="0" normalizeH="0" baseline="0" noProof="0" dirty="0">
+              <a:ln>
+                <a:noFill/>
+              </a:ln>
+              <a:solidFill>
+                <a:sysClr val="window" lastClr="FFFFFF"/>
+              </a:solidFill>
+              <a:effectLst/>
+              <a:uLnTx/>
+              <a:uFillTx/>
+              <a:latin typeface="华文宋体" panose="02010600040101010101" charset="-122"/>
+              <a:ea typeface="华文宋体" panose="02010600040101010101" charset="-122"/>
+              <a:cs typeface="华文宋体" panose="02010600040101010101" charset="-122"/>
+            </a:endParaRPr>
           </a:p>
           <a:p>
             <a:pPr marL="0" marR="0" lvl="0" indent="0" algn="ctr" defTabSz="914400" eaLnBrk="1" fontAlgn="auto" latinLnBrk="0" hangingPunct="1">
@@ -3893,7 +3921,6 @@
               <a:buSzTx/>
               <a:buFontTx/>
               <a:buNone/>
-              <a:tabLst/>
               <a:defRPr/>
             </a:pPr>
             <a:r>
@@ -3907,9 +3934,9 @@
                 <a:effectLst/>
                 <a:uLnTx/>
                 <a:uFillTx/>
-                <a:latin typeface="STSong" charset="-122"/>
-                <a:ea typeface="STSong" charset="-122"/>
-                <a:cs typeface="STSong" charset="-122"/>
+                <a:latin typeface="华文宋体" panose="02010600040101010101" charset="-122"/>
+                <a:ea typeface="华文宋体" panose="02010600040101010101" charset="-122"/>
+                <a:cs typeface="华文宋体" panose="02010600040101010101" charset="-122"/>
               </a:rPr>
               <a:t>（</a:t>
             </a:r>
@@ -3924,9 +3951,9 @@
                 <a:effectLst/>
                 <a:uLnTx/>
                 <a:uFillTx/>
-                <a:latin typeface="STSong" charset="-122"/>
-                <a:ea typeface="STSong" charset="-122"/>
-                <a:cs typeface="STSong" charset="-122"/>
+                <a:latin typeface="华文宋体" panose="02010600040101010101" charset="-122"/>
+                <a:ea typeface="华文宋体" panose="02010600040101010101" charset="-122"/>
+                <a:cs typeface="华文宋体" panose="02010600040101010101" charset="-122"/>
               </a:rPr>
               <a:t>Admin</a:t>
             </a:r>
@@ -3941,12 +3968,26 @@
                 <a:effectLst/>
                 <a:uLnTx/>
                 <a:uFillTx/>
-                <a:latin typeface="STSong" charset="-122"/>
-                <a:ea typeface="STSong" charset="-122"/>
-                <a:cs typeface="STSong" charset="-122"/>
+                <a:latin typeface="华文宋体" panose="02010600040101010101" charset="-122"/>
+                <a:ea typeface="华文宋体" panose="02010600040101010101" charset="-122"/>
+                <a:cs typeface="华文宋体" panose="02010600040101010101" charset="-122"/>
               </a:rPr>
               <a:t>）</a:t>
             </a:r>
+            <a:endParaRPr kumimoji="0" lang="zh-CN" altLang="en-US" sz="1600" b="1" i="0" u="none" strike="noStrike" kern="0" cap="none" spc="0" normalizeH="0" baseline="0" noProof="0" dirty="0">
+              <a:ln>
+                <a:noFill/>
+              </a:ln>
+              <a:solidFill>
+                <a:sysClr val="window" lastClr="FFFFFF"/>
+              </a:solidFill>
+              <a:effectLst/>
+              <a:uLnTx/>
+              <a:uFillTx/>
+              <a:latin typeface="华文宋体" panose="02010600040101010101" charset="-122"/>
+              <a:ea typeface="华文宋体" panose="02010600040101010101" charset="-122"/>
+              <a:cs typeface="华文宋体" panose="02010600040101010101" charset="-122"/>
+            </a:endParaRPr>
           </a:p>
         </p:txBody>
       </p:sp>
@@ -4111,7 +4152,6 @@
               <a:buSzTx/>
               <a:buFontTx/>
               <a:buNone/>
-              <a:tabLst/>
               <a:defRPr/>
             </a:pPr>
             <a:r>
@@ -4127,10 +4167,22 @@
                 <a:uFillTx/>
                 <a:latin typeface="Calibri" panose="020F0502020204030204"/>
                 <a:ea typeface="宋体" charset="0"/>
-                <a:cs typeface=""/>
               </a:rPr>
               <a:t>统一配置中心</a:t>
             </a:r>
+            <a:endParaRPr kumimoji="0" lang="zh-CN" altLang="en-US" sz="2800" b="0" i="0" u="none" strike="noStrike" kern="0" cap="none" spc="0" normalizeH="0" baseline="0" noProof="0">
+              <a:ln>
+                <a:noFill/>
+              </a:ln>
+              <a:solidFill>
+                <a:sysClr val="windowText" lastClr="000000"/>
+              </a:solidFill>
+              <a:effectLst/>
+              <a:uLnTx/>
+              <a:uFillTx/>
+              <a:latin typeface="Calibri" panose="020F0502020204030204"/>
+              <a:ea typeface="宋体" charset="0"/>
+            </a:endParaRPr>
           </a:p>
         </p:txBody>
       </p:sp>
@@ -4294,7 +4346,6 @@
               <a:buSzTx/>
               <a:buFontTx/>
               <a:buNone/>
-              <a:tabLst/>
               <a:defRPr/>
             </a:pPr>
             <a:r>
@@ -4310,7 +4361,6 @@
                 <a:uFillTx/>
                 <a:latin typeface="Calibri" panose="020F0502020204030204"/>
                 <a:ea typeface="宋体" charset="0"/>
-                <a:cs typeface=""/>
               </a:rPr>
               <a:t>ZK-1</a:t>
             </a:r>
@@ -4326,7 +4376,6 @@
               <a:uFillTx/>
               <a:latin typeface="Calibri" panose="020F0502020204030204"/>
               <a:ea typeface="宋体" charset="0"/>
-              <a:cs typeface=""/>
             </a:endParaRPr>
           </a:p>
         </p:txBody>
@@ -4491,7 +4540,6 @@
               <a:buSzTx/>
               <a:buFontTx/>
               <a:buNone/>
-              <a:tabLst/>
               <a:defRPr/>
             </a:pPr>
             <a:r>
@@ -4507,7 +4555,6 @@
                 <a:uFillTx/>
                 <a:latin typeface="Calibri" panose="020F0502020204030204"/>
                 <a:ea typeface="宋体" charset="0"/>
-                <a:cs typeface=""/>
               </a:rPr>
               <a:t>ZK-2</a:t>
             </a:r>
@@ -4523,7 +4570,6 @@
               <a:uFillTx/>
               <a:latin typeface="Calibri" panose="020F0502020204030204"/>
               <a:ea typeface="宋体" charset="0"/>
-              <a:cs typeface=""/>
             </a:endParaRPr>
           </a:p>
         </p:txBody>
@@ -4688,7 +4734,6 @@
               <a:buSzTx/>
               <a:buFontTx/>
               <a:buNone/>
-              <a:tabLst/>
               <a:defRPr/>
             </a:pPr>
             <a:r>
@@ -4704,7 +4749,6 @@
                 <a:uFillTx/>
                 <a:latin typeface="Calibri" panose="020F0502020204030204"/>
                 <a:ea typeface="宋体" charset="0"/>
-                <a:cs typeface=""/>
               </a:rPr>
               <a:t>ZK-3</a:t>
             </a:r>
@@ -4720,7 +4764,6 @@
               <a:uFillTx/>
               <a:latin typeface="Calibri" panose="020F0502020204030204"/>
               <a:ea typeface="宋体" charset="0"/>
-              <a:cs typeface=""/>
             </a:endParaRPr>
           </a:p>
         </p:txBody>
@@ -4885,7 +4928,6 @@
               <a:buSzTx/>
               <a:buFontTx/>
               <a:buNone/>
-              <a:tabLst/>
               <a:defRPr/>
             </a:pPr>
             <a:r>
@@ -4899,12 +4941,26 @@
                 <a:effectLst/>
                 <a:uLnTx/>
                 <a:uFillTx/>
-                <a:latin typeface="STSong" charset="-122"/>
-                <a:ea typeface="STSong" charset="-122"/>
-                <a:cs typeface="STSong" charset="-122"/>
+                <a:latin typeface="华文宋体" panose="02010600040101010101" charset="-122"/>
+                <a:ea typeface="华文宋体" panose="02010600040101010101" charset="-122"/>
+                <a:cs typeface="华文宋体" panose="02010600040101010101" charset="-122"/>
               </a:rPr>
               <a:t>配置数据</a:t>
             </a:r>
+            <a:endParaRPr kumimoji="0" lang="zh-CN" altLang="en-US" sz="1600" b="1" i="0" u="none" strike="noStrike" kern="0" cap="none" spc="0" normalizeH="0" baseline="0" noProof="0" dirty="0">
+              <a:ln>
+                <a:noFill/>
+              </a:ln>
+              <a:solidFill>
+                <a:sysClr val="window" lastClr="FFFFFF"/>
+              </a:solidFill>
+              <a:effectLst/>
+              <a:uLnTx/>
+              <a:uFillTx/>
+              <a:latin typeface="华文宋体" panose="02010600040101010101" charset="-122"/>
+              <a:ea typeface="华文宋体" panose="02010600040101010101" charset="-122"/>
+              <a:cs typeface="华文宋体" panose="02010600040101010101" charset="-122"/>
+            </a:endParaRPr>
           </a:p>
           <a:p>
             <a:pPr marL="0" marR="0" lvl="0" indent="0" algn="ctr" defTabSz="914400" eaLnBrk="1" fontAlgn="auto" latinLnBrk="0" hangingPunct="1">
@@ -4921,7 +4977,6 @@
               <a:buSzTx/>
               <a:buFontTx/>
               <a:buNone/>
-              <a:tabLst/>
               <a:defRPr/>
             </a:pPr>
             <a:r>
@@ -4935,9 +4990,9 @@
                 <a:effectLst/>
                 <a:uLnTx/>
                 <a:uFillTx/>
-                <a:latin typeface="STSong" charset="-122"/>
-                <a:ea typeface="STSong" charset="-122"/>
-                <a:cs typeface="STSong" charset="-122"/>
+                <a:latin typeface="华文宋体" panose="02010600040101010101" charset="-122"/>
+                <a:ea typeface="华文宋体" panose="02010600040101010101" charset="-122"/>
+                <a:cs typeface="华文宋体" panose="02010600040101010101" charset="-122"/>
               </a:rPr>
               <a:t>DB</a:t>
             </a:r>
@@ -4952,12 +5007,26 @@
                 <a:effectLst/>
                 <a:uLnTx/>
                 <a:uFillTx/>
-                <a:latin typeface="STSong" charset="-122"/>
-                <a:ea typeface="STSong" charset="-122"/>
-                <a:cs typeface="STSong" charset="-122"/>
+                <a:latin typeface="华文宋体" panose="02010600040101010101" charset="-122"/>
+                <a:ea typeface="华文宋体" panose="02010600040101010101" charset="-122"/>
+                <a:cs typeface="华文宋体" panose="02010600040101010101" charset="-122"/>
               </a:rPr>
               <a:t>备份</a:t>
             </a:r>
+            <a:endParaRPr kumimoji="0" lang="zh-CN" altLang="en-US" sz="1600" b="1" i="0" u="none" strike="noStrike" kern="0" cap="none" spc="0" normalizeH="0" baseline="0" noProof="0" dirty="0">
+              <a:ln>
+                <a:noFill/>
+              </a:ln>
+              <a:solidFill>
+                <a:sysClr val="window" lastClr="FFFFFF"/>
+              </a:solidFill>
+              <a:effectLst/>
+              <a:uLnTx/>
+              <a:uFillTx/>
+              <a:latin typeface="华文宋体" panose="02010600040101010101" charset="-122"/>
+              <a:ea typeface="华文宋体" panose="02010600040101010101" charset="-122"/>
+              <a:cs typeface="华文宋体" panose="02010600040101010101" charset="-122"/>
+            </a:endParaRPr>
           </a:p>
         </p:txBody>
       </p:sp>
@@ -5148,7 +5217,6 @@
               <a:buSzTx/>
               <a:buFontTx/>
               <a:buNone/>
-              <a:tabLst/>
               <a:defRPr/>
             </a:pPr>
             <a:r>
@@ -5164,10 +5232,22 @@
                 <a:uFillTx/>
                 <a:latin typeface="Calibri" panose="020F0502020204030204"/>
                 <a:ea typeface="宋体" charset="0"/>
-                <a:cs typeface=""/>
               </a:rPr>
               <a:t>同步备份配置变动信息</a:t>
             </a:r>
+            <a:endParaRPr kumimoji="0" lang="zh-CN" altLang="en-US" sz="1200" b="0" i="0" u="none" strike="noStrike" kern="0" cap="none" spc="0" normalizeH="0" baseline="0" noProof="0">
+              <a:ln>
+                <a:noFill/>
+              </a:ln>
+              <a:solidFill>
+                <a:sysClr val="windowText" lastClr="000000"/>
+              </a:solidFill>
+              <a:effectLst/>
+              <a:uLnTx/>
+              <a:uFillTx/>
+              <a:latin typeface="Calibri" panose="020F0502020204030204"/>
+              <a:ea typeface="宋体" charset="0"/>
+            </a:endParaRPr>
           </a:p>
         </p:txBody>
       </p:sp>
@@ -5306,7 +5386,6 @@
               <a:buSzTx/>
               <a:buFontTx/>
               <a:buNone/>
-              <a:tabLst/>
               <a:defRPr/>
             </a:pPr>
             <a:r>
@@ -5320,12 +5399,26 @@
                 <a:effectLst/>
                 <a:uLnTx/>
                 <a:uFillTx/>
-                <a:latin typeface="STSong" charset="-122"/>
-                <a:ea typeface="STSong" charset="-122"/>
-                <a:cs typeface="STSong" charset="-122"/>
+                <a:latin typeface="华文宋体" panose="02010600040101010101" charset="-122"/>
+                <a:ea typeface="华文宋体" panose="02010600040101010101" charset="-122"/>
+                <a:cs typeface="华文宋体" panose="02010600040101010101" charset="-122"/>
               </a:rPr>
               <a:t>恢复备份配置信息</a:t>
             </a:r>
+            <a:endParaRPr kumimoji="0" lang="zh-CN" altLang="en-US" sz="1200" b="0" i="0" u="none" strike="noStrike" kern="0" cap="none" spc="0" normalizeH="0" baseline="0" noProof="0">
+              <a:ln>
+                <a:noFill/>
+              </a:ln>
+              <a:solidFill>
+                <a:sysClr val="windowText" lastClr="000000"/>
+              </a:solidFill>
+              <a:effectLst/>
+              <a:uLnTx/>
+              <a:uFillTx/>
+              <a:latin typeface="华文宋体" panose="02010600040101010101" charset="-122"/>
+              <a:ea typeface="华文宋体" panose="02010600040101010101" charset="-122"/>
+              <a:cs typeface="华文宋体" panose="02010600040101010101" charset="-122"/>
+            </a:endParaRPr>
           </a:p>
           <a:p>
             <a:pPr marL="0" marR="0" lvl="0" indent="0" defTabSz="914400" eaLnBrk="1" fontAlgn="auto" latinLnBrk="0" hangingPunct="1">
@@ -5342,7 +5435,6 @@
               <a:buSzTx/>
               <a:buFontTx/>
               <a:buNone/>
-              <a:tabLst/>
               <a:defRPr/>
             </a:pPr>
             <a:r>
@@ -5356,9 +5448,9 @@
                 <a:effectLst/>
                 <a:uLnTx/>
                 <a:uFillTx/>
-                <a:latin typeface="STSong" charset="-122"/>
-                <a:ea typeface="STSong" charset="-122"/>
-                <a:cs typeface="STSong" charset="-122"/>
+                <a:latin typeface="华文宋体" panose="02010600040101010101" charset="-122"/>
+                <a:ea typeface="华文宋体" panose="02010600040101010101" charset="-122"/>
+                <a:cs typeface="华文宋体" panose="02010600040101010101" charset="-122"/>
               </a:rPr>
               <a:t>（防止</a:t>
             </a:r>
@@ -5373,9 +5465,9 @@
                 <a:effectLst/>
                 <a:uLnTx/>
                 <a:uFillTx/>
-                <a:latin typeface="STSong" charset="-122"/>
-                <a:ea typeface="STSong" charset="-122"/>
-                <a:cs typeface="STSong" charset="-122"/>
+                <a:latin typeface="华文宋体" panose="02010600040101010101" charset="-122"/>
+                <a:ea typeface="华文宋体" panose="02010600040101010101" charset="-122"/>
+                <a:cs typeface="华文宋体" panose="02010600040101010101" charset="-122"/>
               </a:rPr>
               <a:t>ZK</a:t>
             </a:r>
@@ -5390,12 +5482,26 @@
                 <a:effectLst/>
                 <a:uLnTx/>
                 <a:uFillTx/>
-                <a:latin typeface="STSong" charset="-122"/>
-                <a:ea typeface="STSong" charset="-122"/>
-                <a:cs typeface="STSong" charset="-122"/>
+                <a:latin typeface="华文宋体" panose="02010600040101010101" charset="-122"/>
+                <a:ea typeface="华文宋体" panose="02010600040101010101" charset="-122"/>
+                <a:cs typeface="华文宋体" panose="02010600040101010101" charset="-122"/>
               </a:rPr>
               <a:t>数据损坏）</a:t>
             </a:r>
+            <a:endParaRPr kumimoji="0" lang="zh-CN" altLang="en-US" sz="1200" b="0" i="0" u="none" strike="noStrike" kern="0" cap="none" spc="0" normalizeH="0" baseline="0" noProof="0">
+              <a:ln>
+                <a:noFill/>
+              </a:ln>
+              <a:solidFill>
+                <a:sysClr val="windowText" lastClr="000000"/>
+              </a:solidFill>
+              <a:effectLst/>
+              <a:uLnTx/>
+              <a:uFillTx/>
+              <a:latin typeface="华文宋体" panose="02010600040101010101" charset="-122"/>
+              <a:ea typeface="华文宋体" panose="02010600040101010101" charset="-122"/>
+              <a:cs typeface="华文宋体" panose="02010600040101010101" charset="-122"/>
+            </a:endParaRPr>
           </a:p>
           <a:p>
             <a:pPr marL="0" marR="0" lvl="0" indent="0" defTabSz="914400" eaLnBrk="1" fontAlgn="auto" latinLnBrk="0" hangingPunct="1">
@@ -5412,7 +5518,6 @@
               <a:buSzTx/>
               <a:buFontTx/>
               <a:buNone/>
-              <a:tabLst/>
               <a:defRPr/>
             </a:pPr>
             <a:endParaRPr kumimoji="0" lang="zh-CN" altLang="en-US" sz="1200" b="0" i="0" u="none" strike="noStrike" kern="0" cap="none" spc="0" normalizeH="0" baseline="0" noProof="0">
@@ -5425,9 +5530,9 @@
               <a:effectLst/>
               <a:uLnTx/>
               <a:uFillTx/>
-              <a:latin typeface="STSong" charset="-122"/>
-              <a:ea typeface="STSong" charset="-122"/>
-              <a:cs typeface="STSong" charset="-122"/>
+              <a:latin typeface="华文宋体" panose="02010600040101010101" charset="-122"/>
+              <a:ea typeface="华文宋体" panose="02010600040101010101" charset="-122"/>
+              <a:cs typeface="华文宋体" panose="02010600040101010101" charset="-122"/>
             </a:endParaRPr>
           </a:p>
         </p:txBody>
@@ -5567,7 +5672,6 @@
               <a:buSzTx/>
               <a:buFontTx/>
               <a:buNone/>
-              <a:tabLst/>
               <a:defRPr/>
             </a:pPr>
             <a:r>
@@ -5583,7 +5687,6 @@
                 <a:uFillTx/>
                 <a:latin typeface="Calibri" panose="020F0502020204030204"/>
                 <a:ea typeface="宋体" charset="0"/>
-                <a:cs typeface=""/>
               </a:rPr>
               <a:t>新增、更新</a:t>
             </a:r>
@@ -5600,7 +5703,6 @@
                 <a:uFillTx/>
                 <a:latin typeface="Calibri" panose="020F0502020204030204"/>
                 <a:ea typeface="宋体" charset="0"/>
-                <a:cs typeface=""/>
               </a:rPr>
               <a:t>和</a:t>
             </a:r>
@@ -5617,7 +5719,6 @@
                 <a:uFillTx/>
                 <a:latin typeface="Calibri" panose="020F0502020204030204"/>
                 <a:ea typeface="宋体" charset="0"/>
-                <a:cs typeface=""/>
               </a:rPr>
               <a:t>删除配置</a:t>
             </a:r>
@@ -5634,10 +5735,22 @@
                 <a:uFillTx/>
                 <a:latin typeface="Calibri" panose="020F0502020204030204"/>
                 <a:ea typeface="宋体" charset="0"/>
-                <a:cs typeface=""/>
               </a:rPr>
               <a:t>信息</a:t>
             </a:r>
+            <a:endParaRPr kumimoji="0" lang="zh-CN" altLang="en-US" sz="1100" b="0" i="0" u="none" strike="noStrike" kern="0" cap="none" spc="0" normalizeH="0" baseline="0" noProof="0" dirty="0">
+              <a:ln>
+                <a:noFill/>
+              </a:ln>
+              <a:solidFill>
+                <a:sysClr val="windowText" lastClr="000000"/>
+              </a:solidFill>
+              <a:effectLst/>
+              <a:uLnTx/>
+              <a:uFillTx/>
+              <a:latin typeface="Calibri" panose="020F0502020204030204"/>
+              <a:ea typeface="宋体" charset="0"/>
+            </a:endParaRPr>
           </a:p>
         </p:txBody>
       </p:sp>
@@ -5801,7 +5914,6 @@
               <a:buSzTx/>
               <a:buFontTx/>
               <a:buNone/>
-              <a:tabLst/>
               <a:defRPr/>
             </a:pPr>
             <a:r>
@@ -5817,10 +5929,22 @@
                 <a:uFillTx/>
                 <a:latin typeface="Calibri" panose="020F0502020204030204"/>
                 <a:ea typeface="宋体" charset="0"/>
-                <a:cs typeface=""/>
               </a:rPr>
               <a:t>外卖业务</a:t>
             </a:r>
+            <a:endParaRPr kumimoji="0" lang="zh-CN" altLang="en-US" sz="1600" b="1" i="0" u="none" strike="noStrike" kern="0" cap="none" spc="0" normalizeH="0" baseline="0" noProof="0">
+              <a:ln>
+                <a:noFill/>
+              </a:ln>
+              <a:solidFill>
+                <a:sysClr val="window" lastClr="FFFFFF"/>
+              </a:solidFill>
+              <a:effectLst/>
+              <a:uLnTx/>
+              <a:uFillTx/>
+              <a:latin typeface="Calibri" panose="020F0502020204030204"/>
+              <a:ea typeface="宋体" charset="0"/>
+            </a:endParaRPr>
           </a:p>
         </p:txBody>
       </p:sp>
@@ -6013,7 +6137,6 @@
               <a:buSzTx/>
               <a:buFontTx/>
               <a:buNone/>
-              <a:tabLst/>
               <a:defRPr/>
             </a:pPr>
             <a:r>
@@ -6029,10 +6152,22 @@
                 <a:uFillTx/>
                 <a:latin typeface="Calibri" panose="020F0502020204030204"/>
                 <a:ea typeface="宋体" charset="0"/>
-                <a:cs typeface=""/>
               </a:rPr>
               <a:t>电影业务</a:t>
             </a:r>
+            <a:endParaRPr kumimoji="0" lang="zh-CN" altLang="en-US" sz="1600" b="1" i="0" u="none" strike="noStrike" kern="0" cap="none" spc="0" normalizeH="0" baseline="0" noProof="0">
+              <a:ln>
+                <a:noFill/>
+              </a:ln>
+              <a:solidFill>
+                <a:sysClr val="window" lastClr="FFFFFF"/>
+              </a:solidFill>
+              <a:effectLst/>
+              <a:uLnTx/>
+              <a:uFillTx/>
+              <a:latin typeface="Calibri" panose="020F0502020204030204"/>
+              <a:ea typeface="宋体" charset="0"/>
+            </a:endParaRPr>
           </a:p>
         </p:txBody>
       </p:sp>
@@ -6196,7 +6331,6 @@
               <a:buSzTx/>
               <a:buFontTx/>
               <a:buNone/>
-              <a:tabLst/>
               <a:defRPr/>
             </a:pPr>
             <a:endParaRPr kumimoji="0" lang="zh-CN" altLang="en-US" sz="1600" b="1" i="0" u="none" strike="noStrike" kern="0" cap="none" spc="0" normalizeH="0" baseline="0" noProof="0">
@@ -6211,7 +6345,6 @@
               <a:uFillTx/>
               <a:latin typeface="Calibri" panose="020F0502020204030204"/>
               <a:ea typeface="宋体" charset="0"/>
-              <a:cs typeface=""/>
             </a:endParaRPr>
           </a:p>
           <a:p>
@@ -6229,7 +6362,6 @@
               <a:buSzTx/>
               <a:buFontTx/>
               <a:buNone/>
-              <a:tabLst/>
               <a:defRPr/>
             </a:pPr>
             <a:endParaRPr kumimoji="0" lang="zh-CN" altLang="en-US" sz="1600" b="1" i="0" u="none" strike="noStrike" kern="0" cap="none" spc="0" normalizeH="0" baseline="0" noProof="0">
@@ -6244,7 +6376,6 @@
               <a:uFillTx/>
               <a:latin typeface="Calibri" panose="020F0502020204030204"/>
               <a:ea typeface="宋体" charset="0"/>
-              <a:cs typeface=""/>
             </a:endParaRPr>
           </a:p>
           <a:p>
@@ -6262,7 +6393,6 @@
               <a:buSzTx/>
               <a:buFontTx/>
               <a:buNone/>
-              <a:tabLst/>
               <a:defRPr/>
             </a:pPr>
             <a:endParaRPr kumimoji="0" lang="zh-CN" altLang="en-US" sz="1600" b="1" i="0" u="none" strike="noStrike" kern="0" cap="none" spc="0" normalizeH="0" baseline="0" noProof="0">
@@ -6277,7 +6407,6 @@
               <a:uFillTx/>
               <a:latin typeface="Calibri" panose="020F0502020204030204"/>
               <a:ea typeface="宋体" charset="0"/>
-              <a:cs typeface=""/>
             </a:endParaRPr>
           </a:p>
           <a:p>
@@ -6295,7 +6424,6 @@
               <a:buSzTx/>
               <a:buFontTx/>
               <a:buNone/>
-              <a:tabLst/>
               <a:defRPr/>
             </a:pPr>
             <a:endParaRPr kumimoji="0" lang="zh-CN" altLang="en-US" sz="1600" b="1" i="0" u="none" strike="noStrike" kern="0" cap="none" spc="0" normalizeH="0" baseline="0" noProof="0">
@@ -6310,7 +6438,6 @@
               <a:uFillTx/>
               <a:latin typeface="Calibri" panose="020F0502020204030204"/>
               <a:ea typeface="宋体" charset="0"/>
-              <a:cs typeface=""/>
             </a:endParaRPr>
           </a:p>
           <a:p>
@@ -6328,7 +6455,6 @@
               <a:buSzTx/>
               <a:buFontTx/>
               <a:buNone/>
-              <a:tabLst/>
               <a:defRPr/>
             </a:pPr>
             <a:endParaRPr kumimoji="0" lang="zh-CN" altLang="en-US" sz="1600" b="1" i="0" u="none" strike="noStrike" kern="0" cap="none" spc="0" normalizeH="0" baseline="0" noProof="0">
@@ -6343,7 +6469,6 @@
               <a:uFillTx/>
               <a:latin typeface="Calibri" panose="020F0502020204030204"/>
               <a:ea typeface="宋体" charset="0"/>
-              <a:cs typeface=""/>
             </a:endParaRPr>
           </a:p>
           <a:p>
@@ -6361,7 +6486,6 @@
               <a:buSzTx/>
               <a:buFontTx/>
               <a:buNone/>
-              <a:tabLst/>
               <a:defRPr/>
             </a:pPr>
             <a:endParaRPr kumimoji="0" lang="zh-CN" altLang="en-US" sz="1600" b="1" i="0" u="none" strike="noStrike" kern="0" cap="none" spc="0" normalizeH="0" baseline="0" noProof="0">
@@ -6376,7 +6500,6 @@
               <a:uFillTx/>
               <a:latin typeface="Calibri" panose="020F0502020204030204"/>
               <a:ea typeface="宋体" charset="0"/>
-              <a:cs typeface=""/>
             </a:endParaRPr>
           </a:p>
           <a:p>
@@ -6394,7 +6517,6 @@
               <a:buSzTx/>
               <a:buFontTx/>
               <a:buNone/>
-              <a:tabLst/>
               <a:defRPr/>
             </a:pPr>
             <a:endParaRPr kumimoji="0" lang="zh-CN" altLang="en-US" sz="1600" b="1" i="0" u="none" strike="noStrike" kern="0" cap="none" spc="0" normalizeH="0" baseline="0" noProof="0">
@@ -6409,7 +6531,6 @@
               <a:uFillTx/>
               <a:latin typeface="Calibri" panose="020F0502020204030204"/>
               <a:ea typeface="宋体" charset="0"/>
-              <a:cs typeface=""/>
             </a:endParaRPr>
           </a:p>
           <a:p>
@@ -6427,7 +6548,6 @@
               <a:buSzTx/>
               <a:buFontTx/>
               <a:buNone/>
-              <a:tabLst/>
               <a:defRPr/>
             </a:pPr>
             <a:endParaRPr kumimoji="0" lang="zh-CN" altLang="en-US" sz="1600" b="1" i="0" u="none" strike="noStrike" kern="0" cap="none" spc="0" normalizeH="0" baseline="0" noProof="0">
@@ -6442,7 +6562,6 @@
               <a:uFillTx/>
               <a:latin typeface="Calibri" panose="020F0502020204030204"/>
               <a:ea typeface="宋体" charset="0"/>
-              <a:cs typeface=""/>
             </a:endParaRPr>
           </a:p>
           <a:p>
@@ -6460,7 +6579,6 @@
               <a:buSzTx/>
               <a:buFontTx/>
               <a:buNone/>
-              <a:tabLst/>
               <a:defRPr/>
             </a:pPr>
             <a:endParaRPr kumimoji="0" lang="zh-CN" altLang="en-US" sz="1600" b="1" i="0" u="none" strike="noStrike" kern="0" cap="none" spc="0" normalizeH="0" baseline="0" noProof="0">
@@ -6475,7 +6593,6 @@
               <a:uFillTx/>
               <a:latin typeface="Calibri" panose="020F0502020204030204"/>
               <a:ea typeface="宋体" charset="0"/>
-              <a:cs typeface=""/>
             </a:endParaRPr>
           </a:p>
           <a:p>
@@ -6493,7 +6610,6 @@
               <a:buSzTx/>
               <a:buFontTx/>
               <a:buNone/>
-              <a:tabLst/>
               <a:defRPr/>
             </a:pPr>
             <a:r>
@@ -6509,10 +6625,22 @@
                 <a:uFillTx/>
                 <a:latin typeface="Calibri" panose="020F0502020204030204"/>
                 <a:ea typeface="宋体" charset="0"/>
-                <a:cs typeface=""/>
               </a:rPr>
               <a:t>团购业务</a:t>
             </a:r>
+            <a:endParaRPr kumimoji="0" lang="zh-CN" altLang="en-US" sz="1600" b="1" i="0" u="none" strike="noStrike" kern="0" cap="none" spc="0" normalizeH="0" baseline="0" noProof="0">
+              <a:ln>
+                <a:noFill/>
+              </a:ln>
+              <a:solidFill>
+                <a:sysClr val="window" lastClr="FFFFFF"/>
+              </a:solidFill>
+              <a:effectLst/>
+              <a:uLnTx/>
+              <a:uFillTx/>
+              <a:latin typeface="Calibri" panose="020F0502020204030204"/>
+              <a:ea typeface="宋体" charset="0"/>
+            </a:endParaRPr>
           </a:p>
         </p:txBody>
       </p:sp>
@@ -6676,7 +6804,6 @@
               <a:buSzTx/>
               <a:buFontTx/>
               <a:buNone/>
-              <a:tabLst/>
               <a:defRPr/>
             </a:pPr>
             <a:endParaRPr kumimoji="0" lang="zh-CN" altLang="en-US" sz="1800" b="1" i="0" u="none" strike="noStrike" kern="0" cap="none" spc="0" normalizeH="0" baseline="0" noProof="0">
@@ -6689,9 +6816,9 @@
               <a:effectLst/>
               <a:uLnTx/>
               <a:uFillTx/>
-              <a:latin typeface="STSong" charset="-122"/>
-              <a:ea typeface="STSong" charset="-122"/>
-              <a:cs typeface="STSong" charset="-122"/>
+              <a:latin typeface="华文宋体" panose="02010600040101010101" charset="-122"/>
+              <a:ea typeface="华文宋体" panose="02010600040101010101" charset="-122"/>
+              <a:cs typeface="华文宋体" panose="02010600040101010101" charset="-122"/>
             </a:endParaRPr>
           </a:p>
           <a:p>
@@ -6709,7 +6836,6 @@
               <a:buSzTx/>
               <a:buFontTx/>
               <a:buNone/>
-              <a:tabLst/>
               <a:defRPr/>
             </a:pPr>
             <a:endParaRPr kumimoji="0" lang="zh-CN" altLang="en-US" sz="1800" b="1" i="0" u="none" strike="noStrike" kern="0" cap="none" spc="0" normalizeH="0" baseline="0" noProof="0">
@@ -6722,9 +6848,9 @@
               <a:effectLst/>
               <a:uLnTx/>
               <a:uFillTx/>
-              <a:latin typeface="STSong" charset="-122"/>
-              <a:ea typeface="STSong" charset="-122"/>
-              <a:cs typeface="STSong" charset="-122"/>
+              <a:latin typeface="华文宋体" panose="02010600040101010101" charset="-122"/>
+              <a:ea typeface="华文宋体" panose="02010600040101010101" charset="-122"/>
+              <a:cs typeface="华文宋体" panose="02010600040101010101" charset="-122"/>
             </a:endParaRPr>
           </a:p>
           <a:p>
@@ -6742,7 +6868,6 @@
               <a:buSzTx/>
               <a:buFontTx/>
               <a:buNone/>
-              <a:tabLst/>
               <a:defRPr/>
             </a:pPr>
             <a:endParaRPr kumimoji="0" lang="zh-CN" altLang="en-US" sz="1800" b="1" i="0" u="none" strike="noStrike" kern="0" cap="none" spc="0" normalizeH="0" baseline="0" noProof="0">
@@ -6755,9 +6880,9 @@
               <a:effectLst/>
               <a:uLnTx/>
               <a:uFillTx/>
-              <a:latin typeface="STSong" charset="-122"/>
-              <a:ea typeface="STSong" charset="-122"/>
-              <a:cs typeface="STSong" charset="-122"/>
+              <a:latin typeface="华文宋体" panose="02010600040101010101" charset="-122"/>
+              <a:ea typeface="华文宋体" panose="02010600040101010101" charset="-122"/>
+              <a:cs typeface="华文宋体" panose="02010600040101010101" charset="-122"/>
             </a:endParaRPr>
           </a:p>
           <a:p>
@@ -6775,7 +6900,6 @@
               <a:buSzTx/>
               <a:buFontTx/>
               <a:buNone/>
-              <a:tabLst/>
               <a:defRPr/>
             </a:pPr>
             <a:endParaRPr kumimoji="0" lang="zh-CN" altLang="en-US" sz="1800" b="1" i="0" u="none" strike="noStrike" kern="0" cap="none" spc="0" normalizeH="0" baseline="0" noProof="0">
@@ -6788,9 +6912,9 @@
               <a:effectLst/>
               <a:uLnTx/>
               <a:uFillTx/>
-              <a:latin typeface="STSong" charset="-122"/>
-              <a:ea typeface="STSong" charset="-122"/>
-              <a:cs typeface="STSong" charset="-122"/>
+              <a:latin typeface="华文宋体" panose="02010600040101010101" charset="-122"/>
+              <a:ea typeface="华文宋体" panose="02010600040101010101" charset="-122"/>
+              <a:cs typeface="华文宋体" panose="02010600040101010101" charset="-122"/>
             </a:endParaRPr>
           </a:p>
           <a:p>
@@ -6808,7 +6932,6 @@
               <a:buSzTx/>
               <a:buFontTx/>
               <a:buNone/>
-              <a:tabLst/>
               <a:defRPr/>
             </a:pPr>
             <a:endParaRPr kumimoji="0" lang="zh-CN" altLang="en-US" sz="1800" b="1" i="0" u="none" strike="noStrike" kern="0" cap="none" spc="0" normalizeH="0" baseline="0" noProof="0">
@@ -6821,9 +6944,9 @@
               <a:effectLst/>
               <a:uLnTx/>
               <a:uFillTx/>
-              <a:latin typeface="STSong" charset="-122"/>
-              <a:ea typeface="STSong" charset="-122"/>
-              <a:cs typeface="STSong" charset="-122"/>
+              <a:latin typeface="华文宋体" panose="02010600040101010101" charset="-122"/>
+              <a:ea typeface="华文宋体" panose="02010600040101010101" charset="-122"/>
+              <a:cs typeface="华文宋体" panose="02010600040101010101" charset="-122"/>
             </a:endParaRPr>
           </a:p>
           <a:p>
@@ -6841,7 +6964,6 @@
               <a:buSzTx/>
               <a:buFontTx/>
               <a:buNone/>
-              <a:tabLst/>
               <a:defRPr/>
             </a:pPr>
             <a:r>
@@ -6855,9 +6977,9 @@
                 <a:effectLst/>
                 <a:uLnTx/>
                 <a:uFillTx/>
-                <a:latin typeface="STSong" charset="-122"/>
-                <a:ea typeface="STSong" charset="-122"/>
-                <a:cs typeface="STSong" charset="-122"/>
+                <a:latin typeface="华文宋体" panose="02010600040101010101" charset="-122"/>
+                <a:ea typeface="华文宋体" panose="02010600040101010101" charset="-122"/>
+                <a:cs typeface="华文宋体" panose="02010600040101010101" charset="-122"/>
               </a:rPr>
               <a:t>Client-</a:t>
             </a:r>
@@ -6872,9 +6994,9 @@
                 <a:effectLst/>
                 <a:uLnTx/>
                 <a:uFillTx/>
-                <a:latin typeface="STSong" charset="-122"/>
-                <a:ea typeface="STSong" charset="-122"/>
-                <a:cs typeface="STSong" charset="-122"/>
+                <a:latin typeface="华文宋体" panose="02010600040101010101" charset="-122"/>
+                <a:ea typeface="华文宋体" panose="02010600040101010101" charset="-122"/>
+                <a:cs typeface="华文宋体" panose="02010600040101010101" charset="-122"/>
               </a:rPr>
               <a:t>API</a:t>
             </a:r>
@@ -6888,9 +7010,9 @@
               <a:effectLst/>
               <a:uLnTx/>
               <a:uFillTx/>
-              <a:latin typeface="STSong" charset="-122"/>
-              <a:ea typeface="STSong" charset="-122"/>
-              <a:cs typeface="STSong" charset="-122"/>
+              <a:latin typeface="华文宋体" panose="02010600040101010101" charset="-122"/>
+              <a:ea typeface="华文宋体" panose="02010600040101010101" charset="-122"/>
+              <a:cs typeface="华文宋体" panose="02010600040101010101" charset="-122"/>
             </a:endParaRPr>
           </a:p>
           <a:p>
@@ -6908,7 +7030,6 @@
               <a:buSzTx/>
               <a:buFontTx/>
               <a:buNone/>
-              <a:tabLst/>
               <a:defRPr/>
             </a:pPr>
             <a:endParaRPr kumimoji="0" lang="zh-CN" altLang="en-US" sz="1800" b="1" i="0" u="none" strike="noStrike" kern="0" cap="none" spc="0" normalizeH="0" baseline="0" noProof="0">
@@ -6921,9 +7042,9 @@
               <a:effectLst/>
               <a:uLnTx/>
               <a:uFillTx/>
-              <a:latin typeface="STSong" charset="-122"/>
-              <a:ea typeface="STSong" charset="-122"/>
-              <a:cs typeface="STSong" charset="-122"/>
+              <a:latin typeface="华文宋体" panose="02010600040101010101" charset="-122"/>
+              <a:ea typeface="华文宋体" panose="02010600040101010101" charset="-122"/>
+              <a:cs typeface="华文宋体" panose="02010600040101010101" charset="-122"/>
             </a:endParaRPr>
           </a:p>
         </p:txBody>
@@ -7088,7 +7209,6 @@
               <a:buSzTx/>
               <a:buFontTx/>
               <a:buNone/>
-              <a:tabLst/>
               <a:defRPr/>
             </a:pPr>
             <a:endParaRPr kumimoji="0" lang="zh-CN" altLang="en-US" sz="2000" b="1" i="0" u="none" strike="noStrike" kern="0" cap="none" spc="0" normalizeH="0" baseline="0" noProof="0" dirty="0">
@@ -7101,9 +7221,9 @@
               <a:effectLst/>
               <a:uLnTx/>
               <a:uFillTx/>
-              <a:latin typeface="STSong" charset="-122"/>
-              <a:ea typeface="STSong" charset="-122"/>
-              <a:cs typeface="STSong" charset="-122"/>
+              <a:latin typeface="华文宋体" panose="02010600040101010101" charset="-122"/>
+              <a:ea typeface="华文宋体" panose="02010600040101010101" charset="-122"/>
+              <a:cs typeface="华文宋体" panose="02010600040101010101" charset="-122"/>
             </a:endParaRPr>
           </a:p>
           <a:p>
@@ -7121,7 +7241,6 @@
               <a:buSzTx/>
               <a:buFontTx/>
               <a:buNone/>
-              <a:tabLst/>
               <a:defRPr/>
             </a:pPr>
             <a:endParaRPr kumimoji="0" lang="zh-CN" altLang="en-US" sz="2000" b="1" i="0" u="none" strike="noStrike" kern="0" cap="none" spc="0" normalizeH="0" baseline="0" noProof="0" dirty="0">
@@ -7134,9 +7253,9 @@
               <a:effectLst/>
               <a:uLnTx/>
               <a:uFillTx/>
-              <a:latin typeface="STSong" charset="-122"/>
-              <a:ea typeface="STSong" charset="-122"/>
-              <a:cs typeface="STSong" charset="-122"/>
+              <a:latin typeface="华文宋体" panose="02010600040101010101" charset="-122"/>
+              <a:ea typeface="华文宋体" panose="02010600040101010101" charset="-122"/>
+              <a:cs typeface="华文宋体" panose="02010600040101010101" charset="-122"/>
             </a:endParaRPr>
           </a:p>
           <a:p>
@@ -7154,7 +7273,6 @@
               <a:buSzTx/>
               <a:buFontTx/>
               <a:buNone/>
-              <a:tabLst/>
               <a:defRPr/>
             </a:pPr>
             <a:endParaRPr kumimoji="0" lang="zh-CN" altLang="en-US" sz="2000" b="1" i="0" u="none" strike="noStrike" kern="0" cap="none" spc="0" normalizeH="0" baseline="0" noProof="0" dirty="0">
@@ -7167,9 +7285,9 @@
               <a:effectLst/>
               <a:uLnTx/>
               <a:uFillTx/>
-              <a:latin typeface="STSong" charset="-122"/>
-              <a:ea typeface="STSong" charset="-122"/>
-              <a:cs typeface="STSong" charset="-122"/>
+              <a:latin typeface="华文宋体" panose="02010600040101010101" charset="-122"/>
+              <a:ea typeface="华文宋体" panose="02010600040101010101" charset="-122"/>
+              <a:cs typeface="华文宋体" panose="02010600040101010101" charset="-122"/>
             </a:endParaRPr>
           </a:p>
           <a:p>
@@ -7187,7 +7305,6 @@
               <a:buSzTx/>
               <a:buFontTx/>
               <a:buNone/>
-              <a:tabLst/>
               <a:defRPr/>
             </a:pPr>
             <a:r>
@@ -7201,9 +7318,9 @@
                 <a:effectLst/>
                 <a:uLnTx/>
                 <a:uFillTx/>
-                <a:latin typeface="STSong" charset="-122"/>
-                <a:ea typeface="STSong" charset="-122"/>
-                <a:cs typeface="STSong" charset="-122"/>
+                <a:latin typeface="华文宋体" panose="02010600040101010101" charset="-122"/>
+                <a:ea typeface="华文宋体" panose="02010600040101010101" charset="-122"/>
+                <a:cs typeface="华文宋体" panose="02010600040101010101" charset="-122"/>
               </a:rPr>
               <a:t>Ehcache</a:t>
             </a:r>
@@ -7217,9 +7334,9 @@
               <a:effectLst/>
               <a:uLnTx/>
               <a:uFillTx/>
-              <a:latin typeface="STSong" charset="-122"/>
-              <a:ea typeface="STSong" charset="-122"/>
-              <a:cs typeface="STSong" charset="-122"/>
+              <a:latin typeface="华文宋体" panose="02010600040101010101" charset="-122"/>
+              <a:ea typeface="华文宋体" panose="02010600040101010101" charset="-122"/>
+              <a:cs typeface="华文宋体" panose="02010600040101010101" charset="-122"/>
             </a:endParaRPr>
           </a:p>
           <a:p>
@@ -7237,7 +7354,6 @@
               <a:buSzTx/>
               <a:buFontTx/>
               <a:buNone/>
-              <a:tabLst/>
               <a:defRPr/>
             </a:pPr>
             <a:endParaRPr kumimoji="0" lang="zh-CN" altLang="en-US" sz="2000" b="1" i="0" u="none" strike="noStrike" kern="0" cap="none" spc="0" normalizeH="0" baseline="0" noProof="0" dirty="0">
@@ -7250,9 +7366,9 @@
               <a:effectLst/>
               <a:uLnTx/>
               <a:uFillTx/>
-              <a:latin typeface="STSong" charset="-122"/>
-              <a:ea typeface="STSong" charset="-122"/>
-              <a:cs typeface="STSong" charset="-122"/>
+              <a:latin typeface="华文宋体" panose="02010600040101010101" charset="-122"/>
+              <a:ea typeface="华文宋体" panose="02010600040101010101" charset="-122"/>
+              <a:cs typeface="华文宋体" panose="02010600040101010101" charset="-122"/>
             </a:endParaRPr>
           </a:p>
         </p:txBody>
@@ -7417,7 +7533,6 @@
               <a:buSzTx/>
               <a:buFontTx/>
               <a:buNone/>
-              <a:tabLst/>
               <a:defRPr/>
             </a:pPr>
             <a:r>
@@ -7431,9 +7546,9 @@
                 <a:effectLst/>
                 <a:uLnTx/>
                 <a:uFillTx/>
-                <a:latin typeface="STSong" charset="-122"/>
-                <a:ea typeface="STSong" charset="-122"/>
-                <a:cs typeface="STSong" charset="-122"/>
+                <a:latin typeface="华文宋体" panose="02010600040101010101" charset="-122"/>
+                <a:ea typeface="华文宋体" panose="02010600040101010101" charset="-122"/>
+                <a:cs typeface="华文宋体" panose="02010600040101010101" charset="-122"/>
               </a:rPr>
               <a:t>ZK-Client</a:t>
             </a:r>
@@ -7447,9 +7562,9 @@
               <a:effectLst/>
               <a:uLnTx/>
               <a:uFillTx/>
-              <a:latin typeface="STSong" charset="-122"/>
-              <a:ea typeface="STSong" charset="-122"/>
-              <a:cs typeface="STSong" charset="-122"/>
+              <a:latin typeface="华文宋体" panose="02010600040101010101" charset="-122"/>
+              <a:ea typeface="华文宋体" panose="02010600040101010101" charset="-122"/>
+              <a:cs typeface="华文宋体" panose="02010600040101010101" charset="-122"/>
             </a:endParaRPr>
           </a:p>
         </p:txBody>
@@ -7507,9 +7622,9 @@
                 <a:solidFill>
                   <a:prstClr val="black"/>
                 </a:solidFill>
-                <a:latin typeface="STSong" charset="-122"/>
-                <a:ea typeface="STSong" charset="-122"/>
-                <a:cs typeface="STSong" charset="-122"/>
+                <a:latin typeface="华文宋体" panose="02010600040101010101" charset="-122"/>
+                <a:ea typeface="华文宋体" panose="02010600040101010101" charset="-122"/>
+                <a:cs typeface="华文宋体" panose="02010600040101010101" charset="-122"/>
               </a:rPr>
               <a:t>XXL-CONF</a:t>
             </a:r>
@@ -7518,9 +7633,9 @@
                 <a:solidFill>
                   <a:prstClr val="black"/>
                 </a:solidFill>
-                <a:latin typeface="STSong" charset="-122"/>
-                <a:ea typeface="STSong" charset="-122"/>
-                <a:cs typeface="STSong" charset="-122"/>
+                <a:latin typeface="华文宋体" panose="02010600040101010101" charset="-122"/>
+                <a:ea typeface="华文宋体" panose="02010600040101010101" charset="-122"/>
+                <a:cs typeface="华文宋体" panose="02010600040101010101" charset="-122"/>
               </a:rPr>
               <a:t> 架</a:t>
             </a:r>
@@ -7529,9 +7644,9 @@
                 <a:solidFill>
                   <a:prstClr val="black"/>
                 </a:solidFill>
-                <a:latin typeface="STSong" charset="-122"/>
-                <a:ea typeface="STSong" charset="-122"/>
-                <a:cs typeface="STSong" charset="-122"/>
+                <a:latin typeface="华文宋体" panose="02010600040101010101" charset="-122"/>
+                <a:ea typeface="华文宋体" panose="02010600040101010101" charset="-122"/>
+                <a:cs typeface="华文宋体" panose="02010600040101010101" charset="-122"/>
               </a:rPr>
               <a:t>构图 </a:t>
             </a:r>
@@ -7540,9 +7655,9 @@
                 <a:solidFill>
                   <a:prstClr val="black"/>
                 </a:solidFill>
-                <a:latin typeface="STSong" charset="-122"/>
-                <a:ea typeface="STSong" charset="-122"/>
-                <a:cs typeface="STSong" charset="-122"/>
+                <a:latin typeface="华文宋体" panose="02010600040101010101" charset="-122"/>
+                <a:ea typeface="华文宋体" panose="02010600040101010101" charset="-122"/>
+                <a:cs typeface="华文宋体" panose="02010600040101010101" charset="-122"/>
               </a:rPr>
               <a:t>v1.0</a:t>
             </a:r>
@@ -7550,19 +7665,14 @@
               <a:solidFill>
                 <a:prstClr val="black"/>
               </a:solidFill>
-              <a:latin typeface="STSong" charset="-122"/>
-              <a:ea typeface="STSong" charset="-122"/>
-              <a:cs typeface="STSong" charset="-122"/>
+              <a:latin typeface="华文宋体" panose="02010600040101010101" charset="-122"/>
+              <a:ea typeface="华文宋体" panose="02010600040101010101" charset="-122"/>
+              <a:cs typeface="华文宋体" panose="02010600040101010101" charset="-122"/>
             </a:endParaRPr>
           </a:p>
         </p:txBody>
       </p:sp>
     </p:spTree>
-    <p:extLst>
-      <p:ext uri="{BB962C8B-B14F-4D97-AF65-F5344CB8AC3E}">
-        <p14:creationId xmlns:p14="http://schemas.microsoft.com/office/powerpoint/2010/main" val="1311067521"/>
-      </p:ext>
-    </p:extLst>
   </p:cSld>
   <p:clrMapOvr>
     <a:masterClrMapping/>
@@ -7716,12 +7826,17 @@
             <a:pPr algn="l"/>
             <a:r>
               <a:rPr lang="zh-CN" altLang="en-US" sz="1200" b="1">
-                <a:latin typeface="STSong" charset="-122"/>
-                <a:ea typeface="STSong" charset="-122"/>
-                <a:cs typeface="STSong" charset="-122"/>
+                <a:latin typeface="华文宋体" panose="02010600040101010101" charset="-122"/>
+                <a:ea typeface="华文宋体" panose="02010600040101010101" charset="-122"/>
+                <a:cs typeface="华文宋体" panose="02010600040101010101" charset="-122"/>
               </a:rPr>
               <a:t>加载配置</a:t>
             </a:r>
+            <a:endParaRPr lang="zh-CN" altLang="en-US" sz="1200" b="1">
+              <a:latin typeface="华文宋体" panose="02010600040101010101" charset="-122"/>
+              <a:ea typeface="华文宋体" panose="02010600040101010101" charset="-122"/>
+              <a:cs typeface="华文宋体" panose="02010600040101010101" charset="-122"/>
+            </a:endParaRPr>
           </a:p>
         </p:txBody>
       </p:sp>
@@ -7854,20 +7969,25 @@
             <a:pPr algn="ctr"/>
             <a:r>
               <a:rPr lang="en-US" altLang="zh-CN" sz="1200" b="1" dirty="0">
-                <a:latin typeface="STSong" charset="-122"/>
-                <a:ea typeface="STSong" charset="-122"/>
-                <a:cs typeface="STSong" charset="-122"/>
+                <a:latin typeface="华文宋体" panose="02010600040101010101" charset="-122"/>
+                <a:ea typeface="华文宋体" panose="02010600040101010101" charset="-122"/>
+                <a:cs typeface="华文宋体" panose="02010600040101010101" charset="-122"/>
               </a:rPr>
               <a:t>Client-API</a:t>
             </a:r>
             <a:r>
               <a:rPr lang="zh-CN" altLang="en-US" sz="1200" b="1">
-                <a:latin typeface="STSong" charset="-122"/>
-                <a:ea typeface="STSong" charset="-122"/>
-                <a:cs typeface="STSong" charset="-122"/>
+                <a:latin typeface="华文宋体" panose="02010600040101010101" charset="-122"/>
+                <a:ea typeface="华文宋体" panose="02010600040101010101" charset="-122"/>
+                <a:cs typeface="华文宋体" panose="02010600040101010101" charset="-122"/>
               </a:rPr>
               <a:t> 发起调用</a:t>
             </a:r>
+            <a:endParaRPr lang="zh-CN" altLang="en-US" sz="1200" b="1">
+              <a:latin typeface="华文宋体" panose="02010600040101010101" charset="-122"/>
+              <a:ea typeface="华文宋体" panose="02010600040101010101" charset="-122"/>
+              <a:cs typeface="华文宋体" panose="02010600040101010101" charset="-122"/>
+            </a:endParaRPr>
           </a:p>
         </p:txBody>
       </p:sp>
@@ -8000,12 +8120,17 @@
             <a:pPr algn="ctr"/>
             <a:r>
               <a:rPr lang="zh-CN" altLang="en-US" sz="1200" b="1">
-                <a:latin typeface="STSong" charset="-122"/>
-                <a:ea typeface="STSong" charset="-122"/>
-                <a:cs typeface="STSong" charset="-122"/>
+                <a:latin typeface="华文宋体" panose="02010600040101010101" charset="-122"/>
+                <a:ea typeface="华文宋体" panose="02010600040101010101" charset="-122"/>
+                <a:cs typeface="华文宋体" panose="02010600040101010101" charset="-122"/>
               </a:rPr>
               <a:t>返回配置</a:t>
             </a:r>
+            <a:endParaRPr lang="zh-CN" altLang="en-US" sz="1200" b="1">
+              <a:latin typeface="华文宋体" panose="02010600040101010101" charset="-122"/>
+              <a:ea typeface="华文宋体" panose="02010600040101010101" charset="-122"/>
+              <a:cs typeface="华文宋体" panose="02010600040101010101" charset="-122"/>
+            </a:endParaRPr>
           </a:p>
         </p:txBody>
       </p:sp>
@@ -8138,20 +8263,25 @@
             <a:pPr algn="ctr"/>
             <a:r>
               <a:rPr lang="en-US" altLang="zh-CN" sz="1200" b="1" dirty="0">
-                <a:latin typeface="STSong" charset="-122"/>
-                <a:ea typeface="STSong" charset="-122"/>
-                <a:cs typeface="STSong" charset="-122"/>
+                <a:latin typeface="华文宋体" panose="02010600040101010101" charset="-122"/>
+                <a:ea typeface="华文宋体" panose="02010600040101010101" charset="-122"/>
+                <a:cs typeface="华文宋体" panose="02010600040101010101" charset="-122"/>
               </a:rPr>
               <a:t>Ehcache</a:t>
             </a:r>
             <a:r>
               <a:rPr lang="zh-CN" altLang="en-US" sz="1200" b="1" dirty="0">
-                <a:latin typeface="STSong" charset="-122"/>
-                <a:ea typeface="STSong" charset="-122"/>
-                <a:cs typeface="STSong" charset="-122"/>
+                <a:latin typeface="华文宋体" panose="02010600040101010101" charset="-122"/>
+                <a:ea typeface="华文宋体" panose="02010600040101010101" charset="-122"/>
+                <a:cs typeface="华文宋体" panose="02010600040101010101" charset="-122"/>
               </a:rPr>
               <a:t>内查询</a:t>
             </a:r>
+            <a:endParaRPr lang="zh-CN" altLang="en-US" sz="1200" b="1" dirty="0">
+              <a:latin typeface="华文宋体" panose="02010600040101010101" charset="-122"/>
+              <a:ea typeface="华文宋体" panose="02010600040101010101" charset="-122"/>
+              <a:cs typeface="华文宋体" panose="02010600040101010101" charset="-122"/>
+            </a:endParaRPr>
           </a:p>
         </p:txBody>
       </p:sp>
@@ -8283,9 +8413,9 @@
           <a:p>
             <a:pPr algn="l"/>
             <a:endParaRPr lang="zh-CN" altLang="en-US" sz="1200" b="1">
-              <a:latin typeface="STSong" charset="-122"/>
-              <a:ea typeface="STSong" charset="-122"/>
-              <a:cs typeface="STSong" charset="-122"/>
+              <a:latin typeface="华文宋体" panose="02010600040101010101" charset="-122"/>
+              <a:ea typeface="华文宋体" panose="02010600040101010101" charset="-122"/>
+              <a:cs typeface="华文宋体" panose="02010600040101010101" charset="-122"/>
             </a:endParaRPr>
           </a:p>
         </p:txBody>
@@ -8418,9 +8548,9 @@
           <a:p>
             <a:pPr algn="l"/>
             <a:endParaRPr lang="zh-CN" altLang="en-US" sz="1200" b="1">
-              <a:latin typeface="STSong" charset="-122"/>
-              <a:ea typeface="STSong" charset="-122"/>
-              <a:cs typeface="STSong" charset="-122"/>
+              <a:latin typeface="华文宋体" panose="02010600040101010101" charset="-122"/>
+              <a:ea typeface="华文宋体" panose="02010600040101010101" charset="-122"/>
+              <a:cs typeface="华文宋体" panose="02010600040101010101" charset="-122"/>
             </a:endParaRPr>
           </a:p>
         </p:txBody>
@@ -8554,39 +8684,49 @@
             <a:pPr algn="ctr"/>
             <a:r>
               <a:rPr lang="en-US" altLang="zh-CN" sz="1200" b="1" dirty="0">
-                <a:latin typeface="STSong" charset="-122"/>
-                <a:ea typeface="STSong" charset="-122"/>
-                <a:cs typeface="STSong" charset="-122"/>
+                <a:latin typeface="华文宋体" panose="02010600040101010101" charset="-122"/>
+                <a:ea typeface="华文宋体" panose="02010600040101010101" charset="-122"/>
+                <a:cs typeface="华文宋体" panose="02010600040101010101" charset="-122"/>
               </a:rPr>
               <a:t>ZK-Client</a:t>
             </a:r>
             <a:r>
               <a:rPr lang="zh-CN" altLang="en-US" sz="1200" b="1">
-                <a:latin typeface="STSong" charset="-122"/>
-                <a:ea typeface="STSong" charset="-122"/>
-                <a:cs typeface="STSong" charset="-122"/>
+                <a:latin typeface="华文宋体" panose="02010600040101010101" charset="-122"/>
+                <a:ea typeface="华文宋体" panose="02010600040101010101" charset="-122"/>
+                <a:cs typeface="华文宋体" panose="02010600040101010101" charset="-122"/>
               </a:rPr>
               <a:t>查询</a:t>
             </a:r>
+            <a:endParaRPr lang="zh-CN" altLang="en-US" sz="1200" b="1">
+              <a:latin typeface="华文宋体" panose="02010600040101010101" charset="-122"/>
+              <a:ea typeface="华文宋体" panose="02010600040101010101" charset="-122"/>
+              <a:cs typeface="华文宋体" panose="02010600040101010101" charset="-122"/>
+            </a:endParaRPr>
           </a:p>
           <a:p>
             <a:pPr algn="ctr"/>
             <a:r>
               <a:rPr lang="en-US" altLang="zh-CN" sz="1200" b="1" dirty="0">
-                <a:latin typeface="STSong" charset="-122"/>
-                <a:ea typeface="STSong" charset="-122"/>
-                <a:cs typeface="STSong" charset="-122"/>
+                <a:latin typeface="华文宋体" panose="02010600040101010101" charset="-122"/>
+                <a:ea typeface="华文宋体" panose="02010600040101010101" charset="-122"/>
+                <a:cs typeface="华文宋体" panose="02010600040101010101" charset="-122"/>
               </a:rPr>
               <a:t>ZK</a:t>
             </a:r>
             <a:r>
               <a:rPr lang="zh-CN" altLang="en-US" sz="1200" b="1">
-                <a:latin typeface="STSong" charset="-122"/>
-                <a:ea typeface="STSong" charset="-122"/>
-                <a:cs typeface="STSong" charset="-122"/>
+                <a:latin typeface="华文宋体" panose="02010600040101010101" charset="-122"/>
+                <a:ea typeface="华文宋体" panose="02010600040101010101" charset="-122"/>
+                <a:cs typeface="华文宋体" panose="02010600040101010101" charset="-122"/>
               </a:rPr>
               <a:t>集群中配置信息</a:t>
             </a:r>
+            <a:endParaRPr lang="zh-CN" altLang="en-US" sz="1200" b="1">
+              <a:latin typeface="华文宋体" panose="02010600040101010101" charset="-122"/>
+              <a:ea typeface="华文宋体" panose="02010600040101010101" charset="-122"/>
+              <a:cs typeface="华文宋体" panose="02010600040101010101" charset="-122"/>
+            </a:endParaRPr>
           </a:p>
         </p:txBody>
       </p:sp>
@@ -8718,9 +8858,9 @@
           <a:p>
             <a:pPr algn="l"/>
             <a:endParaRPr lang="zh-CN" altLang="en-US" sz="1200" b="1">
-              <a:latin typeface="STSong" charset="-122"/>
-              <a:ea typeface="STSong" charset="-122"/>
-              <a:cs typeface="STSong" charset="-122"/>
+              <a:latin typeface="华文宋体" panose="02010600040101010101" charset="-122"/>
+              <a:ea typeface="华文宋体" panose="02010600040101010101" charset="-122"/>
+              <a:cs typeface="华文宋体" panose="02010600040101010101" charset="-122"/>
             </a:endParaRPr>
           </a:p>
         </p:txBody>
@@ -8854,24 +8994,24 @@
             <a:pPr algn="ctr"/>
             <a:r>
               <a:rPr lang="zh-CN" altLang="en-US" sz="1200" b="1" dirty="0">
-                <a:latin typeface="STSong" charset="-122"/>
-                <a:ea typeface="STSong" charset="-122"/>
-                <a:cs typeface="STSong" charset="-122"/>
+                <a:latin typeface="华文宋体" panose="02010600040101010101" charset="-122"/>
+                <a:ea typeface="华文宋体" panose="02010600040101010101" charset="-122"/>
+                <a:cs typeface="华文宋体" panose="02010600040101010101" charset="-122"/>
               </a:rPr>
               <a:t>加入</a:t>
             </a:r>
             <a:r>
               <a:rPr lang="en-US" altLang="zh-CN" sz="1200" b="1" dirty="0">
-                <a:latin typeface="STSong" charset="-122"/>
-                <a:ea typeface="STSong" charset="-122"/>
-                <a:cs typeface="STSong" charset="-122"/>
+                <a:latin typeface="华文宋体" panose="02010600040101010101" charset="-122"/>
+                <a:ea typeface="华文宋体" panose="02010600040101010101" charset="-122"/>
+                <a:cs typeface="华文宋体" panose="02010600040101010101" charset="-122"/>
               </a:rPr>
               <a:t>Ehcache</a:t>
             </a:r>
             <a:endParaRPr lang="zh-CN" altLang="en-US" sz="1200" b="1" dirty="0">
-              <a:latin typeface="STSong" charset="-122"/>
-              <a:ea typeface="STSong" charset="-122"/>
-              <a:cs typeface="STSong" charset="-122"/>
+              <a:latin typeface="华文宋体" panose="02010600040101010101" charset="-122"/>
+              <a:ea typeface="华文宋体" panose="02010600040101010101" charset="-122"/>
+              <a:cs typeface="华文宋体" panose="02010600040101010101" charset="-122"/>
             </a:endParaRPr>
           </a:p>
         </p:txBody>
@@ -9004,9 +9144,9 @@
           <a:p>
             <a:pPr algn="l"/>
             <a:endParaRPr lang="zh-CN" altLang="en-US" sz="1200" b="1">
-              <a:latin typeface="STSong" charset="-122"/>
-              <a:ea typeface="STSong" charset="-122"/>
-              <a:cs typeface="STSong" charset="-122"/>
+              <a:latin typeface="华文宋体" panose="02010600040101010101" charset="-122"/>
+              <a:ea typeface="华文宋体" panose="02010600040101010101" charset="-122"/>
+              <a:cs typeface="华文宋体" panose="02010600040101010101" charset="-122"/>
             </a:endParaRPr>
           </a:p>
         </p:txBody>
@@ -9143,9 +9283,9 @@
           <a:p>
             <a:pPr algn="l"/>
             <a:endParaRPr lang="zh-CN" altLang="en-US" sz="1200" b="1">
-              <a:latin typeface="STSong" charset="-122"/>
-              <a:ea typeface="STSong" charset="-122"/>
-              <a:cs typeface="STSong" charset="-122"/>
+              <a:latin typeface="华文宋体" panose="02010600040101010101" charset="-122"/>
+              <a:ea typeface="华文宋体" panose="02010600040101010101" charset="-122"/>
+              <a:cs typeface="华文宋体" panose="02010600040101010101" charset="-122"/>
             </a:endParaRPr>
           </a:p>
         </p:txBody>
@@ -9282,9 +9422,9 @@
           <a:p>
             <a:pPr algn="l"/>
             <a:endParaRPr lang="zh-CN" altLang="en-US" sz="1200" b="1">
-              <a:latin typeface="STSong" charset="-122"/>
-              <a:ea typeface="STSong" charset="-122"/>
-              <a:cs typeface="STSong" charset="-122"/>
+              <a:latin typeface="华文宋体" panose="02010600040101010101" charset="-122"/>
+              <a:ea typeface="华文宋体" panose="02010600040101010101" charset="-122"/>
+              <a:cs typeface="华文宋体" panose="02010600040101010101" charset="-122"/>
             </a:endParaRPr>
           </a:p>
         </p:txBody>
@@ -9418,12 +9558,17 @@
             <a:pPr algn="ctr"/>
             <a:r>
               <a:rPr lang="zh-CN" altLang="en-US" sz="1200" b="1">
-                <a:latin typeface="STSong" charset="-122"/>
-                <a:ea typeface="STSong" charset="-122"/>
-                <a:cs typeface="STSong" charset="-122"/>
+                <a:latin typeface="华文宋体" panose="02010600040101010101" charset="-122"/>
+                <a:ea typeface="华文宋体" panose="02010600040101010101" charset="-122"/>
+                <a:cs typeface="华文宋体" panose="02010600040101010101" charset="-122"/>
               </a:rPr>
               <a:t>默认</a:t>
             </a:r>
+            <a:endParaRPr lang="zh-CN" altLang="en-US" sz="1200" b="1">
+              <a:latin typeface="华文宋体" panose="02010600040101010101" charset="-122"/>
+              <a:ea typeface="华文宋体" panose="02010600040101010101" charset="-122"/>
+              <a:cs typeface="华文宋体" panose="02010600040101010101" charset="-122"/>
+            </a:endParaRPr>
           </a:p>
         </p:txBody>
       </p:sp>
@@ -9555,9 +9700,9 @@
           <a:p>
             <a:pPr algn="l"/>
             <a:endParaRPr lang="zh-CN" altLang="en-US" sz="1200" b="1">
-              <a:latin typeface="STSong" charset="-122"/>
-              <a:ea typeface="STSong" charset="-122"/>
-              <a:cs typeface="STSong" charset="-122"/>
+              <a:latin typeface="华文宋体" panose="02010600040101010101" charset="-122"/>
+              <a:ea typeface="华文宋体" panose="02010600040101010101" charset="-122"/>
+              <a:cs typeface="华文宋体" panose="02010600040101010101" charset="-122"/>
             </a:endParaRPr>
           </a:p>
         </p:txBody>
@@ -9698,12 +9843,17 @@
           <a:p>
             <a:r>
               <a:rPr lang="zh-CN" altLang="en-US" sz="1200" b="1">
-                <a:latin typeface="STSong" charset="-122"/>
-                <a:ea typeface="STSong" charset="-122"/>
-                <a:cs typeface="STSong" charset="-122"/>
+                <a:latin typeface="华文宋体" panose="02010600040101010101" charset="-122"/>
+                <a:ea typeface="华文宋体" panose="02010600040101010101" charset="-122"/>
+                <a:cs typeface="华文宋体" panose="02010600040101010101" charset="-122"/>
               </a:rPr>
               <a:t>返回配置</a:t>
             </a:r>
+            <a:endParaRPr lang="zh-CN" altLang="en-US" sz="1200" b="1">
+              <a:latin typeface="华文宋体" panose="02010600040101010101" charset="-122"/>
+              <a:ea typeface="华文宋体" panose="02010600040101010101" charset="-122"/>
+              <a:cs typeface="华文宋体" panose="02010600040101010101" charset="-122"/>
+            </a:endParaRPr>
           </a:p>
         </p:txBody>
       </p:sp>
@@ -9731,56 +9881,56 @@
             <a:pPr algn="ctr"/>
             <a:r>
               <a:rPr lang="en-US" altLang="zh-CN" b="1" dirty="0">
-                <a:latin typeface="STSong" charset="-122"/>
-                <a:ea typeface="STSong" charset="-122"/>
-                <a:cs typeface="STSong" charset="-122"/>
+                <a:latin typeface="华文宋体" panose="02010600040101010101" charset="-122"/>
+                <a:ea typeface="华文宋体" panose="02010600040101010101" charset="-122"/>
+                <a:cs typeface="华文宋体" panose="02010600040101010101" charset="-122"/>
               </a:rPr>
               <a:t>XXL-CONF</a:t>
             </a:r>
             <a:r>
               <a:rPr lang="zh-CN" altLang="en-US" b="1" dirty="0">
-                <a:latin typeface="STSong" charset="-122"/>
-                <a:ea typeface="STSong" charset="-122"/>
-                <a:cs typeface="STSong" charset="-122"/>
+                <a:latin typeface="华文宋体" panose="02010600040101010101" charset="-122"/>
+                <a:ea typeface="华文宋体" panose="02010600040101010101" charset="-122"/>
+                <a:cs typeface="华文宋体" panose="02010600040101010101" charset="-122"/>
               </a:rPr>
               <a:t> 配置加载流程（</a:t>
             </a:r>
             <a:r>
               <a:rPr lang="en-US" altLang="zh-CN" b="1" dirty="0">
-                <a:latin typeface="STSong" charset="-122"/>
-                <a:ea typeface="STSong" charset="-122"/>
-                <a:cs typeface="STSong" charset="-122"/>
+                <a:latin typeface="华文宋体" panose="02010600040101010101" charset="-122"/>
+                <a:ea typeface="华文宋体" panose="02010600040101010101" charset="-122"/>
+                <a:cs typeface="华文宋体" panose="02010600040101010101" charset="-122"/>
               </a:rPr>
               <a:t>API</a:t>
             </a:r>
             <a:r>
               <a:rPr lang="zh-CN" altLang="en-US" b="1" dirty="0">
-                <a:latin typeface="STSong" charset="-122"/>
-                <a:ea typeface="STSong" charset="-122"/>
-                <a:cs typeface="STSong" charset="-122"/>
+                <a:latin typeface="华文宋体" panose="02010600040101010101" charset="-122"/>
+                <a:ea typeface="华文宋体" panose="02010600040101010101" charset="-122"/>
+                <a:cs typeface="华文宋体" panose="02010600040101010101" charset="-122"/>
               </a:rPr>
               <a:t>方式</a:t>
             </a:r>
             <a:r>
               <a:rPr lang="zh-CN" altLang="en-US" b="1" dirty="0" smtClean="0">
-                <a:latin typeface="STSong" charset="-122"/>
-                <a:ea typeface="STSong" charset="-122"/>
-                <a:cs typeface="STSong" charset="-122"/>
+                <a:latin typeface="华文宋体" panose="02010600040101010101" charset="-122"/>
+                <a:ea typeface="华文宋体" panose="02010600040101010101" charset="-122"/>
+                <a:cs typeface="华文宋体" panose="02010600040101010101" charset="-122"/>
               </a:rPr>
               <a:t>）</a:t>
             </a:r>
             <a:r>
               <a:rPr lang="nb-NO" altLang="zh-CN" b="1" dirty="0">
-                <a:latin typeface="STSong" charset="-122"/>
-                <a:ea typeface="STSong" charset="-122"/>
-                <a:cs typeface="STSong" charset="-122"/>
+                <a:latin typeface="华文宋体" panose="02010600040101010101" charset="-122"/>
+                <a:ea typeface="华文宋体" panose="02010600040101010101" charset="-122"/>
+                <a:cs typeface="华文宋体" panose="02010600040101010101" charset="-122"/>
               </a:rPr>
               <a:t> v1.0</a:t>
             </a:r>
             <a:endParaRPr lang="zh-CN" altLang="en-US" b="1" dirty="0">
-              <a:latin typeface="STSong" charset="-122"/>
-              <a:ea typeface="STSong" charset="-122"/>
-              <a:cs typeface="STSong" charset="-122"/>
+              <a:latin typeface="华文宋体" panose="02010600040101010101" charset="-122"/>
+              <a:ea typeface="华文宋体" panose="02010600040101010101" charset="-122"/>
+              <a:cs typeface="华文宋体" panose="02010600040101010101" charset="-122"/>
             </a:endParaRPr>
           </a:p>
         </p:txBody>
@@ -9812,9 +9962,9 @@
                 <a:solidFill>
                   <a:prstClr val="black"/>
                 </a:solidFill>
-                <a:latin typeface="STSong" charset="-122"/>
-                <a:ea typeface="STSong" charset="-122"/>
-                <a:cs typeface="STSong" charset="-122"/>
+                <a:latin typeface="华文宋体" panose="02010600040101010101" charset="-122"/>
+                <a:ea typeface="华文宋体" panose="02010600040101010101" charset="-122"/>
+                <a:cs typeface="华文宋体" panose="02010600040101010101" charset="-122"/>
               </a:rPr>
               <a:t>ZK</a:t>
             </a:r>
@@ -9823,12 +9973,20 @@
                 <a:solidFill>
                   <a:prstClr val="black"/>
                 </a:solidFill>
-                <a:latin typeface="STSong" charset="-122"/>
-                <a:ea typeface="STSong" charset="-122"/>
-                <a:cs typeface="STSong" charset="-122"/>
+                <a:latin typeface="华文宋体" panose="02010600040101010101" charset="-122"/>
+                <a:ea typeface="华文宋体" panose="02010600040101010101" charset="-122"/>
+                <a:cs typeface="华文宋体" panose="02010600040101010101" charset="-122"/>
               </a:rPr>
               <a:t>查询成功</a:t>
             </a:r>
+            <a:endParaRPr lang="zh-CN" altLang="en-US" sz="1200" b="1" dirty="0">
+              <a:solidFill>
+                <a:prstClr val="black"/>
+              </a:solidFill>
+              <a:latin typeface="华文宋体" panose="02010600040101010101" charset="-122"/>
+              <a:ea typeface="华文宋体" panose="02010600040101010101" charset="-122"/>
+              <a:cs typeface="华文宋体" panose="02010600040101010101" charset="-122"/>
+            </a:endParaRPr>
           </a:p>
         </p:txBody>
       </p:sp>
@@ -9859,12 +10017,20 @@
                 <a:solidFill>
                   <a:prstClr val="black"/>
                 </a:solidFill>
-                <a:latin typeface="STSong" charset="-122"/>
-                <a:ea typeface="STSong" charset="-122"/>
-                <a:cs typeface="STSong" charset="-122"/>
+                <a:latin typeface="华文宋体" panose="02010600040101010101" charset="-122"/>
+                <a:ea typeface="华文宋体" panose="02010600040101010101" charset="-122"/>
+                <a:cs typeface="华文宋体" panose="02010600040101010101" charset="-122"/>
               </a:rPr>
               <a:t>缓存命中</a:t>
             </a:r>
+            <a:endParaRPr lang="zh-CN" altLang="en-US" sz="1200" b="1">
+              <a:solidFill>
+                <a:prstClr val="black"/>
+              </a:solidFill>
+              <a:latin typeface="华文宋体" panose="02010600040101010101" charset="-122"/>
+              <a:ea typeface="华文宋体" panose="02010600040101010101" charset="-122"/>
+              <a:cs typeface="华文宋体" panose="02010600040101010101" charset="-122"/>
+            </a:endParaRPr>
           </a:p>
           <a:p>
             <a:pPr lvl="0"/>
@@ -9873,12 +10039,20 @@
                 <a:solidFill>
                   <a:prstClr val="black"/>
                 </a:solidFill>
-                <a:latin typeface="STSong" charset="-122"/>
-                <a:ea typeface="STSong" charset="-122"/>
-                <a:cs typeface="STSong" charset="-122"/>
+                <a:latin typeface="华文宋体" panose="02010600040101010101" charset="-122"/>
+                <a:ea typeface="华文宋体" panose="02010600040101010101" charset="-122"/>
+                <a:cs typeface="华文宋体" panose="02010600040101010101" charset="-122"/>
               </a:rPr>
               <a:t>返回配置</a:t>
             </a:r>
+            <a:endParaRPr lang="zh-CN" altLang="en-US" sz="1200" b="1" dirty="0">
+              <a:solidFill>
+                <a:prstClr val="black"/>
+              </a:solidFill>
+              <a:latin typeface="华文宋体" panose="02010600040101010101" charset="-122"/>
+              <a:ea typeface="华文宋体" panose="02010600040101010101" charset="-122"/>
+              <a:cs typeface="华文宋体" panose="02010600040101010101" charset="-122"/>
+            </a:endParaRPr>
           </a:p>
         </p:txBody>
       </p:sp>
@@ -9909,12 +10083,20 @@
                 <a:solidFill>
                   <a:prstClr val="black"/>
                 </a:solidFill>
-                <a:latin typeface="STSong" charset="-122"/>
-                <a:ea typeface="STSong" charset="-122"/>
-                <a:cs typeface="STSong" charset="-122"/>
+                <a:latin typeface="华文宋体" panose="02010600040101010101" charset="-122"/>
+                <a:ea typeface="华文宋体" panose="02010600040101010101" charset="-122"/>
+                <a:cs typeface="华文宋体" panose="02010600040101010101" charset="-122"/>
               </a:rPr>
               <a:t>缓存未命中</a:t>
             </a:r>
+            <a:endParaRPr lang="zh-CN" altLang="en-US" sz="1200" b="1">
+              <a:solidFill>
+                <a:prstClr val="black"/>
+              </a:solidFill>
+              <a:latin typeface="华文宋体" panose="02010600040101010101" charset="-122"/>
+              <a:ea typeface="华文宋体" panose="02010600040101010101" charset="-122"/>
+              <a:cs typeface="华文宋体" panose="02010600040101010101" charset="-122"/>
+            </a:endParaRPr>
           </a:p>
         </p:txBody>
       </p:sp>
@@ -9945,9 +10127,9 @@
                 <a:solidFill>
                   <a:prstClr val="black"/>
                 </a:solidFill>
-                <a:latin typeface="STSong" charset="-122"/>
-                <a:ea typeface="STSong" charset="-122"/>
-                <a:cs typeface="STSong" charset="-122"/>
+                <a:latin typeface="华文宋体" panose="02010600040101010101" charset="-122"/>
+                <a:ea typeface="华文宋体" panose="02010600040101010101" charset="-122"/>
+                <a:cs typeface="华文宋体" panose="02010600040101010101" charset="-122"/>
               </a:rPr>
               <a:t>ZK</a:t>
             </a:r>
@@ -9956,12 +10138,20 @@
                 <a:solidFill>
                   <a:prstClr val="black"/>
                 </a:solidFill>
-                <a:latin typeface="STSong" charset="-122"/>
-                <a:ea typeface="STSong" charset="-122"/>
-                <a:cs typeface="STSong" charset="-122"/>
+                <a:latin typeface="华文宋体" panose="02010600040101010101" charset="-122"/>
+                <a:ea typeface="华文宋体" panose="02010600040101010101" charset="-122"/>
+                <a:cs typeface="华文宋体" panose="02010600040101010101" charset="-122"/>
               </a:rPr>
               <a:t>查询失败</a:t>
             </a:r>
+            <a:endParaRPr lang="zh-CN" altLang="en-US" sz="1200" b="1" dirty="0">
+              <a:solidFill>
+                <a:prstClr val="black"/>
+              </a:solidFill>
+              <a:latin typeface="华文宋体" panose="02010600040101010101" charset="-122"/>
+              <a:ea typeface="华文宋体" panose="02010600040101010101" charset="-122"/>
+              <a:cs typeface="华文宋体" panose="02010600040101010101" charset="-122"/>
+            </a:endParaRPr>
           </a:p>
           <a:p>
             <a:pPr lvl="0"/>
@@ -9970,21 +10160,24 @@
                 <a:solidFill>
                   <a:prstClr val="black"/>
                 </a:solidFill>
-                <a:latin typeface="STSong" charset="-122"/>
-                <a:ea typeface="STSong" charset="-122"/>
-                <a:cs typeface="STSong" charset="-122"/>
+                <a:latin typeface="华文宋体" panose="02010600040101010101" charset="-122"/>
+                <a:ea typeface="华文宋体" panose="02010600040101010101" charset="-122"/>
+                <a:cs typeface="华文宋体" panose="02010600040101010101" charset="-122"/>
               </a:rPr>
               <a:t>返回设置的默认配置</a:t>
             </a:r>
+            <a:endParaRPr lang="zh-CN" altLang="en-US" sz="1200" b="1" dirty="0">
+              <a:solidFill>
+                <a:prstClr val="black"/>
+              </a:solidFill>
+              <a:latin typeface="华文宋体" panose="02010600040101010101" charset="-122"/>
+              <a:ea typeface="华文宋体" panose="02010600040101010101" charset="-122"/>
+              <a:cs typeface="华文宋体" panose="02010600040101010101" charset="-122"/>
+            </a:endParaRPr>
           </a:p>
         </p:txBody>
       </p:sp>
     </p:spTree>
-    <p:extLst>
-      <p:ext uri="{BB962C8B-B14F-4D97-AF65-F5344CB8AC3E}">
-        <p14:creationId xmlns:p14="http://schemas.microsoft.com/office/powerpoint/2010/main" val="1210355271"/>
-      </p:ext>
-    </p:extLst>
   </p:cSld>
   <p:clrMapOvr>
     <a:masterClrMapping/>
@@ -10036,9 +10229,9 @@
                 <a:solidFill>
                   <a:prstClr val="black"/>
                 </a:solidFill>
-                <a:latin typeface="Microsoft YaHei" charset="0"/>
-                <a:ea typeface="Microsoft YaHei" charset="0"/>
-                <a:cs typeface="Microsoft YaHei" charset="0"/>
+                <a:latin typeface="微软雅黑" panose="020B0503020204020204" charset="-122"/>
+                <a:ea typeface="微软雅黑" panose="020B0503020204020204" charset="-122"/>
+                <a:cs typeface="微软雅黑" panose="020B0503020204020204" charset="-122"/>
               </a:rPr>
               <a:t>XXL-CONF</a:t>
             </a:r>
@@ -10047,9 +10240,9 @@
                 <a:solidFill>
                   <a:prstClr val="black"/>
                 </a:solidFill>
-                <a:latin typeface="Microsoft YaHei" charset="0"/>
-                <a:ea typeface="Microsoft YaHei" charset="0"/>
-                <a:cs typeface="Microsoft YaHei" charset="0"/>
+                <a:latin typeface="微软雅黑" panose="020B0503020204020204" charset="-122"/>
+                <a:ea typeface="微软雅黑" panose="020B0503020204020204" charset="-122"/>
+                <a:cs typeface="微软雅黑" panose="020B0503020204020204" charset="-122"/>
               </a:rPr>
               <a:t>架</a:t>
             </a:r>
@@ -10058,9 +10251,9 @@
                 <a:solidFill>
                   <a:prstClr val="black"/>
                 </a:solidFill>
-                <a:latin typeface="Microsoft YaHei" charset="0"/>
-                <a:ea typeface="Microsoft YaHei" charset="0"/>
-                <a:cs typeface="Microsoft YaHei" charset="0"/>
+                <a:latin typeface="微软雅黑" panose="020B0503020204020204" charset="-122"/>
+                <a:ea typeface="微软雅黑" panose="020B0503020204020204" charset="-122"/>
+                <a:cs typeface="微软雅黑" panose="020B0503020204020204" charset="-122"/>
               </a:rPr>
               <a:t>构图 </a:t>
             </a:r>
@@ -10069,9 +10262,9 @@
                 <a:solidFill>
                   <a:prstClr val="black"/>
                 </a:solidFill>
-                <a:latin typeface="Microsoft YaHei" charset="0"/>
-                <a:ea typeface="Microsoft YaHei" charset="0"/>
-                <a:cs typeface="Microsoft YaHei" charset="0"/>
+                <a:latin typeface="微软雅黑" panose="020B0503020204020204" charset="-122"/>
+                <a:ea typeface="微软雅黑" panose="020B0503020204020204" charset="-122"/>
+                <a:cs typeface="微软雅黑" panose="020B0503020204020204" charset="-122"/>
               </a:rPr>
               <a:t>v1.5</a:t>
             </a:r>
@@ -10079,9 +10272,9 @@
               <a:solidFill>
                 <a:prstClr val="black"/>
               </a:solidFill>
-              <a:latin typeface="Microsoft YaHei" charset="0"/>
-              <a:ea typeface="Microsoft YaHei" charset="0"/>
-              <a:cs typeface="Microsoft YaHei" charset="0"/>
+              <a:latin typeface="微软雅黑" panose="020B0503020204020204" charset="-122"/>
+              <a:ea typeface="微软雅黑" panose="020B0503020204020204" charset="-122"/>
+              <a:cs typeface="微软雅黑" panose="020B0503020204020204" charset="-122"/>
             </a:endParaRPr>
           </a:p>
         </p:txBody>
@@ -10118,7 +10311,7 @@
           <a:bodyPr anchor="ctr"/>
           <a:lstStyle/>
           <a:p>
-            <a:pPr algn="ctr" defTabSz="1219170" eaLnBrk="0" fontAlgn="base" hangingPunct="0">
+            <a:pPr algn="ctr" defTabSz="1218565" eaLnBrk="0" fontAlgn="base" hangingPunct="0">
               <a:spcBef>
                 <a:spcPct val="0"/>
               </a:spcBef>
@@ -10129,16 +10322,16 @@
             </a:pPr>
             <a:r>
               <a:rPr kumimoji="1" lang="en-US" altLang="zh-CN" kern="0" dirty="0" smtClean="0">
-                <a:latin typeface="Microsoft YaHei" charset="0"/>
-                <a:ea typeface="Microsoft YaHei" charset="0"/>
-                <a:cs typeface="Microsoft YaHei" charset="0"/>
+                <a:latin typeface="微软雅黑" panose="020B0503020204020204" charset="-122"/>
+                <a:ea typeface="微软雅黑" panose="020B0503020204020204" charset="-122"/>
+                <a:cs typeface="微软雅黑" panose="020B0503020204020204" charset="-122"/>
               </a:rPr>
               <a:t>zk</a:t>
             </a:r>
             <a:endParaRPr kumimoji="1" lang="zh-CN" altLang="en-US" kern="0" dirty="0">
-              <a:latin typeface="Microsoft YaHei" charset="0"/>
-              <a:ea typeface="Microsoft YaHei" charset="0"/>
-              <a:cs typeface="Microsoft YaHei" charset="0"/>
+              <a:latin typeface="微软雅黑" panose="020B0503020204020204" charset="-122"/>
+              <a:ea typeface="微软雅黑" panose="020B0503020204020204" charset="-122"/>
+              <a:cs typeface="微软雅黑" panose="020B0503020204020204" charset="-122"/>
             </a:endParaRPr>
           </a:p>
         </p:txBody>
@@ -10175,7 +10368,7 @@
           <a:bodyPr anchor="ctr"/>
           <a:lstStyle/>
           <a:p>
-            <a:pPr algn="ctr" defTabSz="1219170" eaLnBrk="0" fontAlgn="base" hangingPunct="0">
+            <a:pPr algn="ctr" defTabSz="1218565" eaLnBrk="0" fontAlgn="base" hangingPunct="0">
               <a:spcBef>
                 <a:spcPct val="0"/>
               </a:spcBef>
@@ -10186,16 +10379,16 @@
             </a:pPr>
             <a:r>
               <a:rPr kumimoji="1" lang="en-US" altLang="zh-CN" kern="0" dirty="0" smtClean="0">
-                <a:latin typeface="Microsoft YaHei" charset="0"/>
-                <a:ea typeface="Microsoft YaHei" charset="0"/>
-                <a:cs typeface="Microsoft YaHei" charset="0"/>
+                <a:latin typeface="微软雅黑" panose="020B0503020204020204" charset="-122"/>
+                <a:ea typeface="微软雅黑" panose="020B0503020204020204" charset="-122"/>
+                <a:cs typeface="微软雅黑" panose="020B0503020204020204" charset="-122"/>
               </a:rPr>
               <a:t>admin</a:t>
             </a:r>
             <a:endParaRPr kumimoji="1" lang="zh-CN" altLang="en-US" kern="0" dirty="0">
-              <a:latin typeface="Microsoft YaHei" charset="0"/>
-              <a:ea typeface="Microsoft YaHei" charset="0"/>
-              <a:cs typeface="Microsoft YaHei" charset="0"/>
+              <a:latin typeface="微软雅黑" panose="020B0503020204020204" charset="-122"/>
+              <a:ea typeface="微软雅黑" panose="020B0503020204020204" charset="-122"/>
+              <a:cs typeface="微软雅黑" panose="020B0503020204020204" charset="-122"/>
             </a:endParaRPr>
           </a:p>
         </p:txBody>
@@ -10230,7 +10423,7 @@
           <a:bodyPr anchor="b"/>
           <a:lstStyle/>
           <a:p>
-            <a:pPr algn="ctr" defTabSz="1219170" eaLnBrk="0" fontAlgn="base" hangingPunct="0">
+            <a:pPr algn="ctr" defTabSz="1218565" eaLnBrk="0" fontAlgn="base" hangingPunct="0">
               <a:spcBef>
                 <a:spcPct val="0"/>
               </a:spcBef>
@@ -10240,9 +10433,9 @@
               <a:defRPr/>
             </a:pPr>
             <a:endParaRPr kumimoji="1" lang="zh-CN" altLang="en-US" kern="0" dirty="0">
-              <a:latin typeface="Microsoft YaHei" charset="0"/>
-              <a:ea typeface="Microsoft YaHei" charset="0"/>
-              <a:cs typeface="Microsoft YaHei" charset="0"/>
+              <a:latin typeface="微软雅黑" panose="020B0503020204020204" charset="-122"/>
+              <a:ea typeface="微软雅黑" panose="020B0503020204020204" charset="-122"/>
+              <a:cs typeface="微软雅黑" panose="020B0503020204020204" charset="-122"/>
             </a:endParaRPr>
           </a:p>
         </p:txBody>
@@ -10283,16 +10476,16 @@
             <a:pPr algn="ctr"/>
             <a:r>
               <a:rPr kumimoji="1" lang="en-US" altLang="zh-CN" dirty="0" smtClean="0">
-                <a:latin typeface="Microsoft YaHei" charset="0"/>
-                <a:ea typeface="Microsoft YaHei" charset="0"/>
-                <a:cs typeface="Microsoft YaHei" charset="0"/>
+                <a:latin typeface="微软雅黑" panose="020B0503020204020204" charset="-122"/>
+                <a:ea typeface="微软雅黑" panose="020B0503020204020204" charset="-122"/>
+                <a:cs typeface="微软雅黑" panose="020B0503020204020204" charset="-122"/>
               </a:rPr>
               <a:t>DB</a:t>
             </a:r>
             <a:endParaRPr kumimoji="1" lang="zh-CN" altLang="en-US" dirty="0">
-              <a:latin typeface="Microsoft YaHei" charset="0"/>
-              <a:ea typeface="Microsoft YaHei" charset="0"/>
-              <a:cs typeface="Microsoft YaHei" charset="0"/>
+              <a:latin typeface="微软雅黑" panose="020B0503020204020204" charset="-122"/>
+              <a:ea typeface="微软雅黑" panose="020B0503020204020204" charset="-122"/>
+              <a:cs typeface="微软雅黑" panose="020B0503020204020204" charset="-122"/>
             </a:endParaRPr>
           </a:p>
         </p:txBody>
@@ -10329,7 +10522,7 @@
           <a:bodyPr anchor="ctr"/>
           <a:lstStyle/>
           <a:p>
-            <a:pPr algn="ctr" defTabSz="1219170" eaLnBrk="0" fontAlgn="base" hangingPunct="0">
+            <a:pPr algn="ctr" defTabSz="1218565" eaLnBrk="0" fontAlgn="base" hangingPunct="0">
               <a:spcBef>
                 <a:spcPct val="0"/>
               </a:spcBef>
@@ -10340,16 +10533,16 @@
             </a:pPr>
             <a:r>
               <a:rPr kumimoji="1" lang="en-US" altLang="zh-CN" kern="0" dirty="0" smtClean="0">
-                <a:latin typeface="Microsoft YaHei" charset="0"/>
-                <a:ea typeface="Microsoft YaHei" charset="0"/>
-                <a:cs typeface="Microsoft YaHei" charset="0"/>
+                <a:latin typeface="微软雅黑" panose="020B0503020204020204" charset="-122"/>
+                <a:ea typeface="微软雅黑" panose="020B0503020204020204" charset="-122"/>
+                <a:cs typeface="微软雅黑" panose="020B0503020204020204" charset="-122"/>
               </a:rPr>
               <a:t>agent</a:t>
             </a:r>
             <a:endParaRPr kumimoji="1" lang="zh-CN" altLang="en-US" kern="0" dirty="0">
-              <a:latin typeface="Microsoft YaHei" charset="0"/>
-              <a:ea typeface="Microsoft YaHei" charset="0"/>
-              <a:cs typeface="Microsoft YaHei" charset="0"/>
+              <a:latin typeface="微软雅黑" panose="020B0503020204020204" charset="-122"/>
+              <a:ea typeface="微软雅黑" panose="020B0503020204020204" charset="-122"/>
+              <a:cs typeface="微软雅黑" panose="020B0503020204020204" charset="-122"/>
             </a:endParaRPr>
           </a:p>
         </p:txBody>
@@ -10386,7 +10579,7 @@
           <a:bodyPr anchor="ctr"/>
           <a:lstStyle/>
           <a:p>
-            <a:pPr algn="ctr" defTabSz="1219170" eaLnBrk="0" fontAlgn="base" hangingPunct="0">
+            <a:pPr algn="ctr" defTabSz="1218565" eaLnBrk="0" fontAlgn="base" hangingPunct="0">
               <a:spcBef>
                 <a:spcPct val="0"/>
               </a:spcBef>
@@ -10400,9 +10593,9 @@
                 <a:solidFill>
                   <a:prstClr val="black"/>
                 </a:solidFill>
-                <a:latin typeface="Microsoft YaHei" charset="0"/>
-                <a:ea typeface="Microsoft YaHei" charset="0"/>
-                <a:cs typeface="Microsoft YaHei" charset="0"/>
+                <a:latin typeface="微软雅黑" panose="020B0503020204020204" charset="-122"/>
+                <a:ea typeface="微软雅黑" panose="020B0503020204020204" charset="-122"/>
+                <a:cs typeface="微软雅黑" panose="020B0503020204020204" charset="-122"/>
               </a:rPr>
               <a:t>client</a:t>
             </a:r>
@@ -10410,9 +10603,9 @@
               <a:solidFill>
                 <a:prstClr val="black"/>
               </a:solidFill>
-              <a:latin typeface="Microsoft YaHei" charset="0"/>
-              <a:ea typeface="Microsoft YaHei" charset="0"/>
-              <a:cs typeface="Microsoft YaHei" charset="0"/>
+              <a:latin typeface="微软雅黑" panose="020B0503020204020204" charset="-122"/>
+              <a:ea typeface="微软雅黑" panose="020B0503020204020204" charset="-122"/>
+              <a:cs typeface="微软雅黑" panose="020B0503020204020204" charset="-122"/>
             </a:endParaRPr>
           </a:p>
         </p:txBody>
@@ -10431,7 +10624,6 @@
           <a:prstGeom prst="flowChartAlternateProcess">
             <a:avLst/>
           </a:prstGeom>
-          <a:ln/>
         </p:spPr>
         <p:style>
           <a:lnRef idx="2">
@@ -10451,7 +10643,7 @@
           <a:bodyPr anchor="ctr"/>
           <a:lstStyle/>
           <a:p>
-            <a:pPr algn="ctr" defTabSz="1219170" eaLnBrk="0" fontAlgn="base" hangingPunct="0">
+            <a:pPr algn="ctr" defTabSz="1218565" eaLnBrk="0" fontAlgn="base" hangingPunct="0">
               <a:spcBef>
                 <a:spcPct val="0"/>
               </a:spcBef>
@@ -10465,9 +10657,9 @@
                 <a:solidFill>
                   <a:prstClr val="black"/>
                 </a:solidFill>
-                <a:latin typeface="Microsoft YaHei" charset="0"/>
-                <a:ea typeface="Microsoft YaHei" charset="0"/>
-                <a:cs typeface="Microsoft YaHei" charset="0"/>
+                <a:latin typeface="微软雅黑" panose="020B0503020204020204" charset="-122"/>
+                <a:ea typeface="微软雅黑" panose="020B0503020204020204" charset="-122"/>
+                <a:cs typeface="微软雅黑" panose="020B0503020204020204" charset="-122"/>
               </a:rPr>
               <a:t>browser</a:t>
             </a:r>
@@ -10475,9 +10667,9 @@
               <a:solidFill>
                 <a:prstClr val="black"/>
               </a:solidFill>
-              <a:latin typeface="Microsoft YaHei" charset="0"/>
-              <a:ea typeface="Microsoft YaHei" charset="0"/>
-              <a:cs typeface="Microsoft YaHei" charset="0"/>
+              <a:latin typeface="微软雅黑" panose="020B0503020204020204" charset="-122"/>
+              <a:ea typeface="微软雅黑" panose="020B0503020204020204" charset="-122"/>
+              <a:cs typeface="微软雅黑" panose="020B0503020204020204" charset="-122"/>
             </a:endParaRPr>
           </a:p>
         </p:txBody>
@@ -10512,7 +10704,7 @@
           <a:bodyPr anchor="b"/>
           <a:lstStyle/>
           <a:p>
-            <a:pPr algn="ctr" defTabSz="1219170" eaLnBrk="0" fontAlgn="base" hangingPunct="0">
+            <a:pPr algn="ctr" defTabSz="1218565" eaLnBrk="0" fontAlgn="base" hangingPunct="0">
               <a:spcBef>
                 <a:spcPct val="0"/>
               </a:spcBef>
@@ -10522,9 +10714,9 @@
               <a:defRPr/>
             </a:pPr>
             <a:endParaRPr kumimoji="1" lang="zh-CN" altLang="en-US" kern="0" dirty="0">
-              <a:latin typeface="Microsoft YaHei" charset="0"/>
-              <a:ea typeface="Microsoft YaHei" charset="0"/>
-              <a:cs typeface="Microsoft YaHei" charset="0"/>
+              <a:latin typeface="微软雅黑" panose="020B0503020204020204" charset="-122"/>
+              <a:ea typeface="微软雅黑" panose="020B0503020204020204" charset="-122"/>
+              <a:cs typeface="微软雅黑" panose="020B0503020204020204" charset="-122"/>
             </a:endParaRPr>
           </a:p>
         </p:txBody>
@@ -10593,7 +10785,7 @@
           <a:bodyPr anchor="b"/>
           <a:lstStyle/>
           <a:p>
-            <a:pPr algn="ctr" defTabSz="1219170" eaLnBrk="0" fontAlgn="base" hangingPunct="0">
+            <a:pPr algn="ctr" defTabSz="1218565" eaLnBrk="0" fontAlgn="base" hangingPunct="0">
               <a:spcBef>
                 <a:spcPct val="0"/>
               </a:spcBef>
@@ -10603,9 +10795,9 @@
               <a:defRPr/>
             </a:pPr>
             <a:endParaRPr kumimoji="1" lang="zh-CN" altLang="en-US" kern="0" dirty="0">
-              <a:latin typeface="Microsoft YaHei" charset="0"/>
-              <a:ea typeface="Microsoft YaHei" charset="0"/>
-              <a:cs typeface="Microsoft YaHei" charset="0"/>
+              <a:latin typeface="微软雅黑" panose="020B0503020204020204" charset="-122"/>
+              <a:ea typeface="微软雅黑" panose="020B0503020204020204" charset="-122"/>
+              <a:cs typeface="微软雅黑" panose="020B0503020204020204" charset="-122"/>
             </a:endParaRPr>
           </a:p>
         </p:txBody>
@@ -10624,7 +10816,6 @@
           <a:prstGeom prst="flowChartAlternateProcess">
             <a:avLst/>
           </a:prstGeom>
-          <a:ln/>
         </p:spPr>
         <p:style>
           <a:lnRef idx="2">
@@ -10644,7 +10835,7 @@
           <a:bodyPr anchor="ctr"/>
           <a:lstStyle/>
           <a:p>
-            <a:pPr algn="ctr" defTabSz="1219170" eaLnBrk="0" fontAlgn="base" hangingPunct="0">
+            <a:pPr algn="ctr" defTabSz="1218565" eaLnBrk="0" fontAlgn="base" hangingPunct="0">
               <a:spcBef>
                 <a:spcPct val="0"/>
               </a:spcBef>
@@ -10658,9 +10849,9 @@
                 <a:solidFill>
                   <a:prstClr val="black"/>
                 </a:solidFill>
-                <a:latin typeface="Microsoft YaHei" charset="0"/>
-                <a:ea typeface="Microsoft YaHei" charset="0"/>
-                <a:cs typeface="Microsoft YaHei" charset="0"/>
+                <a:latin typeface="微软雅黑" panose="020B0503020204020204" charset="-122"/>
+                <a:ea typeface="微软雅黑" panose="020B0503020204020204" charset="-122"/>
+                <a:cs typeface="微软雅黑" panose="020B0503020204020204" charset="-122"/>
               </a:rPr>
               <a:t>app</a:t>
             </a:r>
@@ -10669,9 +10860,9 @@
                 <a:solidFill>
                   <a:prstClr val="black"/>
                 </a:solidFill>
-                <a:latin typeface="Microsoft YaHei" charset="0"/>
-                <a:ea typeface="Microsoft YaHei" charset="0"/>
-                <a:cs typeface="Microsoft YaHei" charset="0"/>
+                <a:latin typeface="微软雅黑" panose="020B0503020204020204" charset="-122"/>
+                <a:ea typeface="微软雅黑" panose="020B0503020204020204" charset="-122"/>
+                <a:cs typeface="微软雅黑" panose="020B0503020204020204" charset="-122"/>
               </a:rPr>
               <a:t> </a:t>
             </a:r>
@@ -10680,9 +10871,9 @@
                 <a:solidFill>
                   <a:prstClr val="black"/>
                 </a:solidFill>
-                <a:latin typeface="Microsoft YaHei" charset="0"/>
-                <a:ea typeface="Microsoft YaHei" charset="0"/>
-                <a:cs typeface="Microsoft YaHei" charset="0"/>
+                <a:latin typeface="微软雅黑" panose="020B0503020204020204" charset="-122"/>
+                <a:ea typeface="微软雅黑" panose="020B0503020204020204" charset="-122"/>
+                <a:cs typeface="微软雅黑" panose="020B0503020204020204" charset="-122"/>
               </a:rPr>
               <a:t>(java)</a:t>
             </a:r>
@@ -10690,9 +10881,9 @@
               <a:solidFill>
                 <a:prstClr val="black"/>
               </a:solidFill>
-              <a:latin typeface="Microsoft YaHei" charset="0"/>
-              <a:ea typeface="Microsoft YaHei" charset="0"/>
-              <a:cs typeface="Microsoft YaHei" charset="0"/>
+              <a:latin typeface="微软雅黑" panose="020B0503020204020204" charset="-122"/>
+              <a:ea typeface="微软雅黑" panose="020B0503020204020204" charset="-122"/>
+              <a:cs typeface="微软雅黑" panose="020B0503020204020204" charset="-122"/>
             </a:endParaRPr>
           </a:p>
         </p:txBody>
@@ -10711,7 +10902,6 @@
           <a:prstGeom prst="flowChartAlternateProcess">
             <a:avLst/>
           </a:prstGeom>
-          <a:ln/>
         </p:spPr>
         <p:style>
           <a:lnRef idx="2">
@@ -10731,7 +10921,7 @@
           <a:bodyPr anchor="ctr"/>
           <a:lstStyle/>
           <a:p>
-            <a:pPr algn="ctr" defTabSz="1219170" eaLnBrk="0" fontAlgn="base" hangingPunct="0">
+            <a:pPr algn="ctr" defTabSz="1218565" eaLnBrk="0" fontAlgn="base" hangingPunct="0">
               <a:spcBef>
                 <a:spcPct val="0"/>
               </a:spcBef>
@@ -10745,9 +10935,9 @@
                 <a:solidFill>
                   <a:prstClr val="black"/>
                 </a:solidFill>
-                <a:latin typeface="Microsoft YaHei" charset="0"/>
-                <a:ea typeface="Microsoft YaHei" charset="0"/>
-                <a:cs typeface="Microsoft YaHei" charset="0"/>
+                <a:latin typeface="微软雅黑" panose="020B0503020204020204" charset="-122"/>
+                <a:ea typeface="微软雅黑" panose="020B0503020204020204" charset="-122"/>
+                <a:cs typeface="微软雅黑" panose="020B0503020204020204" charset="-122"/>
               </a:rPr>
               <a:t>app</a:t>
             </a:r>
@@ -10756,9 +10946,9 @@
                 <a:solidFill>
                   <a:prstClr val="black"/>
                 </a:solidFill>
-                <a:latin typeface="Microsoft YaHei" charset="0"/>
-                <a:ea typeface="Microsoft YaHei" charset="0"/>
-                <a:cs typeface="Microsoft YaHei" charset="0"/>
+                <a:latin typeface="微软雅黑" panose="020B0503020204020204" charset="-122"/>
+                <a:ea typeface="微软雅黑" panose="020B0503020204020204" charset="-122"/>
+                <a:cs typeface="微软雅黑" panose="020B0503020204020204" charset="-122"/>
               </a:rPr>
               <a:t> </a:t>
             </a:r>
@@ -10767,9 +10957,9 @@
                 <a:solidFill>
                   <a:prstClr val="black"/>
                 </a:solidFill>
-                <a:latin typeface="Microsoft YaHei" charset="0"/>
-                <a:ea typeface="Microsoft YaHei" charset="0"/>
-                <a:cs typeface="Microsoft YaHei" charset="0"/>
+                <a:latin typeface="微软雅黑" panose="020B0503020204020204" charset="-122"/>
+                <a:ea typeface="微软雅黑" panose="020B0503020204020204" charset="-122"/>
+                <a:cs typeface="微软雅黑" panose="020B0503020204020204" charset="-122"/>
               </a:rPr>
               <a:t>(other)</a:t>
             </a:r>
@@ -10777,9 +10967,9 @@
               <a:solidFill>
                 <a:prstClr val="black"/>
               </a:solidFill>
-              <a:latin typeface="Microsoft YaHei" charset="0"/>
-              <a:ea typeface="Microsoft YaHei" charset="0"/>
-              <a:cs typeface="Microsoft YaHei" charset="0"/>
+              <a:latin typeface="微软雅黑" panose="020B0503020204020204" charset="-122"/>
+              <a:ea typeface="微软雅黑" panose="020B0503020204020204" charset="-122"/>
+              <a:cs typeface="微软雅黑" panose="020B0503020204020204" charset="-122"/>
             </a:endParaRPr>
           </a:p>
         </p:txBody>
@@ -10816,7 +11006,7 @@
           <a:bodyPr anchor="ctr"/>
           <a:lstStyle/>
           <a:p>
-            <a:pPr algn="ctr" defTabSz="1219170" eaLnBrk="0" fontAlgn="base" hangingPunct="0">
+            <a:pPr algn="ctr" defTabSz="1218565" eaLnBrk="0" fontAlgn="base" hangingPunct="0">
               <a:spcBef>
                 <a:spcPct val="0"/>
               </a:spcBef>
@@ -10827,16 +11017,16 @@
             </a:pPr>
             <a:r>
               <a:rPr kumimoji="1" lang="en-US" altLang="zh-CN" kern="0" dirty="0" smtClean="0">
-                <a:latin typeface="Microsoft YaHei" charset="0"/>
-                <a:ea typeface="Microsoft YaHei" charset="0"/>
-                <a:cs typeface="Microsoft YaHei" charset="0"/>
+                <a:latin typeface="微软雅黑" panose="020B0503020204020204" charset="-122"/>
+                <a:ea typeface="微软雅黑" panose="020B0503020204020204" charset="-122"/>
+                <a:cs typeface="微软雅黑" panose="020B0503020204020204" charset="-122"/>
               </a:rPr>
               <a:t>zk</a:t>
             </a:r>
             <a:endParaRPr kumimoji="1" lang="zh-CN" altLang="en-US" kern="0" dirty="0">
-              <a:latin typeface="Microsoft YaHei" charset="0"/>
-              <a:ea typeface="Microsoft YaHei" charset="0"/>
-              <a:cs typeface="Microsoft YaHei" charset="0"/>
+              <a:latin typeface="微软雅黑" panose="020B0503020204020204" charset="-122"/>
+              <a:ea typeface="微软雅黑" panose="020B0503020204020204" charset="-122"/>
+              <a:cs typeface="微软雅黑" panose="020B0503020204020204" charset="-122"/>
             </a:endParaRPr>
           </a:p>
         </p:txBody>
@@ -10967,16 +11157,16 @@
           <a:p>
             <a:r>
               <a:rPr kumimoji="1" lang="en-US" altLang="zh-CN" dirty="0" smtClean="0">
-                <a:latin typeface="Microsoft YaHei" charset="0"/>
-                <a:ea typeface="Microsoft YaHei" charset="0"/>
-                <a:cs typeface="Microsoft YaHei" charset="0"/>
+                <a:latin typeface="微软雅黑" panose="020B0503020204020204" charset="-122"/>
+                <a:ea typeface="微软雅黑" panose="020B0503020204020204" charset="-122"/>
+                <a:cs typeface="微软雅黑" panose="020B0503020204020204" charset="-122"/>
               </a:rPr>
               <a:t>write</a:t>
             </a:r>
             <a:endParaRPr kumimoji="1" lang="zh-CN" altLang="en-US" dirty="0">
-              <a:latin typeface="Microsoft YaHei" charset="0"/>
-              <a:ea typeface="Microsoft YaHei" charset="0"/>
-              <a:cs typeface="Microsoft YaHei" charset="0"/>
+              <a:latin typeface="微软雅黑" panose="020B0503020204020204" charset="-122"/>
+              <a:ea typeface="微软雅黑" panose="020B0503020204020204" charset="-122"/>
+              <a:cs typeface="微软雅黑" panose="020B0503020204020204" charset="-122"/>
             </a:endParaRPr>
           </a:p>
         </p:txBody>
@@ -11005,16 +11195,16 @@
           <a:p>
             <a:r>
               <a:rPr kumimoji="1" lang="en-US" altLang="zh-CN" dirty="0" smtClean="0">
-                <a:latin typeface="Microsoft YaHei" charset="0"/>
-                <a:ea typeface="Microsoft YaHei" charset="0"/>
-                <a:cs typeface="Microsoft YaHei" charset="0"/>
+                <a:latin typeface="微软雅黑" panose="020B0503020204020204" charset="-122"/>
+                <a:ea typeface="微软雅黑" panose="020B0503020204020204" charset="-122"/>
+                <a:cs typeface="微软雅黑" panose="020B0503020204020204" charset="-122"/>
               </a:rPr>
               <a:t>watch</a:t>
             </a:r>
             <a:endParaRPr kumimoji="1" lang="zh-CN" altLang="en-US" dirty="0">
-              <a:latin typeface="Microsoft YaHei" charset="0"/>
-              <a:ea typeface="Microsoft YaHei" charset="0"/>
-              <a:cs typeface="Microsoft YaHei" charset="0"/>
+              <a:latin typeface="微软雅黑" panose="020B0503020204020204" charset="-122"/>
+              <a:ea typeface="微软雅黑" panose="020B0503020204020204" charset="-122"/>
+              <a:cs typeface="微软雅黑" panose="020B0503020204020204" charset="-122"/>
             </a:endParaRPr>
           </a:p>
         </p:txBody>
@@ -11043,16 +11233,16 @@
           <a:p>
             <a:r>
               <a:rPr kumimoji="1" lang="en-US" altLang="zh-CN" dirty="0" smtClean="0">
-                <a:latin typeface="Microsoft YaHei" charset="0"/>
-                <a:ea typeface="Microsoft YaHei" charset="0"/>
-                <a:cs typeface="Microsoft YaHei" charset="0"/>
+                <a:latin typeface="微软雅黑" panose="020B0503020204020204" charset="-122"/>
+                <a:ea typeface="微软雅黑" panose="020B0503020204020204" charset="-122"/>
+                <a:cs typeface="微软雅黑" panose="020B0503020204020204" charset="-122"/>
               </a:rPr>
               <a:t>watch</a:t>
             </a:r>
             <a:endParaRPr kumimoji="1" lang="zh-CN" altLang="en-US" dirty="0">
-              <a:latin typeface="Microsoft YaHei" charset="0"/>
-              <a:ea typeface="Microsoft YaHei" charset="0"/>
-              <a:cs typeface="Microsoft YaHei" charset="0"/>
+              <a:latin typeface="微软雅黑" panose="020B0503020204020204" charset="-122"/>
+              <a:ea typeface="微软雅黑" panose="020B0503020204020204" charset="-122"/>
+              <a:cs typeface="微软雅黑" panose="020B0503020204020204" charset="-122"/>
             </a:endParaRPr>
           </a:p>
         </p:txBody>
@@ -11081,16 +11271,16 @@
           <a:p>
             <a:r>
               <a:rPr kumimoji="1" lang="en-US" altLang="zh-CN" dirty="0">
-                <a:latin typeface="Microsoft YaHei" charset="0"/>
-                <a:ea typeface="Microsoft YaHei" charset="0"/>
-                <a:cs typeface="Microsoft YaHei" charset="0"/>
+                <a:latin typeface="微软雅黑" panose="020B0503020204020204" charset="-122"/>
+                <a:ea typeface="微软雅黑" panose="020B0503020204020204" charset="-122"/>
+                <a:cs typeface="微软雅黑" panose="020B0503020204020204" charset="-122"/>
               </a:rPr>
               <a:t>long-polling</a:t>
             </a:r>
             <a:endParaRPr kumimoji="1" lang="zh-CN" altLang="en-US" dirty="0">
-              <a:latin typeface="Microsoft YaHei" charset="0"/>
-              <a:ea typeface="Microsoft YaHei" charset="0"/>
-              <a:cs typeface="Microsoft YaHei" charset="0"/>
+              <a:latin typeface="微软雅黑" panose="020B0503020204020204" charset="-122"/>
+              <a:ea typeface="微软雅黑" panose="020B0503020204020204" charset="-122"/>
+              <a:cs typeface="微软雅黑" panose="020B0503020204020204" charset="-122"/>
             </a:endParaRPr>
           </a:p>
         </p:txBody>
@@ -11127,7 +11317,7 @@
           <a:bodyPr anchor="ctr"/>
           <a:lstStyle/>
           <a:p>
-            <a:pPr algn="ctr" defTabSz="1219170" eaLnBrk="0" fontAlgn="base" hangingPunct="0">
+            <a:pPr algn="ctr" defTabSz="1218565" eaLnBrk="0" fontAlgn="base" hangingPunct="0">
               <a:spcBef>
                 <a:spcPct val="0"/>
               </a:spcBef>
@@ -11138,16 +11328,16 @@
             </a:pPr>
             <a:r>
               <a:rPr kumimoji="1" lang="en-US" altLang="zh-CN" kern="0" dirty="0" smtClean="0">
-                <a:latin typeface="Microsoft YaHei" charset="0"/>
-                <a:ea typeface="Microsoft YaHei" charset="0"/>
-                <a:cs typeface="Microsoft YaHei" charset="0"/>
+                <a:latin typeface="微软雅黑" panose="020B0503020204020204" charset="-122"/>
+                <a:ea typeface="微软雅黑" panose="020B0503020204020204" charset="-122"/>
+                <a:cs typeface="微软雅黑" panose="020B0503020204020204" charset="-122"/>
               </a:rPr>
               <a:t>zk</a:t>
             </a:r>
             <a:endParaRPr kumimoji="1" lang="zh-CN" altLang="en-US" kern="0" dirty="0">
-              <a:latin typeface="Microsoft YaHei" charset="0"/>
-              <a:ea typeface="Microsoft YaHei" charset="0"/>
-              <a:cs typeface="Microsoft YaHei" charset="0"/>
+              <a:latin typeface="微软雅黑" panose="020B0503020204020204" charset="-122"/>
+              <a:ea typeface="微软雅黑" panose="020B0503020204020204" charset="-122"/>
+              <a:cs typeface="微软雅黑" panose="020B0503020204020204" charset="-122"/>
             </a:endParaRPr>
           </a:p>
         </p:txBody>
@@ -11184,7 +11374,7 @@
           <a:bodyPr anchor="ctr"/>
           <a:lstStyle/>
           <a:p>
-            <a:pPr algn="ctr" defTabSz="1219170" eaLnBrk="0" fontAlgn="base" hangingPunct="0">
+            <a:pPr algn="ctr" defTabSz="1218565" eaLnBrk="0" fontAlgn="base" hangingPunct="0">
               <a:spcBef>
                 <a:spcPct val="0"/>
               </a:spcBef>
@@ -11198,9 +11388,9 @@
                 <a:solidFill>
                   <a:prstClr val="black"/>
                 </a:solidFill>
-                <a:latin typeface="Microsoft YaHei" charset="0"/>
-                <a:ea typeface="Microsoft YaHei" charset="0"/>
-                <a:cs typeface="Microsoft YaHei" charset="0"/>
+                <a:latin typeface="微软雅黑" panose="020B0503020204020204" charset="-122"/>
+                <a:ea typeface="微软雅黑" panose="020B0503020204020204" charset="-122"/>
+                <a:cs typeface="微软雅黑" panose="020B0503020204020204" charset="-122"/>
               </a:rPr>
               <a:t>client</a:t>
             </a:r>
@@ -11208,9 +11398,9 @@
               <a:solidFill>
                 <a:prstClr val="black"/>
               </a:solidFill>
-              <a:latin typeface="Microsoft YaHei" charset="0"/>
-              <a:ea typeface="Microsoft YaHei" charset="0"/>
-              <a:cs typeface="Microsoft YaHei" charset="0"/>
+              <a:latin typeface="微软雅黑" panose="020B0503020204020204" charset="-122"/>
+              <a:ea typeface="微软雅黑" panose="020B0503020204020204" charset="-122"/>
+              <a:cs typeface="微软雅黑" panose="020B0503020204020204" charset="-122"/>
             </a:endParaRPr>
           </a:p>
         </p:txBody>
@@ -11245,7 +11435,7 @@
           <a:bodyPr anchor="b"/>
           <a:lstStyle/>
           <a:p>
-            <a:pPr algn="ctr" defTabSz="1219170" eaLnBrk="0" fontAlgn="base" hangingPunct="0">
+            <a:pPr algn="ctr" defTabSz="1218565" eaLnBrk="0" fontAlgn="base" hangingPunct="0">
               <a:spcBef>
                 <a:spcPct val="0"/>
               </a:spcBef>
@@ -11255,9 +11445,9 @@
               <a:defRPr/>
             </a:pPr>
             <a:endParaRPr kumimoji="1" lang="zh-CN" altLang="en-US" kern="0" dirty="0">
-              <a:latin typeface="Microsoft YaHei" charset="0"/>
-              <a:ea typeface="Microsoft YaHei" charset="0"/>
-              <a:cs typeface="Microsoft YaHei" charset="0"/>
+              <a:latin typeface="微软雅黑" panose="020B0503020204020204" charset="-122"/>
+              <a:ea typeface="微软雅黑" panose="020B0503020204020204" charset="-122"/>
+              <a:cs typeface="微软雅黑" panose="020B0503020204020204" charset="-122"/>
             </a:endParaRPr>
           </a:p>
         </p:txBody>
@@ -11276,7 +11466,6 @@
           <a:prstGeom prst="flowChartAlternateProcess">
             <a:avLst/>
           </a:prstGeom>
-          <a:ln/>
         </p:spPr>
         <p:style>
           <a:lnRef idx="2">
@@ -11296,7 +11485,7 @@
           <a:bodyPr anchor="ctr"/>
           <a:lstStyle/>
           <a:p>
-            <a:pPr algn="ctr" defTabSz="1219170" eaLnBrk="0" fontAlgn="base" hangingPunct="0">
+            <a:pPr algn="ctr" defTabSz="1218565" eaLnBrk="0" fontAlgn="base" hangingPunct="0">
               <a:spcBef>
                 <a:spcPct val="0"/>
               </a:spcBef>
@@ -11310,9 +11499,9 @@
                 <a:solidFill>
                   <a:prstClr val="black"/>
                 </a:solidFill>
-                <a:latin typeface="Microsoft YaHei" charset="0"/>
-                <a:ea typeface="Microsoft YaHei" charset="0"/>
-                <a:cs typeface="Microsoft YaHei" charset="0"/>
+                <a:latin typeface="微软雅黑" panose="020B0503020204020204" charset="-122"/>
+                <a:ea typeface="微软雅黑" panose="020B0503020204020204" charset="-122"/>
+                <a:cs typeface="微软雅黑" panose="020B0503020204020204" charset="-122"/>
               </a:rPr>
               <a:t>app</a:t>
             </a:r>
@@ -11321,9 +11510,9 @@
                 <a:solidFill>
                   <a:prstClr val="black"/>
                 </a:solidFill>
-                <a:latin typeface="Microsoft YaHei" charset="0"/>
-                <a:ea typeface="Microsoft YaHei" charset="0"/>
-                <a:cs typeface="Microsoft YaHei" charset="0"/>
+                <a:latin typeface="微软雅黑" panose="020B0503020204020204" charset="-122"/>
+                <a:ea typeface="微软雅黑" panose="020B0503020204020204" charset="-122"/>
+                <a:cs typeface="微软雅黑" panose="020B0503020204020204" charset="-122"/>
               </a:rPr>
               <a:t> </a:t>
             </a:r>
@@ -11332,9 +11521,9 @@
                 <a:solidFill>
                   <a:prstClr val="black"/>
                 </a:solidFill>
-                <a:latin typeface="Microsoft YaHei" charset="0"/>
-                <a:ea typeface="Microsoft YaHei" charset="0"/>
-                <a:cs typeface="Microsoft YaHei" charset="0"/>
+                <a:latin typeface="微软雅黑" panose="020B0503020204020204" charset="-122"/>
+                <a:ea typeface="微软雅黑" panose="020B0503020204020204" charset="-122"/>
+                <a:cs typeface="微软雅黑" panose="020B0503020204020204" charset="-122"/>
               </a:rPr>
               <a:t>(java)</a:t>
             </a:r>
@@ -11342,9 +11531,9 @@
               <a:solidFill>
                 <a:prstClr val="black"/>
               </a:solidFill>
-              <a:latin typeface="Microsoft YaHei" charset="0"/>
-              <a:ea typeface="Microsoft YaHei" charset="0"/>
-              <a:cs typeface="Microsoft YaHei" charset="0"/>
+              <a:latin typeface="微软雅黑" panose="020B0503020204020204" charset="-122"/>
+              <a:ea typeface="微软雅黑" panose="020B0503020204020204" charset="-122"/>
+              <a:cs typeface="微软雅黑" panose="020B0503020204020204" charset="-122"/>
             </a:endParaRPr>
           </a:p>
         </p:txBody>
@@ -11407,26 +11596,21 @@
           <a:p>
             <a:r>
               <a:rPr kumimoji="1" lang="en-US" altLang="zh-CN" dirty="0" smtClean="0">
-                <a:latin typeface="Microsoft YaHei" charset="0"/>
-                <a:ea typeface="Microsoft YaHei" charset="0"/>
-                <a:cs typeface="Microsoft YaHei" charset="0"/>
+                <a:latin typeface="微软雅黑" panose="020B0503020204020204" charset="-122"/>
+                <a:ea typeface="微软雅黑" panose="020B0503020204020204" charset="-122"/>
+                <a:cs typeface="微软雅黑" panose="020B0503020204020204" charset="-122"/>
               </a:rPr>
               <a:t>watch</a:t>
             </a:r>
             <a:endParaRPr kumimoji="1" lang="zh-CN" altLang="en-US" dirty="0">
-              <a:latin typeface="Microsoft YaHei" charset="0"/>
-              <a:ea typeface="Microsoft YaHei" charset="0"/>
-              <a:cs typeface="Microsoft YaHei" charset="0"/>
+              <a:latin typeface="微软雅黑" panose="020B0503020204020204" charset="-122"/>
+              <a:ea typeface="微软雅黑" panose="020B0503020204020204" charset="-122"/>
+              <a:cs typeface="微软雅黑" panose="020B0503020204020204" charset="-122"/>
             </a:endParaRPr>
           </a:p>
         </p:txBody>
       </p:sp>
     </p:spTree>
-    <p:extLst>
-      <p:ext uri="{BB962C8B-B14F-4D97-AF65-F5344CB8AC3E}">
-        <p14:creationId xmlns:p14="http://schemas.microsoft.com/office/powerpoint/2010/main" val="1230897801"/>
-      </p:ext>
-    </p:extLst>
   </p:cSld>
   <p:clrMapOvr>
     <a:masterClrMapping/>
@@ -11478,9 +11662,9 @@
                 <a:solidFill>
                   <a:prstClr val="black"/>
                 </a:solidFill>
-                <a:latin typeface="Microsoft YaHei" charset="0"/>
-                <a:ea typeface="Microsoft YaHei" charset="0"/>
-                <a:cs typeface="Microsoft YaHei" charset="0"/>
+                <a:latin typeface="微软雅黑" panose="020B0503020204020204" charset="-122"/>
+                <a:ea typeface="微软雅黑" panose="020B0503020204020204" charset="-122"/>
+                <a:cs typeface="微软雅黑" panose="020B0503020204020204" charset="-122"/>
               </a:rPr>
               <a:t>XXL-CONF </a:t>
             </a:r>
@@ -11489,9 +11673,9 @@
                 <a:solidFill>
                   <a:prstClr val="black"/>
                 </a:solidFill>
-                <a:latin typeface="Microsoft YaHei" charset="0"/>
-                <a:ea typeface="Microsoft YaHei" charset="0"/>
-                <a:cs typeface="Microsoft YaHei" charset="0"/>
+                <a:latin typeface="微软雅黑" panose="020B0503020204020204" charset="-122"/>
+                <a:ea typeface="微软雅黑" panose="020B0503020204020204" charset="-122"/>
+                <a:cs typeface="微软雅黑" panose="020B0503020204020204" charset="-122"/>
               </a:rPr>
               <a:t>客户端设计 </a:t>
             </a:r>
@@ -11500,12 +11684,20 @@
                 <a:solidFill>
                   <a:prstClr val="black"/>
                 </a:solidFill>
-                <a:latin typeface="Microsoft YaHei" charset="0"/>
-                <a:ea typeface="Microsoft YaHei" charset="0"/>
-                <a:cs typeface="Microsoft YaHei" charset="0"/>
+                <a:latin typeface="微软雅黑" panose="020B0503020204020204" charset="-122"/>
+                <a:ea typeface="微软雅黑" panose="020B0503020204020204" charset="-122"/>
+                <a:cs typeface="微软雅黑" panose="020B0503020204020204" charset="-122"/>
               </a:rPr>
               <a:t>v1.5</a:t>
             </a:r>
+            <a:endParaRPr lang="en-US" altLang="zh-CN" sz="2400" dirty="0">
+              <a:solidFill>
+                <a:prstClr val="black"/>
+              </a:solidFill>
+              <a:latin typeface="微软雅黑" panose="020B0503020204020204" charset="-122"/>
+              <a:ea typeface="微软雅黑" panose="020B0503020204020204" charset="-122"/>
+              <a:cs typeface="微软雅黑" panose="020B0503020204020204" charset="-122"/>
+            </a:endParaRPr>
           </a:p>
           <a:p>
             <a:pPr algn="ctr"/>
@@ -11513,9 +11705,9 @@
               <a:solidFill>
                 <a:prstClr val="black"/>
               </a:solidFill>
-              <a:latin typeface="Microsoft YaHei" charset="0"/>
-              <a:ea typeface="Microsoft YaHei" charset="0"/>
-              <a:cs typeface="Microsoft YaHei" charset="0"/>
+              <a:latin typeface="微软雅黑" panose="020B0503020204020204" charset="-122"/>
+              <a:ea typeface="微软雅黑" panose="020B0503020204020204" charset="-122"/>
+              <a:cs typeface="微软雅黑" panose="020B0503020204020204" charset="-122"/>
             </a:endParaRPr>
           </a:p>
         </p:txBody>
@@ -11550,7 +11742,7 @@
           <a:bodyPr anchor="b"/>
           <a:lstStyle/>
           <a:p>
-            <a:pPr algn="ctr" defTabSz="1219170" eaLnBrk="0" fontAlgn="base" hangingPunct="0">
+            <a:pPr algn="ctr" defTabSz="1218565" eaLnBrk="0" fontAlgn="base" hangingPunct="0">
               <a:spcBef>
                 <a:spcPct val="0"/>
               </a:spcBef>
@@ -11560,9 +11752,9 @@
               <a:defRPr/>
             </a:pPr>
             <a:endParaRPr kumimoji="1" lang="zh-CN" altLang="en-US" kern="0" dirty="0">
-              <a:latin typeface="Microsoft YaHei" charset="0"/>
-              <a:ea typeface="Microsoft YaHei" charset="0"/>
-              <a:cs typeface="Microsoft YaHei" charset="0"/>
+              <a:latin typeface="微软雅黑" panose="020B0503020204020204" charset="-122"/>
+              <a:ea typeface="微软雅黑" panose="020B0503020204020204" charset="-122"/>
+              <a:cs typeface="微软雅黑" panose="020B0503020204020204" charset="-122"/>
             </a:endParaRPr>
           </a:p>
         </p:txBody>
@@ -11581,7 +11773,6 @@
           <a:prstGeom prst="flowChartAlternateProcess">
             <a:avLst/>
           </a:prstGeom>
-          <a:ln/>
         </p:spPr>
         <p:style>
           <a:lnRef idx="2">
@@ -11601,7 +11792,7 @@
           <a:bodyPr anchor="ctr"/>
           <a:lstStyle/>
           <a:p>
-            <a:pPr algn="ctr" defTabSz="1219170" eaLnBrk="0" fontAlgn="base" hangingPunct="0">
+            <a:pPr algn="ctr" defTabSz="1218565" eaLnBrk="0" fontAlgn="base" hangingPunct="0">
               <a:spcBef>
                 <a:spcPct val="0"/>
               </a:spcBef>
@@ -11615,9 +11806,9 @@
                 <a:solidFill>
                   <a:prstClr val="black"/>
                 </a:solidFill>
-                <a:latin typeface="Microsoft YaHei" charset="0"/>
-                <a:ea typeface="Microsoft YaHei" charset="0"/>
-                <a:cs typeface="Microsoft YaHei" charset="0"/>
+                <a:latin typeface="微软雅黑" panose="020B0503020204020204" charset="-122"/>
+                <a:ea typeface="微软雅黑" panose="020B0503020204020204" charset="-122"/>
+                <a:cs typeface="微软雅黑" panose="020B0503020204020204" charset="-122"/>
               </a:rPr>
               <a:t>API</a:t>
             </a:r>
@@ -11625,9 +11816,9 @@
               <a:solidFill>
                 <a:prstClr val="black"/>
               </a:solidFill>
-              <a:latin typeface="Microsoft YaHei" charset="0"/>
-              <a:ea typeface="Microsoft YaHei" charset="0"/>
-              <a:cs typeface="Microsoft YaHei" charset="0"/>
+              <a:latin typeface="微软雅黑" panose="020B0503020204020204" charset="-122"/>
+              <a:ea typeface="微软雅黑" panose="020B0503020204020204" charset="-122"/>
+              <a:cs typeface="微软雅黑" panose="020B0503020204020204" charset="-122"/>
             </a:endParaRPr>
           </a:p>
         </p:txBody>
@@ -11646,7 +11837,6 @@
           <a:prstGeom prst="flowChartAlternateProcess">
             <a:avLst/>
           </a:prstGeom>
-          <a:ln/>
         </p:spPr>
         <p:style>
           <a:lnRef idx="2">
@@ -11666,7 +11856,7 @@
           <a:bodyPr anchor="ctr"/>
           <a:lstStyle/>
           <a:p>
-            <a:pPr algn="ctr" defTabSz="1219170" eaLnBrk="0" fontAlgn="base" hangingPunct="0">
+            <a:pPr algn="ctr" defTabSz="1218565" eaLnBrk="0" fontAlgn="base" hangingPunct="0">
               <a:spcBef>
                 <a:spcPct val="0"/>
               </a:spcBef>
@@ -11680,9 +11870,9 @@
                 <a:solidFill>
                   <a:prstClr val="black"/>
                 </a:solidFill>
-                <a:latin typeface="Microsoft YaHei" charset="0"/>
-                <a:ea typeface="Microsoft YaHei" charset="0"/>
-                <a:cs typeface="Microsoft YaHei" charset="0"/>
+                <a:latin typeface="微软雅黑" panose="020B0503020204020204" charset="-122"/>
+                <a:ea typeface="微软雅黑" panose="020B0503020204020204" charset="-122"/>
+                <a:cs typeface="微软雅黑" panose="020B0503020204020204" charset="-122"/>
               </a:rPr>
               <a:t>conf</a:t>
             </a:r>
@@ -11691,9 +11881,9 @@
                 <a:solidFill>
                   <a:prstClr val="black"/>
                 </a:solidFill>
-                <a:latin typeface="Microsoft YaHei" charset="0"/>
-                <a:ea typeface="Microsoft YaHei" charset="0"/>
-                <a:cs typeface="Microsoft YaHei" charset="0"/>
+                <a:latin typeface="微软雅黑" panose="020B0503020204020204" charset="-122"/>
+                <a:ea typeface="微软雅黑" panose="020B0503020204020204" charset="-122"/>
+                <a:cs typeface="微软雅黑" panose="020B0503020204020204" charset="-122"/>
               </a:rPr>
               <a:t> </a:t>
             </a:r>
@@ -11702,9 +11892,9 @@
                 <a:solidFill>
                   <a:prstClr val="black"/>
                 </a:solidFill>
-                <a:latin typeface="Microsoft YaHei" charset="0"/>
-                <a:ea typeface="Microsoft YaHei" charset="0"/>
-                <a:cs typeface="Microsoft YaHei" charset="0"/>
+                <a:latin typeface="微软雅黑" panose="020B0503020204020204" charset="-122"/>
+                <a:ea typeface="微软雅黑" panose="020B0503020204020204" charset="-122"/>
+                <a:cs typeface="微软雅黑" panose="020B0503020204020204" charset="-122"/>
               </a:rPr>
               <a:t>server</a:t>
             </a:r>
@@ -11712,9 +11902,9 @@
               <a:solidFill>
                 <a:prstClr val="black"/>
               </a:solidFill>
-              <a:latin typeface="Microsoft YaHei" charset="0"/>
-              <a:ea typeface="Microsoft YaHei" charset="0"/>
-              <a:cs typeface="Microsoft YaHei" charset="0"/>
+              <a:latin typeface="微软雅黑" panose="020B0503020204020204" charset="-122"/>
+              <a:ea typeface="微软雅黑" panose="020B0503020204020204" charset="-122"/>
+              <a:cs typeface="微软雅黑" panose="020B0503020204020204" charset="-122"/>
             </a:endParaRPr>
           </a:p>
         </p:txBody>
@@ -11733,7 +11923,6 @@
           <a:prstGeom prst="flowChartAlternateProcess">
             <a:avLst/>
           </a:prstGeom>
-          <a:ln/>
         </p:spPr>
         <p:style>
           <a:lnRef idx="2">
@@ -11753,7 +11942,7 @@
           <a:bodyPr anchor="ctr"/>
           <a:lstStyle/>
           <a:p>
-            <a:pPr algn="ctr" defTabSz="1219170" eaLnBrk="0" fontAlgn="base" hangingPunct="0">
+            <a:pPr algn="ctr" defTabSz="1218565" eaLnBrk="0" fontAlgn="base" hangingPunct="0">
               <a:spcBef>
                 <a:spcPct val="0"/>
               </a:spcBef>
@@ -11767,9 +11956,9 @@
                 <a:solidFill>
                   <a:prstClr val="black"/>
                 </a:solidFill>
-                <a:latin typeface="Microsoft YaHei" charset="0"/>
-                <a:ea typeface="Microsoft YaHei" charset="0"/>
-                <a:cs typeface="Microsoft YaHei" charset="0"/>
+                <a:latin typeface="微软雅黑" panose="020B0503020204020204" charset="-122"/>
+                <a:ea typeface="微软雅黑" panose="020B0503020204020204" charset="-122"/>
+                <a:cs typeface="微软雅黑" panose="020B0503020204020204" charset="-122"/>
               </a:rPr>
               <a:t>app</a:t>
             </a:r>
@@ -11777,9 +11966,9 @@
               <a:solidFill>
                 <a:prstClr val="black"/>
               </a:solidFill>
-              <a:latin typeface="Microsoft YaHei" charset="0"/>
-              <a:ea typeface="Microsoft YaHei" charset="0"/>
-              <a:cs typeface="Microsoft YaHei" charset="0"/>
+              <a:latin typeface="微软雅黑" panose="020B0503020204020204" charset="-122"/>
+              <a:ea typeface="微软雅黑" panose="020B0503020204020204" charset="-122"/>
+              <a:cs typeface="微软雅黑" panose="020B0503020204020204" charset="-122"/>
             </a:endParaRPr>
           </a:p>
         </p:txBody>
@@ -11884,7 +12073,7 @@
           <a:bodyPr anchor="ctr"/>
           <a:lstStyle/>
           <a:p>
-            <a:pPr algn="ctr" defTabSz="1219170" eaLnBrk="0" fontAlgn="base" hangingPunct="0">
+            <a:pPr algn="ctr" defTabSz="1218565" eaLnBrk="0" fontAlgn="base" hangingPunct="0">
               <a:spcBef>
                 <a:spcPct val="0"/>
               </a:spcBef>
@@ -11895,16 +12084,16 @@
             </a:pPr>
             <a:r>
               <a:rPr kumimoji="1" lang="en-US" altLang="zh-CN" kern="0" dirty="0" smtClean="0">
-                <a:latin typeface="Microsoft YaHei" charset="0"/>
-                <a:ea typeface="Microsoft YaHei" charset="0"/>
-                <a:cs typeface="Microsoft YaHei" charset="0"/>
+                <a:latin typeface="微软雅黑" panose="020B0503020204020204" charset="-122"/>
+                <a:ea typeface="微软雅黑" panose="020B0503020204020204" charset="-122"/>
+                <a:cs typeface="微软雅黑" panose="020B0503020204020204" charset="-122"/>
               </a:rPr>
               <a:t>Ehcache</a:t>
             </a:r>
             <a:endParaRPr kumimoji="1" lang="zh-CN" altLang="en-US" kern="0" dirty="0">
-              <a:latin typeface="Microsoft YaHei" charset="0"/>
-              <a:ea typeface="Microsoft YaHei" charset="0"/>
-              <a:cs typeface="Microsoft YaHei" charset="0"/>
+              <a:latin typeface="微软雅黑" panose="020B0503020204020204" charset="-122"/>
+              <a:ea typeface="微软雅黑" panose="020B0503020204020204" charset="-122"/>
+              <a:cs typeface="微软雅黑" panose="020B0503020204020204" charset="-122"/>
             </a:endParaRPr>
           </a:p>
         </p:txBody>
@@ -11941,7 +12130,7 @@
           <a:bodyPr anchor="ctr"/>
           <a:lstStyle/>
           <a:p>
-            <a:pPr algn="ctr" defTabSz="1219170" eaLnBrk="0" fontAlgn="base" hangingPunct="0">
+            <a:pPr algn="ctr" defTabSz="1218565" eaLnBrk="0" fontAlgn="base" hangingPunct="0">
               <a:spcBef>
                 <a:spcPct val="0"/>
               </a:spcBef>
@@ -11952,24 +12141,16 @@
             </a:pPr>
             <a:r>
               <a:rPr kumimoji="1" lang="en-US" altLang="zh-CN" kern="0" dirty="0" smtClean="0">
-                <a:latin typeface="Microsoft YaHei" charset="0"/>
-                <a:ea typeface="Microsoft YaHei" charset="0"/>
-                <a:cs typeface="Microsoft YaHei" charset="0"/>
-              </a:rPr>
-              <a:t>zk</a:t>
-            </a:r>
-            <a:r>
-              <a:rPr kumimoji="1" lang="en-US" altLang="zh-CN" kern="0" dirty="0" smtClean="0">
-                <a:latin typeface="Microsoft YaHei" charset="0"/>
-                <a:ea typeface="Microsoft YaHei" charset="0"/>
-                <a:cs typeface="Microsoft YaHei" charset="0"/>
-              </a:rPr>
-              <a:t>-client</a:t>
+                <a:latin typeface="微软雅黑" panose="020B0503020204020204" charset="-122"/>
+                <a:ea typeface="微软雅黑" panose="020B0503020204020204" charset="-122"/>
+                <a:cs typeface="微软雅黑" panose="020B0503020204020204" charset="-122"/>
+              </a:rPr>
+              <a:t>zk-client</a:t>
             </a:r>
             <a:endParaRPr kumimoji="1" lang="zh-CN" altLang="en-US" kern="0" dirty="0">
-              <a:latin typeface="Microsoft YaHei" charset="0"/>
-              <a:ea typeface="Microsoft YaHei" charset="0"/>
-              <a:cs typeface="Microsoft YaHei" charset="0"/>
+              <a:latin typeface="微软雅黑" panose="020B0503020204020204" charset="-122"/>
+              <a:ea typeface="微软雅黑" panose="020B0503020204020204" charset="-122"/>
+              <a:cs typeface="微软雅黑" panose="020B0503020204020204" charset="-122"/>
             </a:endParaRPr>
           </a:p>
         </p:txBody>
@@ -11998,32 +12179,32 @@
           <a:p>
             <a:r>
               <a:rPr kumimoji="1" lang="en-US" altLang="zh-CN" dirty="0" smtClean="0">
-                <a:latin typeface="Microsoft YaHei" charset="0"/>
-                <a:ea typeface="Microsoft YaHei" charset="0"/>
-                <a:cs typeface="Microsoft YaHei" charset="0"/>
+                <a:latin typeface="微软雅黑" panose="020B0503020204020204" charset="-122"/>
+                <a:ea typeface="微软雅黑" panose="020B0503020204020204" charset="-122"/>
+                <a:cs typeface="微软雅黑" panose="020B0503020204020204" charset="-122"/>
               </a:rPr>
               <a:t>push</a:t>
             </a:r>
             <a:r>
               <a:rPr kumimoji="1" lang="zh-CN" altLang="en-US" dirty="0" smtClean="0">
-                <a:latin typeface="Microsoft YaHei" charset="0"/>
-                <a:ea typeface="Microsoft YaHei" charset="0"/>
-                <a:cs typeface="Microsoft YaHei" charset="0"/>
+                <a:latin typeface="微软雅黑" panose="020B0503020204020204" charset="-122"/>
+                <a:ea typeface="微软雅黑" panose="020B0503020204020204" charset="-122"/>
+                <a:cs typeface="微软雅黑" panose="020B0503020204020204" charset="-122"/>
               </a:rPr>
               <a:t> </a:t>
             </a:r>
             <a:r>
               <a:rPr kumimoji="1" lang="en-US" altLang="zh-CN" dirty="0" smtClean="0">
-                <a:latin typeface="Microsoft YaHei" charset="0"/>
-                <a:ea typeface="Microsoft YaHei" charset="0"/>
-                <a:cs typeface="Microsoft YaHei" charset="0"/>
+                <a:latin typeface="微软雅黑" panose="020B0503020204020204" charset="-122"/>
+                <a:ea typeface="微软雅黑" panose="020B0503020204020204" charset="-122"/>
+                <a:cs typeface="微软雅黑" panose="020B0503020204020204" charset="-122"/>
               </a:rPr>
               <a:t>conf</a:t>
             </a:r>
             <a:endParaRPr kumimoji="1" lang="zh-CN" altLang="en-US" dirty="0">
-              <a:latin typeface="Microsoft YaHei" charset="0"/>
-              <a:ea typeface="Microsoft YaHei" charset="0"/>
-              <a:cs typeface="Microsoft YaHei" charset="0"/>
+              <a:latin typeface="微软雅黑" panose="020B0503020204020204" charset="-122"/>
+              <a:ea typeface="微软雅黑" panose="020B0503020204020204" charset="-122"/>
+              <a:cs typeface="微软雅黑" panose="020B0503020204020204" charset="-122"/>
             </a:endParaRPr>
           </a:p>
         </p:txBody>
@@ -12052,40 +12233,40 @@
           <a:p>
             <a:r>
               <a:rPr kumimoji="1" lang="en-US" altLang="zh-CN" dirty="0">
-                <a:latin typeface="Microsoft YaHei" charset="0"/>
-                <a:ea typeface="Microsoft YaHei" charset="0"/>
-                <a:cs typeface="Microsoft YaHei" charset="0"/>
+                <a:latin typeface="微软雅黑" panose="020B0503020204020204" charset="-122"/>
+                <a:ea typeface="微软雅黑" panose="020B0503020204020204" charset="-122"/>
+                <a:cs typeface="微软雅黑" panose="020B0503020204020204" charset="-122"/>
               </a:rPr>
               <a:t>l</a:t>
             </a:r>
             <a:r>
               <a:rPr kumimoji="1" lang="en-US" altLang="zh-CN" dirty="0" smtClean="0">
-                <a:latin typeface="Microsoft YaHei" charset="0"/>
-                <a:ea typeface="Microsoft YaHei" charset="0"/>
-                <a:cs typeface="Microsoft YaHei" charset="0"/>
+                <a:latin typeface="微软雅黑" panose="020B0503020204020204" charset="-122"/>
+                <a:ea typeface="微软雅黑" panose="020B0503020204020204" charset="-122"/>
+                <a:cs typeface="微软雅黑" panose="020B0503020204020204" charset="-122"/>
               </a:rPr>
               <a:t>oad</a:t>
             </a:r>
             <a:r>
               <a:rPr kumimoji="1" lang="zh-CN" altLang="en-US" dirty="0" smtClean="0">
-                <a:latin typeface="Microsoft YaHei" charset="0"/>
-                <a:ea typeface="Microsoft YaHei" charset="0"/>
-                <a:cs typeface="Microsoft YaHei" charset="0"/>
+                <a:latin typeface="微软雅黑" panose="020B0503020204020204" charset="-122"/>
+                <a:ea typeface="微软雅黑" panose="020B0503020204020204" charset="-122"/>
+                <a:cs typeface="微软雅黑" panose="020B0503020204020204" charset="-122"/>
               </a:rPr>
               <a:t> </a:t>
             </a:r>
             <a:r>
               <a:rPr kumimoji="1" lang="en-US" altLang="zh-CN" dirty="0" smtClean="0">
-                <a:latin typeface="Microsoft YaHei" charset="0"/>
-                <a:ea typeface="Microsoft YaHei" charset="0"/>
-                <a:cs typeface="Microsoft YaHei" charset="0"/>
+                <a:latin typeface="微软雅黑" panose="020B0503020204020204" charset="-122"/>
+                <a:ea typeface="微软雅黑" panose="020B0503020204020204" charset="-122"/>
+                <a:cs typeface="微软雅黑" panose="020B0503020204020204" charset="-122"/>
               </a:rPr>
               <a:t>conf</a:t>
             </a:r>
             <a:endParaRPr kumimoji="1" lang="zh-CN" altLang="en-US" dirty="0">
-              <a:latin typeface="Microsoft YaHei" charset="0"/>
-              <a:ea typeface="Microsoft YaHei" charset="0"/>
-              <a:cs typeface="Microsoft YaHei" charset="0"/>
+              <a:latin typeface="微软雅黑" panose="020B0503020204020204" charset="-122"/>
+              <a:ea typeface="微软雅黑" panose="020B0503020204020204" charset="-122"/>
+              <a:cs typeface="微软雅黑" panose="020B0503020204020204" charset="-122"/>
             </a:endParaRPr>
           </a:p>
         </p:txBody>
@@ -12122,7 +12303,7 @@
           <a:bodyPr anchor="ctr"/>
           <a:lstStyle/>
           <a:p>
-            <a:pPr algn="ctr" defTabSz="1219170" eaLnBrk="0" fontAlgn="base" hangingPunct="0">
+            <a:pPr algn="ctr" defTabSz="1218565" eaLnBrk="0" fontAlgn="base" hangingPunct="0">
               <a:spcBef>
                 <a:spcPct val="0"/>
               </a:spcBef>
@@ -12136,9 +12317,9 @@
                 <a:solidFill>
                   <a:prstClr val="black"/>
                 </a:solidFill>
-                <a:latin typeface="Microsoft YaHei" charset="0"/>
-                <a:ea typeface="Microsoft YaHei" charset="0"/>
-                <a:cs typeface="Microsoft YaHei" charset="0"/>
+                <a:latin typeface="微软雅黑" panose="020B0503020204020204" charset="-122"/>
+                <a:ea typeface="微软雅黑" panose="020B0503020204020204" charset="-122"/>
+                <a:cs typeface="微软雅黑" panose="020B0503020204020204" charset="-122"/>
               </a:rPr>
               <a:t>Mirror-File</a:t>
             </a:r>
@@ -12146,9 +12327,9 @@
               <a:solidFill>
                 <a:prstClr val="black"/>
               </a:solidFill>
-              <a:latin typeface="Microsoft YaHei" charset="0"/>
-              <a:ea typeface="Microsoft YaHei" charset="0"/>
-              <a:cs typeface="Microsoft YaHei" charset="0"/>
+              <a:latin typeface="微软雅黑" panose="020B0503020204020204" charset="-122"/>
+              <a:ea typeface="微软雅黑" panose="020B0503020204020204" charset="-122"/>
+              <a:cs typeface="微软雅黑" panose="020B0503020204020204" charset="-122"/>
             </a:endParaRPr>
           </a:p>
         </p:txBody>
@@ -12279,26 +12460,21 @@
           <a:p>
             <a:r>
               <a:rPr kumimoji="1" lang="en-US" altLang="zh-CN" dirty="0" smtClean="0">
-                <a:latin typeface="Microsoft YaHei" charset="0"/>
-                <a:ea typeface="Microsoft YaHei" charset="0"/>
-                <a:cs typeface="Microsoft YaHei" charset="0"/>
+                <a:latin typeface="微软雅黑" panose="020B0503020204020204" charset="-122"/>
+                <a:ea typeface="微软雅黑" panose="020B0503020204020204" charset="-122"/>
+                <a:cs typeface="微软雅黑" panose="020B0503020204020204" charset="-122"/>
               </a:rPr>
               <a:t>sync</a:t>
             </a:r>
             <a:endParaRPr kumimoji="1" lang="zh-CN" altLang="en-US" dirty="0">
-              <a:latin typeface="Microsoft YaHei" charset="0"/>
-              <a:ea typeface="Microsoft YaHei" charset="0"/>
-              <a:cs typeface="Microsoft YaHei" charset="0"/>
+              <a:latin typeface="微软雅黑" panose="020B0503020204020204" charset="-122"/>
+              <a:ea typeface="微软雅黑" panose="020B0503020204020204" charset="-122"/>
+              <a:cs typeface="微软雅黑" panose="020B0503020204020204" charset="-122"/>
             </a:endParaRPr>
           </a:p>
         </p:txBody>
       </p:sp>
     </p:spTree>
-    <p:extLst>
-      <p:ext uri="{BB962C8B-B14F-4D97-AF65-F5344CB8AC3E}">
-        <p14:creationId xmlns:p14="http://schemas.microsoft.com/office/powerpoint/2010/main" val="396254951"/>
-      </p:ext>
-    </p:extLst>
   </p:cSld>
   <p:clrMapOvr>
     <a:masterClrMapping/>
@@ -12350,9 +12526,9 @@
                 <a:solidFill>
                   <a:prstClr val="black"/>
                 </a:solidFill>
-                <a:latin typeface="Microsoft YaHei" charset="0"/>
-                <a:ea typeface="Microsoft YaHei" charset="0"/>
-                <a:cs typeface="Microsoft YaHei" charset="0"/>
+                <a:latin typeface="微软雅黑" panose="020B0503020204020204" charset="-122"/>
+                <a:ea typeface="微软雅黑" panose="020B0503020204020204" charset="-122"/>
+                <a:cs typeface="微软雅黑" panose="020B0503020204020204" charset="-122"/>
               </a:rPr>
               <a:t>XXL-CONF</a:t>
             </a:r>
@@ -12361,9 +12537,9 @@
                 <a:solidFill>
                   <a:prstClr val="black"/>
                 </a:solidFill>
-                <a:latin typeface="Microsoft YaHei" charset="0"/>
-                <a:ea typeface="Microsoft YaHei" charset="0"/>
-                <a:cs typeface="Microsoft YaHei" charset="0"/>
+                <a:latin typeface="微软雅黑" panose="020B0503020204020204" charset="-122"/>
+                <a:ea typeface="微软雅黑" panose="020B0503020204020204" charset="-122"/>
+                <a:cs typeface="微软雅黑" panose="020B0503020204020204" charset="-122"/>
               </a:rPr>
               <a:t>架</a:t>
             </a:r>
@@ -12372,9 +12548,9 @@
                 <a:solidFill>
                   <a:prstClr val="black"/>
                 </a:solidFill>
-                <a:latin typeface="Microsoft YaHei" charset="0"/>
-                <a:ea typeface="Microsoft YaHei" charset="0"/>
-                <a:cs typeface="Microsoft YaHei" charset="0"/>
+                <a:latin typeface="微软雅黑" panose="020B0503020204020204" charset="-122"/>
+                <a:ea typeface="微软雅黑" panose="020B0503020204020204" charset="-122"/>
+                <a:cs typeface="微软雅黑" panose="020B0503020204020204" charset="-122"/>
               </a:rPr>
               <a:t>构图 </a:t>
             </a:r>
@@ -12383,9 +12559,9 @@
                 <a:solidFill>
                   <a:prstClr val="black"/>
                 </a:solidFill>
-                <a:latin typeface="Microsoft YaHei" charset="0"/>
-                <a:ea typeface="Microsoft YaHei" charset="0"/>
-                <a:cs typeface="Microsoft YaHei" charset="0"/>
+                <a:latin typeface="微软雅黑" panose="020B0503020204020204" charset="-122"/>
+                <a:ea typeface="微软雅黑" panose="020B0503020204020204" charset="-122"/>
+                <a:cs typeface="微软雅黑" panose="020B0503020204020204" charset="-122"/>
               </a:rPr>
               <a:t>v1.6</a:t>
             </a:r>
@@ -12393,9 +12569,9 @@
               <a:solidFill>
                 <a:prstClr val="black"/>
               </a:solidFill>
-              <a:latin typeface="Microsoft YaHei" charset="0"/>
-              <a:ea typeface="Microsoft YaHei" charset="0"/>
-              <a:cs typeface="Microsoft YaHei" charset="0"/>
+              <a:latin typeface="微软雅黑" panose="020B0503020204020204" charset="-122"/>
+              <a:ea typeface="微软雅黑" panose="020B0503020204020204" charset="-122"/>
+              <a:cs typeface="微软雅黑" panose="020B0503020204020204" charset="-122"/>
             </a:endParaRPr>
           </a:p>
         </p:txBody>
@@ -12432,7 +12608,7 @@
           <a:bodyPr anchor="ctr"/>
           <a:lstStyle/>
           <a:p>
-            <a:pPr algn="ctr" defTabSz="1219170" eaLnBrk="0" fontAlgn="base" hangingPunct="0">
+            <a:pPr algn="ctr" defTabSz="1218565" eaLnBrk="0" fontAlgn="base" hangingPunct="0">
               <a:spcBef>
                 <a:spcPct val="0"/>
               </a:spcBef>
@@ -12443,16 +12619,16 @@
             </a:pPr>
             <a:r>
               <a:rPr kumimoji="1" lang="en-US" altLang="zh-CN" kern="0" dirty="0" smtClean="0">
-                <a:latin typeface="Microsoft YaHei" charset="0"/>
-                <a:ea typeface="Microsoft YaHei" charset="0"/>
-                <a:cs typeface="Microsoft YaHei" charset="0"/>
+                <a:latin typeface="微软雅黑" panose="020B0503020204020204" charset="-122"/>
+                <a:ea typeface="微软雅黑" panose="020B0503020204020204" charset="-122"/>
+                <a:cs typeface="微软雅黑" panose="020B0503020204020204" charset="-122"/>
               </a:rPr>
               <a:t>file</a:t>
             </a:r>
             <a:endParaRPr kumimoji="1" lang="zh-CN" altLang="en-US" kern="0" dirty="0">
-              <a:latin typeface="Microsoft YaHei" charset="0"/>
-              <a:ea typeface="Microsoft YaHei" charset="0"/>
-              <a:cs typeface="Microsoft YaHei" charset="0"/>
+              <a:latin typeface="微软雅黑" panose="020B0503020204020204" charset="-122"/>
+              <a:ea typeface="微软雅黑" panose="020B0503020204020204" charset="-122"/>
+              <a:cs typeface="微软雅黑" panose="020B0503020204020204" charset="-122"/>
             </a:endParaRPr>
           </a:p>
         </p:txBody>
@@ -12489,7 +12665,7 @@
           <a:bodyPr anchor="ctr"/>
           <a:lstStyle/>
           <a:p>
-            <a:pPr algn="ctr" defTabSz="1219170" eaLnBrk="0" fontAlgn="base" hangingPunct="0">
+            <a:pPr algn="ctr" defTabSz="1218565" eaLnBrk="0" fontAlgn="base" hangingPunct="0">
               <a:spcBef>
                 <a:spcPct val="0"/>
               </a:spcBef>
@@ -12500,16 +12676,16 @@
             </a:pPr>
             <a:r>
               <a:rPr kumimoji="1" lang="en-US" altLang="zh-CN" kern="0" dirty="0" smtClean="0">
-                <a:latin typeface="Microsoft YaHei" charset="0"/>
-                <a:ea typeface="Microsoft YaHei" charset="0"/>
-                <a:cs typeface="Microsoft YaHei" charset="0"/>
+                <a:latin typeface="微软雅黑" panose="020B0503020204020204" charset="-122"/>
+                <a:ea typeface="微软雅黑" panose="020B0503020204020204" charset="-122"/>
+                <a:cs typeface="微软雅黑" panose="020B0503020204020204" charset="-122"/>
               </a:rPr>
               <a:t>admin</a:t>
             </a:r>
             <a:endParaRPr kumimoji="1" lang="zh-CN" altLang="en-US" kern="0" dirty="0">
-              <a:latin typeface="Microsoft YaHei" charset="0"/>
-              <a:ea typeface="Microsoft YaHei" charset="0"/>
-              <a:cs typeface="Microsoft YaHei" charset="0"/>
+              <a:latin typeface="微软雅黑" panose="020B0503020204020204" charset="-122"/>
+              <a:ea typeface="微软雅黑" panose="020B0503020204020204" charset="-122"/>
+              <a:cs typeface="微软雅黑" panose="020B0503020204020204" charset="-122"/>
             </a:endParaRPr>
           </a:p>
         </p:txBody>
@@ -12544,7 +12720,7 @@
           <a:bodyPr anchor="b"/>
           <a:lstStyle/>
           <a:p>
-            <a:pPr algn="ctr" defTabSz="1219170" eaLnBrk="0" fontAlgn="base" hangingPunct="0">
+            <a:pPr algn="ctr" defTabSz="1218565" eaLnBrk="0" fontAlgn="base" hangingPunct="0">
               <a:spcBef>
                 <a:spcPct val="0"/>
               </a:spcBef>
@@ -12554,9 +12730,9 @@
               <a:defRPr/>
             </a:pPr>
             <a:endParaRPr kumimoji="1" lang="zh-CN" altLang="en-US" kern="0" dirty="0">
-              <a:latin typeface="Microsoft YaHei" charset="0"/>
-              <a:ea typeface="Microsoft YaHei" charset="0"/>
-              <a:cs typeface="Microsoft YaHei" charset="0"/>
+              <a:latin typeface="微软雅黑" panose="020B0503020204020204" charset="-122"/>
+              <a:ea typeface="微软雅黑" panose="020B0503020204020204" charset="-122"/>
+              <a:cs typeface="微软雅黑" panose="020B0503020204020204" charset="-122"/>
             </a:endParaRPr>
           </a:p>
         </p:txBody>
@@ -12597,16 +12773,16 @@
             <a:pPr algn="ctr"/>
             <a:r>
               <a:rPr kumimoji="1" lang="en-US" altLang="zh-CN" dirty="0" smtClean="0">
-                <a:latin typeface="Microsoft YaHei" charset="0"/>
-                <a:ea typeface="Microsoft YaHei" charset="0"/>
-                <a:cs typeface="Microsoft YaHei" charset="0"/>
+                <a:latin typeface="微软雅黑" panose="020B0503020204020204" charset="-122"/>
+                <a:ea typeface="微软雅黑" panose="020B0503020204020204" charset="-122"/>
+                <a:cs typeface="微软雅黑" panose="020B0503020204020204" charset="-122"/>
               </a:rPr>
               <a:t>DB</a:t>
             </a:r>
             <a:endParaRPr kumimoji="1" lang="zh-CN" altLang="en-US" dirty="0">
-              <a:latin typeface="Microsoft YaHei" charset="0"/>
-              <a:ea typeface="Microsoft YaHei" charset="0"/>
-              <a:cs typeface="Microsoft YaHei" charset="0"/>
+              <a:latin typeface="微软雅黑" panose="020B0503020204020204" charset="-122"/>
+              <a:ea typeface="微软雅黑" panose="020B0503020204020204" charset="-122"/>
+              <a:cs typeface="微软雅黑" panose="020B0503020204020204" charset="-122"/>
             </a:endParaRPr>
           </a:p>
         </p:txBody>
@@ -12643,7 +12819,7 @@
           <a:bodyPr anchor="ctr"/>
           <a:lstStyle/>
           <a:p>
-            <a:pPr algn="ctr" defTabSz="1219170" eaLnBrk="0" fontAlgn="base" hangingPunct="0">
+            <a:pPr algn="ctr" defTabSz="1218565" eaLnBrk="0" fontAlgn="base" hangingPunct="0">
               <a:spcBef>
                 <a:spcPct val="0"/>
               </a:spcBef>
@@ -12654,16 +12830,16 @@
             </a:pPr>
             <a:r>
               <a:rPr kumimoji="1" lang="en-US" altLang="zh-CN" kern="0" dirty="0" smtClean="0">
-                <a:latin typeface="Microsoft YaHei" charset="0"/>
-                <a:ea typeface="Microsoft YaHei" charset="0"/>
-                <a:cs typeface="Microsoft YaHei" charset="0"/>
+                <a:latin typeface="微软雅黑" panose="020B0503020204020204" charset="-122"/>
+                <a:ea typeface="微软雅黑" panose="020B0503020204020204" charset="-122"/>
+                <a:cs typeface="微软雅黑" panose="020B0503020204020204" charset="-122"/>
               </a:rPr>
               <a:t>client</a:t>
             </a:r>
             <a:endParaRPr kumimoji="1" lang="zh-CN" altLang="en-US" kern="0" dirty="0">
-              <a:latin typeface="Microsoft YaHei" charset="0"/>
-              <a:ea typeface="Microsoft YaHei" charset="0"/>
-              <a:cs typeface="Microsoft YaHei" charset="0"/>
+              <a:latin typeface="微软雅黑" panose="020B0503020204020204" charset="-122"/>
+              <a:ea typeface="微软雅黑" panose="020B0503020204020204" charset="-122"/>
+              <a:cs typeface="微软雅黑" panose="020B0503020204020204" charset="-122"/>
             </a:endParaRPr>
           </a:p>
         </p:txBody>
@@ -12700,7 +12876,7 @@
           <a:bodyPr anchor="ctr"/>
           <a:lstStyle/>
           <a:p>
-            <a:pPr algn="ctr" defTabSz="1219170" eaLnBrk="0" fontAlgn="base" hangingPunct="0">
+            <a:pPr algn="ctr" defTabSz="1218565" eaLnBrk="0" fontAlgn="base" hangingPunct="0">
               <a:spcBef>
                 <a:spcPct val="0"/>
               </a:spcBef>
@@ -12714,9 +12890,9 @@
                 <a:solidFill>
                   <a:prstClr val="black"/>
                 </a:solidFill>
-                <a:latin typeface="Microsoft YaHei" charset="0"/>
-                <a:ea typeface="Microsoft YaHei" charset="0"/>
-                <a:cs typeface="Microsoft YaHei" charset="0"/>
+                <a:latin typeface="微软雅黑" panose="020B0503020204020204" charset="-122"/>
+                <a:ea typeface="微软雅黑" panose="020B0503020204020204" charset="-122"/>
+                <a:cs typeface="微软雅黑" panose="020B0503020204020204" charset="-122"/>
               </a:rPr>
               <a:t>client</a:t>
             </a:r>
@@ -12724,9 +12900,9 @@
               <a:solidFill>
                 <a:prstClr val="black"/>
               </a:solidFill>
-              <a:latin typeface="Microsoft YaHei" charset="0"/>
-              <a:ea typeface="Microsoft YaHei" charset="0"/>
-              <a:cs typeface="Microsoft YaHei" charset="0"/>
+              <a:latin typeface="微软雅黑" panose="020B0503020204020204" charset="-122"/>
+              <a:ea typeface="微软雅黑" panose="020B0503020204020204" charset="-122"/>
+              <a:cs typeface="微软雅黑" panose="020B0503020204020204" charset="-122"/>
             </a:endParaRPr>
           </a:p>
         </p:txBody>
@@ -12745,7 +12921,6 @@
           <a:prstGeom prst="flowChartAlternateProcess">
             <a:avLst/>
           </a:prstGeom>
-          <a:ln/>
         </p:spPr>
         <p:style>
           <a:lnRef idx="2">
@@ -12765,7 +12940,7 @@
           <a:bodyPr anchor="ctr"/>
           <a:lstStyle/>
           <a:p>
-            <a:pPr algn="ctr" defTabSz="1219170" eaLnBrk="0" fontAlgn="base" hangingPunct="0">
+            <a:pPr algn="ctr" defTabSz="1218565" eaLnBrk="0" fontAlgn="base" hangingPunct="0">
               <a:spcBef>
                 <a:spcPct val="0"/>
               </a:spcBef>
@@ -12779,9 +12954,9 @@
                 <a:solidFill>
                   <a:prstClr val="black"/>
                 </a:solidFill>
-                <a:latin typeface="Microsoft YaHei" charset="0"/>
-                <a:ea typeface="Microsoft YaHei" charset="0"/>
-                <a:cs typeface="Microsoft YaHei" charset="0"/>
+                <a:latin typeface="微软雅黑" panose="020B0503020204020204" charset="-122"/>
+                <a:ea typeface="微软雅黑" panose="020B0503020204020204" charset="-122"/>
+                <a:cs typeface="微软雅黑" panose="020B0503020204020204" charset="-122"/>
               </a:rPr>
               <a:t>browser</a:t>
             </a:r>
@@ -12789,9 +12964,9 @@
               <a:solidFill>
                 <a:prstClr val="black"/>
               </a:solidFill>
-              <a:latin typeface="Microsoft YaHei" charset="0"/>
-              <a:ea typeface="Microsoft YaHei" charset="0"/>
-              <a:cs typeface="Microsoft YaHei" charset="0"/>
+              <a:latin typeface="微软雅黑" panose="020B0503020204020204" charset="-122"/>
+              <a:ea typeface="微软雅黑" panose="020B0503020204020204" charset="-122"/>
+              <a:cs typeface="微软雅黑" panose="020B0503020204020204" charset="-122"/>
             </a:endParaRPr>
           </a:p>
         </p:txBody>
@@ -12826,7 +13001,7 @@
           <a:bodyPr anchor="b"/>
           <a:lstStyle/>
           <a:p>
-            <a:pPr algn="ctr" defTabSz="1219170" eaLnBrk="0" fontAlgn="base" hangingPunct="0">
+            <a:pPr algn="ctr" defTabSz="1218565" eaLnBrk="0" fontAlgn="base" hangingPunct="0">
               <a:spcBef>
                 <a:spcPct val="0"/>
               </a:spcBef>
@@ -12836,9 +13011,9 @@
               <a:defRPr/>
             </a:pPr>
             <a:endParaRPr kumimoji="1" lang="zh-CN" altLang="en-US" kern="0" dirty="0">
-              <a:latin typeface="Microsoft YaHei" charset="0"/>
-              <a:ea typeface="Microsoft YaHei" charset="0"/>
-              <a:cs typeface="Microsoft YaHei" charset="0"/>
+              <a:latin typeface="微软雅黑" panose="020B0503020204020204" charset="-122"/>
+              <a:ea typeface="微软雅黑" panose="020B0503020204020204" charset="-122"/>
+              <a:cs typeface="微软雅黑" panose="020B0503020204020204" charset="-122"/>
             </a:endParaRPr>
           </a:p>
         </p:txBody>
@@ -12907,7 +13082,7 @@
           <a:bodyPr anchor="b"/>
           <a:lstStyle/>
           <a:p>
-            <a:pPr algn="ctr" defTabSz="1219170" eaLnBrk="0" fontAlgn="base" hangingPunct="0">
+            <a:pPr algn="ctr" defTabSz="1218565" eaLnBrk="0" fontAlgn="base" hangingPunct="0">
               <a:spcBef>
                 <a:spcPct val="0"/>
               </a:spcBef>
@@ -12917,9 +13092,9 @@
               <a:defRPr/>
             </a:pPr>
             <a:endParaRPr kumimoji="1" lang="zh-CN" altLang="en-US" kern="0" dirty="0">
-              <a:latin typeface="Microsoft YaHei" charset="0"/>
-              <a:ea typeface="Microsoft YaHei" charset="0"/>
-              <a:cs typeface="Microsoft YaHei" charset="0"/>
+              <a:latin typeface="微软雅黑" panose="020B0503020204020204" charset="-122"/>
+              <a:ea typeface="微软雅黑" panose="020B0503020204020204" charset="-122"/>
+              <a:cs typeface="微软雅黑" panose="020B0503020204020204" charset="-122"/>
             </a:endParaRPr>
           </a:p>
         </p:txBody>
@@ -12938,7 +13113,6 @@
           <a:prstGeom prst="flowChartAlternateProcess">
             <a:avLst/>
           </a:prstGeom>
-          <a:ln/>
         </p:spPr>
         <p:style>
           <a:lnRef idx="2">
@@ -12958,7 +13132,7 @@
           <a:bodyPr anchor="ctr"/>
           <a:lstStyle/>
           <a:p>
-            <a:pPr algn="ctr" defTabSz="1219170" eaLnBrk="0" fontAlgn="base" hangingPunct="0">
+            <a:pPr algn="ctr" defTabSz="1218565" eaLnBrk="0" fontAlgn="base" hangingPunct="0">
               <a:spcBef>
                 <a:spcPct val="0"/>
               </a:spcBef>
@@ -12972,9 +13146,9 @@
                 <a:solidFill>
                   <a:prstClr val="black"/>
                 </a:solidFill>
-                <a:latin typeface="Microsoft YaHei" charset="0"/>
-                <a:ea typeface="Microsoft YaHei" charset="0"/>
-                <a:cs typeface="Microsoft YaHei" charset="0"/>
+                <a:latin typeface="微软雅黑" panose="020B0503020204020204" charset="-122"/>
+                <a:ea typeface="微软雅黑" panose="020B0503020204020204" charset="-122"/>
+                <a:cs typeface="微软雅黑" panose="020B0503020204020204" charset="-122"/>
               </a:rPr>
               <a:t>app</a:t>
             </a:r>
@@ -12983,9 +13157,9 @@
                 <a:solidFill>
                   <a:prstClr val="black"/>
                 </a:solidFill>
-                <a:latin typeface="Microsoft YaHei" charset="0"/>
-                <a:ea typeface="Microsoft YaHei" charset="0"/>
-                <a:cs typeface="Microsoft YaHei" charset="0"/>
+                <a:latin typeface="微软雅黑" panose="020B0503020204020204" charset="-122"/>
+                <a:ea typeface="微软雅黑" panose="020B0503020204020204" charset="-122"/>
+                <a:cs typeface="微软雅黑" panose="020B0503020204020204" charset="-122"/>
               </a:rPr>
               <a:t> </a:t>
             </a:r>
@@ -12994,9 +13168,9 @@
                 <a:solidFill>
                   <a:prstClr val="black"/>
                 </a:solidFill>
-                <a:latin typeface="Microsoft YaHei" charset="0"/>
-                <a:ea typeface="Microsoft YaHei" charset="0"/>
-                <a:cs typeface="Microsoft YaHei" charset="0"/>
+                <a:latin typeface="微软雅黑" panose="020B0503020204020204" charset="-122"/>
+                <a:ea typeface="微软雅黑" panose="020B0503020204020204" charset="-122"/>
+                <a:cs typeface="微软雅黑" panose="020B0503020204020204" charset="-122"/>
               </a:rPr>
               <a:t>(java)</a:t>
             </a:r>
@@ -13004,9 +13178,9 @@
               <a:solidFill>
                 <a:prstClr val="black"/>
               </a:solidFill>
-              <a:latin typeface="Microsoft YaHei" charset="0"/>
-              <a:ea typeface="Microsoft YaHei" charset="0"/>
-              <a:cs typeface="Microsoft YaHei" charset="0"/>
+              <a:latin typeface="微软雅黑" panose="020B0503020204020204" charset="-122"/>
+              <a:ea typeface="微软雅黑" panose="020B0503020204020204" charset="-122"/>
+              <a:cs typeface="微软雅黑" panose="020B0503020204020204" charset="-122"/>
             </a:endParaRPr>
           </a:p>
         </p:txBody>
@@ -13025,7 +13199,6 @@
           <a:prstGeom prst="flowChartAlternateProcess">
             <a:avLst/>
           </a:prstGeom>
-          <a:ln/>
         </p:spPr>
         <p:style>
           <a:lnRef idx="2">
@@ -13045,7 +13218,7 @@
           <a:bodyPr anchor="ctr"/>
           <a:lstStyle/>
           <a:p>
-            <a:pPr algn="ctr" defTabSz="1219170" eaLnBrk="0" fontAlgn="base" hangingPunct="0">
+            <a:pPr algn="ctr" defTabSz="1218565" eaLnBrk="0" fontAlgn="base" hangingPunct="0">
               <a:spcBef>
                 <a:spcPct val="0"/>
               </a:spcBef>
@@ -13059,9 +13232,9 @@
                 <a:solidFill>
                   <a:prstClr val="black"/>
                 </a:solidFill>
-                <a:latin typeface="Microsoft YaHei" charset="0"/>
-                <a:ea typeface="Microsoft YaHei" charset="0"/>
-                <a:cs typeface="Microsoft YaHei" charset="0"/>
+                <a:latin typeface="微软雅黑" panose="020B0503020204020204" charset="-122"/>
+                <a:ea typeface="微软雅黑" panose="020B0503020204020204" charset="-122"/>
+                <a:cs typeface="微软雅黑" panose="020B0503020204020204" charset="-122"/>
               </a:rPr>
               <a:t>app</a:t>
             </a:r>
@@ -13070,9 +13243,9 @@
                 <a:solidFill>
                   <a:prstClr val="black"/>
                 </a:solidFill>
-                <a:latin typeface="Microsoft YaHei" charset="0"/>
-                <a:ea typeface="Microsoft YaHei" charset="0"/>
-                <a:cs typeface="Microsoft YaHei" charset="0"/>
+                <a:latin typeface="微软雅黑" panose="020B0503020204020204" charset="-122"/>
+                <a:ea typeface="微软雅黑" panose="020B0503020204020204" charset="-122"/>
+                <a:cs typeface="微软雅黑" panose="020B0503020204020204" charset="-122"/>
               </a:rPr>
               <a:t> </a:t>
             </a:r>
@@ -13081,9 +13254,9 @@
                 <a:solidFill>
                   <a:prstClr val="black"/>
                 </a:solidFill>
-                <a:latin typeface="Microsoft YaHei" charset="0"/>
-                <a:ea typeface="Microsoft YaHei" charset="0"/>
-                <a:cs typeface="Microsoft YaHei" charset="0"/>
+                <a:latin typeface="微软雅黑" panose="020B0503020204020204" charset="-122"/>
+                <a:ea typeface="微软雅黑" panose="020B0503020204020204" charset="-122"/>
+                <a:cs typeface="微软雅黑" panose="020B0503020204020204" charset="-122"/>
               </a:rPr>
               <a:t>(other)</a:t>
             </a:r>
@@ -13091,9 +13264,9 @@
               <a:solidFill>
                 <a:prstClr val="black"/>
               </a:solidFill>
-              <a:latin typeface="Microsoft YaHei" charset="0"/>
-              <a:ea typeface="Microsoft YaHei" charset="0"/>
-              <a:cs typeface="Microsoft YaHei" charset="0"/>
+              <a:latin typeface="微软雅黑" panose="020B0503020204020204" charset="-122"/>
+              <a:ea typeface="微软雅黑" panose="020B0503020204020204" charset="-122"/>
+              <a:cs typeface="微软雅黑" panose="020B0503020204020204" charset="-122"/>
             </a:endParaRPr>
           </a:p>
         </p:txBody>
@@ -13130,7 +13303,7 @@
           <a:bodyPr anchor="ctr"/>
           <a:lstStyle/>
           <a:p>
-            <a:pPr algn="ctr" defTabSz="1219170" eaLnBrk="0" fontAlgn="base" hangingPunct="0">
+            <a:pPr algn="ctr" defTabSz="1218565" eaLnBrk="0" fontAlgn="base" hangingPunct="0">
               <a:spcBef>
                 <a:spcPct val="0"/>
               </a:spcBef>
@@ -13141,16 +13314,16 @@
             </a:pPr>
             <a:r>
               <a:rPr kumimoji="1" lang="en-US" altLang="zh-CN" kern="0" dirty="0" smtClean="0">
-                <a:latin typeface="Microsoft YaHei" charset="0"/>
-                <a:ea typeface="Microsoft YaHei" charset="0"/>
-                <a:cs typeface="Microsoft YaHei" charset="0"/>
+                <a:latin typeface="微软雅黑" panose="020B0503020204020204" charset="-122"/>
+                <a:ea typeface="微软雅黑" panose="020B0503020204020204" charset="-122"/>
+                <a:cs typeface="微软雅黑" panose="020B0503020204020204" charset="-122"/>
               </a:rPr>
               <a:t>file</a:t>
             </a:r>
             <a:endParaRPr kumimoji="1" lang="zh-CN" altLang="en-US" kern="0" dirty="0">
-              <a:latin typeface="Microsoft YaHei" charset="0"/>
-              <a:ea typeface="Microsoft YaHei" charset="0"/>
-              <a:cs typeface="Microsoft YaHei" charset="0"/>
+              <a:latin typeface="微软雅黑" panose="020B0503020204020204" charset="-122"/>
+              <a:ea typeface="微软雅黑" panose="020B0503020204020204" charset="-122"/>
+              <a:cs typeface="微软雅黑" panose="020B0503020204020204" charset="-122"/>
             </a:endParaRPr>
           </a:p>
         </p:txBody>
@@ -13213,16 +13386,16 @@
           <a:p>
             <a:r>
               <a:rPr kumimoji="1" lang="en-US" altLang="zh-CN" dirty="0" smtClean="0">
-                <a:latin typeface="Microsoft YaHei" charset="0"/>
-                <a:ea typeface="Microsoft YaHei" charset="0"/>
-                <a:cs typeface="Microsoft YaHei" charset="0"/>
+                <a:latin typeface="微软雅黑" panose="020B0503020204020204" charset="-122"/>
+                <a:ea typeface="微软雅黑" panose="020B0503020204020204" charset="-122"/>
+                <a:cs typeface="微软雅黑" panose="020B0503020204020204" charset="-122"/>
               </a:rPr>
               <a:t>write</a:t>
             </a:r>
             <a:endParaRPr kumimoji="1" lang="zh-CN" altLang="en-US" dirty="0">
-              <a:latin typeface="Microsoft YaHei" charset="0"/>
-              <a:ea typeface="Microsoft YaHei" charset="0"/>
-              <a:cs typeface="Microsoft YaHei" charset="0"/>
+              <a:latin typeface="微软雅黑" panose="020B0503020204020204" charset="-122"/>
+              <a:ea typeface="微软雅黑" panose="020B0503020204020204" charset="-122"/>
+              <a:cs typeface="微软雅黑" panose="020B0503020204020204" charset="-122"/>
             </a:endParaRPr>
           </a:p>
         </p:txBody>
@@ -13251,16 +13424,16 @@
           <a:p>
             <a:r>
               <a:rPr kumimoji="1" lang="en-US" altLang="zh-CN" dirty="0">
-                <a:latin typeface="Microsoft YaHei" charset="0"/>
-                <a:ea typeface="Microsoft YaHei" charset="0"/>
-                <a:cs typeface="Microsoft YaHei" charset="0"/>
+                <a:latin typeface="微软雅黑" panose="020B0503020204020204" charset="-122"/>
+                <a:ea typeface="微软雅黑" panose="020B0503020204020204" charset="-122"/>
+                <a:cs typeface="微软雅黑" panose="020B0503020204020204" charset="-122"/>
               </a:rPr>
               <a:t>long-polling</a:t>
             </a:r>
             <a:endParaRPr kumimoji="1" lang="zh-CN" altLang="en-US" dirty="0">
-              <a:latin typeface="Microsoft YaHei" charset="0"/>
-              <a:ea typeface="Microsoft YaHei" charset="0"/>
-              <a:cs typeface="Microsoft YaHei" charset="0"/>
+              <a:latin typeface="微软雅黑" panose="020B0503020204020204" charset="-122"/>
+              <a:ea typeface="微软雅黑" panose="020B0503020204020204" charset="-122"/>
+              <a:cs typeface="微软雅黑" panose="020B0503020204020204" charset="-122"/>
             </a:endParaRPr>
           </a:p>
         </p:txBody>
@@ -13289,16 +13462,16 @@
           <a:p>
             <a:r>
               <a:rPr kumimoji="1" lang="en-US" altLang="zh-CN" dirty="0">
-                <a:latin typeface="Microsoft YaHei" charset="0"/>
-                <a:ea typeface="Microsoft YaHei" charset="0"/>
-                <a:cs typeface="Microsoft YaHei" charset="0"/>
+                <a:latin typeface="微软雅黑" panose="020B0503020204020204" charset="-122"/>
+                <a:ea typeface="微软雅黑" panose="020B0503020204020204" charset="-122"/>
+                <a:cs typeface="微软雅黑" panose="020B0503020204020204" charset="-122"/>
               </a:rPr>
               <a:t>long-polling</a:t>
             </a:r>
             <a:endParaRPr kumimoji="1" lang="zh-CN" altLang="en-US" dirty="0">
-              <a:latin typeface="Microsoft YaHei" charset="0"/>
-              <a:ea typeface="Microsoft YaHei" charset="0"/>
-              <a:cs typeface="Microsoft YaHei" charset="0"/>
+              <a:latin typeface="微软雅黑" panose="020B0503020204020204" charset="-122"/>
+              <a:ea typeface="微软雅黑" panose="020B0503020204020204" charset="-122"/>
+              <a:cs typeface="微软雅黑" panose="020B0503020204020204" charset="-122"/>
             </a:endParaRPr>
           </a:p>
         </p:txBody>
@@ -13333,7 +13506,7 @@
           <a:bodyPr anchor="b"/>
           <a:lstStyle/>
           <a:p>
-            <a:pPr algn="ctr" defTabSz="1219170" eaLnBrk="0" fontAlgn="base" hangingPunct="0">
+            <a:pPr algn="ctr" defTabSz="1218565" eaLnBrk="0" fontAlgn="base" hangingPunct="0">
               <a:spcBef>
                 <a:spcPct val="0"/>
               </a:spcBef>
@@ -13343,9 +13516,9 @@
               <a:defRPr/>
             </a:pPr>
             <a:endParaRPr kumimoji="1" lang="zh-CN" altLang="en-US" kern="0" dirty="0">
-              <a:latin typeface="Microsoft YaHei" charset="0"/>
-              <a:ea typeface="Microsoft YaHei" charset="0"/>
-              <a:cs typeface="Microsoft YaHei" charset="0"/>
+              <a:latin typeface="微软雅黑" panose="020B0503020204020204" charset="-122"/>
+              <a:ea typeface="微软雅黑" panose="020B0503020204020204" charset="-122"/>
+              <a:cs typeface="微软雅黑" panose="020B0503020204020204" charset="-122"/>
             </a:endParaRPr>
           </a:p>
         </p:txBody>
@@ -13385,11 +13558,6 @@
         </p:style>
       </p:cxnSp>
     </p:spTree>
-    <p:extLst>
-      <p:ext uri="{BB962C8B-B14F-4D97-AF65-F5344CB8AC3E}">
-        <p14:creationId xmlns:p14="http://schemas.microsoft.com/office/powerpoint/2010/main" val="1801292801"/>
-      </p:ext>
-    </p:extLst>
   </p:cSld>
   <p:clrMapOvr>
     <a:masterClrMapping/>
@@ -13441,9 +13609,9 @@
                 <a:solidFill>
                   <a:prstClr val="black"/>
                 </a:solidFill>
-                <a:latin typeface="Microsoft YaHei" charset="0"/>
-                <a:ea typeface="Microsoft YaHei" charset="0"/>
-                <a:cs typeface="Microsoft YaHei" charset="0"/>
+                <a:latin typeface="微软雅黑" panose="020B0503020204020204" charset="-122"/>
+                <a:ea typeface="微软雅黑" panose="020B0503020204020204" charset="-122"/>
+                <a:cs typeface="微软雅黑" panose="020B0503020204020204" charset="-122"/>
               </a:rPr>
               <a:t>XXL-CONF </a:t>
             </a:r>
@@ -13452,9 +13620,9 @@
                 <a:solidFill>
                   <a:prstClr val="black"/>
                 </a:solidFill>
-                <a:latin typeface="Microsoft YaHei" charset="0"/>
-                <a:ea typeface="Microsoft YaHei" charset="0"/>
-                <a:cs typeface="Microsoft YaHei" charset="0"/>
+                <a:latin typeface="微软雅黑" panose="020B0503020204020204" charset="-122"/>
+                <a:ea typeface="微软雅黑" panose="020B0503020204020204" charset="-122"/>
+                <a:cs typeface="微软雅黑" panose="020B0503020204020204" charset="-122"/>
               </a:rPr>
               <a:t>客户端设计 </a:t>
             </a:r>
@@ -13463,9 +13631,9 @@
                 <a:solidFill>
                   <a:prstClr val="black"/>
                 </a:solidFill>
-                <a:latin typeface="Microsoft YaHei" charset="0"/>
-                <a:ea typeface="Microsoft YaHei" charset="0"/>
-                <a:cs typeface="Microsoft YaHei" charset="0"/>
+                <a:latin typeface="微软雅黑" panose="020B0503020204020204" charset="-122"/>
+                <a:ea typeface="微软雅黑" panose="020B0503020204020204" charset="-122"/>
+                <a:cs typeface="微软雅黑" panose="020B0503020204020204" charset="-122"/>
               </a:rPr>
               <a:t>v1.6</a:t>
             </a:r>
@@ -13473,9 +13641,9 @@
               <a:solidFill>
                 <a:prstClr val="black"/>
               </a:solidFill>
-              <a:latin typeface="Microsoft YaHei" charset="0"/>
-              <a:ea typeface="Microsoft YaHei" charset="0"/>
-              <a:cs typeface="Microsoft YaHei" charset="0"/>
+              <a:latin typeface="微软雅黑" panose="020B0503020204020204" charset="-122"/>
+              <a:ea typeface="微软雅黑" panose="020B0503020204020204" charset="-122"/>
+              <a:cs typeface="微软雅黑" panose="020B0503020204020204" charset="-122"/>
             </a:endParaRPr>
           </a:p>
         </p:txBody>
@@ -13510,7 +13678,7 @@
           <a:bodyPr anchor="b"/>
           <a:lstStyle/>
           <a:p>
-            <a:pPr algn="ctr" defTabSz="1219170" eaLnBrk="0" fontAlgn="base" hangingPunct="0">
+            <a:pPr algn="ctr" defTabSz="1218565" eaLnBrk="0" fontAlgn="base" hangingPunct="0">
               <a:spcBef>
                 <a:spcPct val="0"/>
               </a:spcBef>
@@ -13520,9 +13688,9 @@
               <a:defRPr/>
             </a:pPr>
             <a:endParaRPr kumimoji="1" lang="zh-CN" altLang="en-US" kern="0" dirty="0">
-              <a:latin typeface="Microsoft YaHei" charset="0"/>
-              <a:ea typeface="Microsoft YaHei" charset="0"/>
-              <a:cs typeface="Microsoft YaHei" charset="0"/>
+              <a:latin typeface="微软雅黑" panose="020B0503020204020204" charset="-122"/>
+              <a:ea typeface="微软雅黑" panose="020B0503020204020204" charset="-122"/>
+              <a:cs typeface="微软雅黑" panose="020B0503020204020204" charset="-122"/>
             </a:endParaRPr>
           </a:p>
         </p:txBody>
@@ -13541,7 +13709,6 @@
           <a:prstGeom prst="flowChartAlternateProcess">
             <a:avLst/>
           </a:prstGeom>
-          <a:ln/>
         </p:spPr>
         <p:style>
           <a:lnRef idx="2">
@@ -13561,7 +13728,7 @@
           <a:bodyPr anchor="ctr"/>
           <a:lstStyle/>
           <a:p>
-            <a:pPr algn="ctr" defTabSz="1219170" eaLnBrk="0" fontAlgn="base" hangingPunct="0">
+            <a:pPr algn="ctr" defTabSz="1218565" eaLnBrk="0" fontAlgn="base" hangingPunct="0">
               <a:spcBef>
                 <a:spcPct val="0"/>
               </a:spcBef>
@@ -13575,9 +13742,9 @@
                 <a:solidFill>
                   <a:prstClr val="black"/>
                 </a:solidFill>
-                <a:latin typeface="Microsoft YaHei" charset="0"/>
-                <a:ea typeface="Microsoft YaHei" charset="0"/>
-                <a:cs typeface="Microsoft YaHei" charset="0"/>
+                <a:latin typeface="微软雅黑" panose="020B0503020204020204" charset="-122"/>
+                <a:ea typeface="微软雅黑" panose="020B0503020204020204" charset="-122"/>
+                <a:cs typeface="微软雅黑" panose="020B0503020204020204" charset="-122"/>
               </a:rPr>
               <a:t>API</a:t>
             </a:r>
@@ -13585,9 +13752,9 @@
               <a:solidFill>
                 <a:prstClr val="black"/>
               </a:solidFill>
-              <a:latin typeface="Microsoft YaHei" charset="0"/>
-              <a:ea typeface="Microsoft YaHei" charset="0"/>
-              <a:cs typeface="Microsoft YaHei" charset="0"/>
+              <a:latin typeface="微软雅黑" panose="020B0503020204020204" charset="-122"/>
+              <a:ea typeface="微软雅黑" panose="020B0503020204020204" charset="-122"/>
+              <a:cs typeface="微软雅黑" panose="020B0503020204020204" charset="-122"/>
             </a:endParaRPr>
           </a:p>
         </p:txBody>
@@ -13606,7 +13773,6 @@
           <a:prstGeom prst="flowChartAlternateProcess">
             <a:avLst/>
           </a:prstGeom>
-          <a:ln/>
         </p:spPr>
         <p:style>
           <a:lnRef idx="2">
@@ -13626,7 +13792,7 @@
           <a:bodyPr anchor="ctr"/>
           <a:lstStyle/>
           <a:p>
-            <a:pPr algn="ctr" defTabSz="1219170" eaLnBrk="0" fontAlgn="base" hangingPunct="0">
+            <a:pPr algn="ctr" defTabSz="1218565" eaLnBrk="0" fontAlgn="base" hangingPunct="0">
               <a:spcBef>
                 <a:spcPct val="0"/>
               </a:spcBef>
@@ -13640,9 +13806,9 @@
                 <a:solidFill>
                   <a:prstClr val="black"/>
                 </a:solidFill>
-                <a:latin typeface="Microsoft YaHei" charset="0"/>
-                <a:ea typeface="Microsoft YaHei" charset="0"/>
-                <a:cs typeface="Microsoft YaHei" charset="0"/>
+                <a:latin typeface="微软雅黑" panose="020B0503020204020204" charset="-122"/>
+                <a:ea typeface="微软雅黑" panose="020B0503020204020204" charset="-122"/>
+                <a:cs typeface="微软雅黑" panose="020B0503020204020204" charset="-122"/>
               </a:rPr>
               <a:t>conf</a:t>
             </a:r>
@@ -13651,9 +13817,9 @@
                 <a:solidFill>
                   <a:prstClr val="black"/>
                 </a:solidFill>
-                <a:latin typeface="Microsoft YaHei" charset="0"/>
-                <a:ea typeface="Microsoft YaHei" charset="0"/>
-                <a:cs typeface="Microsoft YaHei" charset="0"/>
+                <a:latin typeface="微软雅黑" panose="020B0503020204020204" charset="-122"/>
+                <a:ea typeface="微软雅黑" panose="020B0503020204020204" charset="-122"/>
+                <a:cs typeface="微软雅黑" panose="020B0503020204020204" charset="-122"/>
               </a:rPr>
               <a:t> </a:t>
             </a:r>
@@ -13662,9 +13828,9 @@
                 <a:solidFill>
                   <a:prstClr val="black"/>
                 </a:solidFill>
-                <a:latin typeface="Microsoft YaHei" charset="0"/>
-                <a:ea typeface="Microsoft YaHei" charset="0"/>
-                <a:cs typeface="Microsoft YaHei" charset="0"/>
+                <a:latin typeface="微软雅黑" panose="020B0503020204020204" charset="-122"/>
+                <a:ea typeface="微软雅黑" panose="020B0503020204020204" charset="-122"/>
+                <a:cs typeface="微软雅黑" panose="020B0503020204020204" charset="-122"/>
               </a:rPr>
               <a:t>server</a:t>
             </a:r>
@@ -13672,9 +13838,9 @@
               <a:solidFill>
                 <a:prstClr val="black"/>
               </a:solidFill>
-              <a:latin typeface="Microsoft YaHei" charset="0"/>
-              <a:ea typeface="Microsoft YaHei" charset="0"/>
-              <a:cs typeface="Microsoft YaHei" charset="0"/>
+              <a:latin typeface="微软雅黑" panose="020B0503020204020204" charset="-122"/>
+              <a:ea typeface="微软雅黑" panose="020B0503020204020204" charset="-122"/>
+              <a:cs typeface="微软雅黑" panose="020B0503020204020204" charset="-122"/>
             </a:endParaRPr>
           </a:p>
         </p:txBody>
@@ -13693,7 +13859,6 @@
           <a:prstGeom prst="flowChartAlternateProcess">
             <a:avLst/>
           </a:prstGeom>
-          <a:ln/>
         </p:spPr>
         <p:style>
           <a:lnRef idx="2">
@@ -13713,7 +13878,7 @@
           <a:bodyPr anchor="ctr"/>
           <a:lstStyle/>
           <a:p>
-            <a:pPr algn="ctr" defTabSz="1219170" eaLnBrk="0" fontAlgn="base" hangingPunct="0">
+            <a:pPr algn="ctr" defTabSz="1218565" eaLnBrk="0" fontAlgn="base" hangingPunct="0">
               <a:spcBef>
                 <a:spcPct val="0"/>
               </a:spcBef>
@@ -13727,9 +13892,9 @@
                 <a:solidFill>
                   <a:prstClr val="black"/>
                 </a:solidFill>
-                <a:latin typeface="Microsoft YaHei" charset="0"/>
-                <a:ea typeface="Microsoft YaHei" charset="0"/>
-                <a:cs typeface="Microsoft YaHei" charset="0"/>
+                <a:latin typeface="微软雅黑" panose="020B0503020204020204" charset="-122"/>
+                <a:ea typeface="微软雅黑" panose="020B0503020204020204" charset="-122"/>
+                <a:cs typeface="微软雅黑" panose="020B0503020204020204" charset="-122"/>
               </a:rPr>
               <a:t>app</a:t>
             </a:r>
@@ -13737,9 +13902,9 @@
               <a:solidFill>
                 <a:prstClr val="black"/>
               </a:solidFill>
-              <a:latin typeface="Microsoft YaHei" charset="0"/>
-              <a:ea typeface="Microsoft YaHei" charset="0"/>
-              <a:cs typeface="Microsoft YaHei" charset="0"/>
+              <a:latin typeface="微软雅黑" panose="020B0503020204020204" charset="-122"/>
+              <a:ea typeface="微软雅黑" panose="020B0503020204020204" charset="-122"/>
+              <a:cs typeface="微软雅黑" panose="020B0503020204020204" charset="-122"/>
             </a:endParaRPr>
           </a:p>
         </p:txBody>
@@ -13844,7 +14009,7 @@
           <a:bodyPr anchor="ctr"/>
           <a:lstStyle/>
           <a:p>
-            <a:pPr algn="ctr" defTabSz="1219170" eaLnBrk="0" fontAlgn="base" hangingPunct="0">
+            <a:pPr algn="ctr" defTabSz="1218565" eaLnBrk="0" fontAlgn="base" hangingPunct="0">
               <a:spcBef>
                 <a:spcPct val="0"/>
               </a:spcBef>
@@ -13855,16 +14020,16 @@
             </a:pPr>
             <a:r>
               <a:rPr kumimoji="1" lang="en-US" altLang="zh-CN" kern="0" dirty="0" smtClean="0">
-                <a:latin typeface="Microsoft YaHei" charset="0"/>
-                <a:ea typeface="Microsoft YaHei" charset="0"/>
-                <a:cs typeface="Microsoft YaHei" charset="0"/>
+                <a:latin typeface="微软雅黑" panose="020B0503020204020204" charset="-122"/>
+                <a:ea typeface="微软雅黑" panose="020B0503020204020204" charset="-122"/>
+                <a:cs typeface="微软雅黑" panose="020B0503020204020204" charset="-122"/>
               </a:rPr>
               <a:t>LocalCache</a:t>
             </a:r>
             <a:endParaRPr kumimoji="1" lang="zh-CN" altLang="en-US" kern="0" dirty="0">
-              <a:latin typeface="Microsoft YaHei" charset="0"/>
-              <a:ea typeface="Microsoft YaHei" charset="0"/>
-              <a:cs typeface="Microsoft YaHei" charset="0"/>
+              <a:latin typeface="微软雅黑" panose="020B0503020204020204" charset="-122"/>
+              <a:ea typeface="微软雅黑" panose="020B0503020204020204" charset="-122"/>
+              <a:cs typeface="微软雅黑" panose="020B0503020204020204" charset="-122"/>
             </a:endParaRPr>
           </a:p>
         </p:txBody>
@@ -13901,7 +14066,7 @@
           <a:bodyPr anchor="ctr"/>
           <a:lstStyle/>
           <a:p>
-            <a:pPr algn="ctr" defTabSz="1219170" eaLnBrk="0" fontAlgn="base" hangingPunct="0">
+            <a:pPr algn="ctr" defTabSz="1218565" eaLnBrk="0" fontAlgn="base" hangingPunct="0">
               <a:spcBef>
                 <a:spcPct val="0"/>
               </a:spcBef>
@@ -13912,16 +14077,16 @@
             </a:pPr>
             <a:r>
               <a:rPr kumimoji="1" lang="en-US" altLang="zh-CN" kern="0" dirty="0" smtClean="0">
-                <a:latin typeface="Microsoft YaHei" charset="0"/>
-                <a:ea typeface="Microsoft YaHei" charset="0"/>
-                <a:cs typeface="Microsoft YaHei" charset="0"/>
+                <a:latin typeface="微软雅黑" panose="020B0503020204020204" charset="-122"/>
+                <a:ea typeface="微软雅黑" panose="020B0503020204020204" charset="-122"/>
+                <a:cs typeface="微软雅黑" panose="020B0503020204020204" charset="-122"/>
               </a:rPr>
               <a:t>file</a:t>
             </a:r>
             <a:endParaRPr kumimoji="1" lang="zh-CN" altLang="en-US" kern="0" dirty="0">
-              <a:latin typeface="Microsoft YaHei" charset="0"/>
-              <a:ea typeface="Microsoft YaHei" charset="0"/>
-              <a:cs typeface="Microsoft YaHei" charset="0"/>
+              <a:latin typeface="微软雅黑" panose="020B0503020204020204" charset="-122"/>
+              <a:ea typeface="微软雅黑" panose="020B0503020204020204" charset="-122"/>
+              <a:cs typeface="微软雅黑" panose="020B0503020204020204" charset="-122"/>
             </a:endParaRPr>
           </a:p>
         </p:txBody>
@@ -13950,32 +14115,32 @@
           <a:p>
             <a:r>
               <a:rPr kumimoji="1" lang="en-US" altLang="zh-CN" dirty="0" smtClean="0">
-                <a:latin typeface="Microsoft YaHei" charset="0"/>
-                <a:ea typeface="Microsoft YaHei" charset="0"/>
-                <a:cs typeface="Microsoft YaHei" charset="0"/>
+                <a:latin typeface="微软雅黑" panose="020B0503020204020204" charset="-122"/>
+                <a:ea typeface="微软雅黑" panose="020B0503020204020204" charset="-122"/>
+                <a:cs typeface="微软雅黑" panose="020B0503020204020204" charset="-122"/>
               </a:rPr>
               <a:t>write</a:t>
             </a:r>
             <a:r>
               <a:rPr kumimoji="1" lang="zh-CN" altLang="en-US" dirty="0" smtClean="0">
-                <a:latin typeface="Microsoft YaHei" charset="0"/>
-                <a:ea typeface="Microsoft YaHei" charset="0"/>
-                <a:cs typeface="Microsoft YaHei" charset="0"/>
+                <a:latin typeface="微软雅黑" panose="020B0503020204020204" charset="-122"/>
+                <a:ea typeface="微软雅黑" panose="020B0503020204020204" charset="-122"/>
+                <a:cs typeface="微软雅黑" panose="020B0503020204020204" charset="-122"/>
               </a:rPr>
               <a:t> </a:t>
             </a:r>
             <a:r>
               <a:rPr kumimoji="1" lang="en-US" altLang="zh-CN" dirty="0" smtClean="0">
-                <a:latin typeface="Microsoft YaHei" charset="0"/>
-                <a:ea typeface="Microsoft YaHei" charset="0"/>
-                <a:cs typeface="Microsoft YaHei" charset="0"/>
+                <a:latin typeface="微软雅黑" panose="020B0503020204020204" charset="-122"/>
+                <a:ea typeface="微软雅黑" panose="020B0503020204020204" charset="-122"/>
+                <a:cs typeface="微软雅黑" panose="020B0503020204020204" charset="-122"/>
               </a:rPr>
               <a:t>conf</a:t>
             </a:r>
             <a:endParaRPr kumimoji="1" lang="zh-CN" altLang="en-US" dirty="0">
-              <a:latin typeface="Microsoft YaHei" charset="0"/>
-              <a:ea typeface="Microsoft YaHei" charset="0"/>
-              <a:cs typeface="Microsoft YaHei" charset="0"/>
+              <a:latin typeface="微软雅黑" panose="020B0503020204020204" charset="-122"/>
+              <a:ea typeface="微软雅黑" panose="020B0503020204020204" charset="-122"/>
+              <a:cs typeface="微软雅黑" panose="020B0503020204020204" charset="-122"/>
             </a:endParaRPr>
           </a:p>
         </p:txBody>
@@ -14004,40 +14169,40 @@
           <a:p>
             <a:r>
               <a:rPr kumimoji="1" lang="en-US" altLang="zh-CN" dirty="0">
-                <a:latin typeface="Microsoft YaHei" charset="0"/>
-                <a:ea typeface="Microsoft YaHei" charset="0"/>
-                <a:cs typeface="Microsoft YaHei" charset="0"/>
+                <a:latin typeface="微软雅黑" panose="020B0503020204020204" charset="-122"/>
+                <a:ea typeface="微软雅黑" panose="020B0503020204020204" charset="-122"/>
+                <a:cs typeface="微软雅黑" panose="020B0503020204020204" charset="-122"/>
               </a:rPr>
               <a:t>l</a:t>
             </a:r>
             <a:r>
               <a:rPr kumimoji="1" lang="en-US" altLang="zh-CN" dirty="0" smtClean="0">
-                <a:latin typeface="Microsoft YaHei" charset="0"/>
-                <a:ea typeface="Microsoft YaHei" charset="0"/>
-                <a:cs typeface="Microsoft YaHei" charset="0"/>
+                <a:latin typeface="微软雅黑" panose="020B0503020204020204" charset="-122"/>
+                <a:ea typeface="微软雅黑" panose="020B0503020204020204" charset="-122"/>
+                <a:cs typeface="微软雅黑" panose="020B0503020204020204" charset="-122"/>
               </a:rPr>
               <a:t>oad</a:t>
             </a:r>
             <a:r>
               <a:rPr kumimoji="1" lang="zh-CN" altLang="en-US" dirty="0" smtClean="0">
-                <a:latin typeface="Microsoft YaHei" charset="0"/>
-                <a:ea typeface="Microsoft YaHei" charset="0"/>
-                <a:cs typeface="Microsoft YaHei" charset="0"/>
+                <a:latin typeface="微软雅黑" panose="020B0503020204020204" charset="-122"/>
+                <a:ea typeface="微软雅黑" panose="020B0503020204020204" charset="-122"/>
+                <a:cs typeface="微软雅黑" panose="020B0503020204020204" charset="-122"/>
               </a:rPr>
               <a:t> </a:t>
             </a:r>
             <a:r>
               <a:rPr kumimoji="1" lang="en-US" altLang="zh-CN" dirty="0" smtClean="0">
-                <a:latin typeface="Microsoft YaHei" charset="0"/>
-                <a:ea typeface="Microsoft YaHei" charset="0"/>
-                <a:cs typeface="Microsoft YaHei" charset="0"/>
+                <a:latin typeface="微软雅黑" panose="020B0503020204020204" charset="-122"/>
+                <a:ea typeface="微软雅黑" panose="020B0503020204020204" charset="-122"/>
+                <a:cs typeface="微软雅黑" panose="020B0503020204020204" charset="-122"/>
               </a:rPr>
               <a:t>conf</a:t>
             </a:r>
             <a:endParaRPr kumimoji="1" lang="zh-CN" altLang="en-US" dirty="0">
-              <a:latin typeface="Microsoft YaHei" charset="0"/>
-              <a:ea typeface="Microsoft YaHei" charset="0"/>
-              <a:cs typeface="Microsoft YaHei" charset="0"/>
+              <a:latin typeface="微软雅黑" panose="020B0503020204020204" charset="-122"/>
+              <a:ea typeface="微软雅黑" panose="020B0503020204020204" charset="-122"/>
+              <a:cs typeface="微软雅黑" panose="020B0503020204020204" charset="-122"/>
             </a:endParaRPr>
           </a:p>
         </p:txBody>
@@ -14074,7 +14239,7 @@
           <a:bodyPr anchor="ctr"/>
           <a:lstStyle/>
           <a:p>
-            <a:pPr algn="ctr" defTabSz="1219170" eaLnBrk="0" fontAlgn="base" hangingPunct="0">
+            <a:pPr algn="ctr" defTabSz="1218565" eaLnBrk="0" fontAlgn="base" hangingPunct="0">
               <a:spcBef>
                 <a:spcPct val="0"/>
               </a:spcBef>
@@ -14088,9 +14253,9 @@
                 <a:solidFill>
                   <a:prstClr val="black"/>
                 </a:solidFill>
-                <a:latin typeface="Microsoft YaHei" charset="0"/>
-                <a:ea typeface="Microsoft YaHei" charset="0"/>
-                <a:cs typeface="Microsoft YaHei" charset="0"/>
+                <a:latin typeface="微软雅黑" panose="020B0503020204020204" charset="-122"/>
+                <a:ea typeface="微软雅黑" panose="020B0503020204020204" charset="-122"/>
+                <a:cs typeface="微软雅黑" panose="020B0503020204020204" charset="-122"/>
               </a:rPr>
               <a:t>Mirror-File</a:t>
             </a:r>
@@ -14098,9 +14263,9 @@
               <a:solidFill>
                 <a:prstClr val="black"/>
               </a:solidFill>
-              <a:latin typeface="Microsoft YaHei" charset="0"/>
-              <a:ea typeface="Microsoft YaHei" charset="0"/>
-              <a:cs typeface="Microsoft YaHei" charset="0"/>
+              <a:latin typeface="微软雅黑" panose="020B0503020204020204" charset="-122"/>
+              <a:ea typeface="微软雅黑" panose="020B0503020204020204" charset="-122"/>
+              <a:cs typeface="微软雅黑" panose="020B0503020204020204" charset="-122"/>
             </a:endParaRPr>
           </a:p>
         </p:txBody>
@@ -14197,16 +14362,16 @@
           <a:p>
             <a:r>
               <a:rPr kumimoji="1" lang="en-US" altLang="zh-CN" dirty="0" smtClean="0">
-                <a:latin typeface="Microsoft YaHei" charset="0"/>
-                <a:ea typeface="Microsoft YaHei" charset="0"/>
-                <a:cs typeface="Microsoft YaHei" charset="0"/>
+                <a:latin typeface="微软雅黑" panose="020B0503020204020204" charset="-122"/>
+                <a:ea typeface="微软雅黑" panose="020B0503020204020204" charset="-122"/>
+                <a:cs typeface="微软雅黑" panose="020B0503020204020204" charset="-122"/>
               </a:rPr>
               <a:t>sync</a:t>
             </a:r>
             <a:endParaRPr kumimoji="1" lang="zh-CN" altLang="en-US" dirty="0">
-              <a:latin typeface="Microsoft YaHei" charset="0"/>
-              <a:ea typeface="Microsoft YaHei" charset="0"/>
-              <a:cs typeface="Microsoft YaHei" charset="0"/>
+              <a:latin typeface="微软雅黑" panose="020B0503020204020204" charset="-122"/>
+              <a:ea typeface="微软雅黑" panose="020B0503020204020204" charset="-122"/>
+              <a:cs typeface="微软雅黑" panose="020B0503020204020204" charset="-122"/>
             </a:endParaRPr>
           </a:p>
         </p:txBody>
@@ -14269,26 +14434,21 @@
           <a:p>
             <a:r>
               <a:rPr kumimoji="1" lang="en-US" altLang="zh-CN" dirty="0">
-                <a:latin typeface="Microsoft YaHei" charset="0"/>
-                <a:ea typeface="Microsoft YaHei" charset="0"/>
-                <a:cs typeface="Microsoft YaHei" charset="0"/>
+                <a:latin typeface="微软雅黑" panose="020B0503020204020204" charset="-122"/>
+                <a:ea typeface="微软雅黑" panose="020B0503020204020204" charset="-122"/>
+                <a:cs typeface="微软雅黑" panose="020B0503020204020204" charset="-122"/>
               </a:rPr>
               <a:t>long-polling</a:t>
             </a:r>
             <a:endParaRPr kumimoji="1" lang="zh-CN" altLang="en-US" dirty="0">
-              <a:latin typeface="Microsoft YaHei" charset="0"/>
-              <a:ea typeface="Microsoft YaHei" charset="0"/>
-              <a:cs typeface="Microsoft YaHei" charset="0"/>
+              <a:latin typeface="微软雅黑" panose="020B0503020204020204" charset="-122"/>
+              <a:ea typeface="微软雅黑" panose="020B0503020204020204" charset="-122"/>
+              <a:cs typeface="微软雅黑" panose="020B0503020204020204" charset="-122"/>
             </a:endParaRPr>
           </a:p>
         </p:txBody>
       </p:sp>
     </p:spTree>
-    <p:extLst>
-      <p:ext uri="{BB962C8B-B14F-4D97-AF65-F5344CB8AC3E}">
-        <p14:creationId xmlns:p14="http://schemas.microsoft.com/office/powerpoint/2010/main" val="580158708"/>
-      </p:ext>
-    </p:extLst>
   </p:cSld>
   <p:clrMapOvr>
     <a:masterClrMapping/>
@@ -14547,8 +14707,6 @@
       </a:bgFillStyleLst>
     </a:fmtScheme>
   </a:themeElements>
-  <a:objectDefaults/>
-  <a:extraClrSchemeLst/>
   <a:extLst>
     <a:ext uri="{05A4C25C-085E-4340-85A3-A5531E510DB2}">
       <thm15:themeFamily xmlns:thm15="http://schemas.microsoft.com/office/thememl/2012/main" name="Office Theme" id="{62F939B6-93AF-4DB8-9C6B-D6C7DFDC589F}" vid="{4A3C46E8-61CC-4603-A589-7422A47A8E4A}"/>
@@ -14808,8 +14966,6 @@
       </a:bgFillStyleLst>
     </a:fmtScheme>
   </a:themeElements>
-  <a:objectDefaults/>
-  <a:extraClrSchemeLst/>
   <a:extLst>
     <a:ext uri="{05A4C25C-085E-4340-85A3-A5531E510DB2}">
       <thm15:themeFamily xmlns:thm15="http://schemas.microsoft.com/office/thememl/2012/main" name="Office Theme" id="{62F939B6-93AF-4DB8-9C6B-D6C7DFDC589F}" vid="{4A3C46E8-61CC-4603-A589-7422A47A8E4A}"/>
